--- a/1_plan_de_travail/figure.pptx
+++ b/1_plan_de_travail/figure.pptx
@@ -253,7 +253,7 @@
           <a:p>
             <a:fld id="{7E3C38D1-1E9B-4280-A5D6-5E10AC36964C}" type="datetimeFigureOut">
               <a:rPr lang="fr-CH" smtClean="0"/>
-              <a:t>25.05.2018</a:t>
+              <a:t>28.05.2018</a:t>
             </a:fld>
             <a:endParaRPr lang="fr-CH"/>
           </a:p>
@@ -423,7 +423,7 @@
           <a:p>
             <a:fld id="{7E3C38D1-1E9B-4280-A5D6-5E10AC36964C}" type="datetimeFigureOut">
               <a:rPr lang="fr-CH" smtClean="0"/>
-              <a:t>25.05.2018</a:t>
+              <a:t>28.05.2018</a:t>
             </a:fld>
             <a:endParaRPr lang="fr-CH"/>
           </a:p>
@@ -603,7 +603,7 @@
           <a:p>
             <a:fld id="{7E3C38D1-1E9B-4280-A5D6-5E10AC36964C}" type="datetimeFigureOut">
               <a:rPr lang="fr-CH" smtClean="0"/>
-              <a:t>25.05.2018</a:t>
+              <a:t>28.05.2018</a:t>
             </a:fld>
             <a:endParaRPr lang="fr-CH"/>
           </a:p>
@@ -773,7 +773,7 @@
           <a:p>
             <a:fld id="{7E3C38D1-1E9B-4280-A5D6-5E10AC36964C}" type="datetimeFigureOut">
               <a:rPr lang="fr-CH" smtClean="0"/>
-              <a:t>25.05.2018</a:t>
+              <a:t>28.05.2018</a:t>
             </a:fld>
             <a:endParaRPr lang="fr-CH"/>
           </a:p>
@@ -1019,7 +1019,7 @@
           <a:p>
             <a:fld id="{7E3C38D1-1E9B-4280-A5D6-5E10AC36964C}" type="datetimeFigureOut">
               <a:rPr lang="fr-CH" smtClean="0"/>
-              <a:t>25.05.2018</a:t>
+              <a:t>28.05.2018</a:t>
             </a:fld>
             <a:endParaRPr lang="fr-CH"/>
           </a:p>
@@ -1251,7 +1251,7 @@
           <a:p>
             <a:fld id="{7E3C38D1-1E9B-4280-A5D6-5E10AC36964C}" type="datetimeFigureOut">
               <a:rPr lang="fr-CH" smtClean="0"/>
-              <a:t>25.05.2018</a:t>
+              <a:t>28.05.2018</a:t>
             </a:fld>
             <a:endParaRPr lang="fr-CH"/>
           </a:p>
@@ -1618,7 +1618,7 @@
           <a:p>
             <a:fld id="{7E3C38D1-1E9B-4280-A5D6-5E10AC36964C}" type="datetimeFigureOut">
               <a:rPr lang="fr-CH" smtClean="0"/>
-              <a:t>25.05.2018</a:t>
+              <a:t>28.05.2018</a:t>
             </a:fld>
             <a:endParaRPr lang="fr-CH"/>
           </a:p>
@@ -1736,7 +1736,7 @@
           <a:p>
             <a:fld id="{7E3C38D1-1E9B-4280-A5D6-5E10AC36964C}" type="datetimeFigureOut">
               <a:rPr lang="fr-CH" smtClean="0"/>
-              <a:t>25.05.2018</a:t>
+              <a:t>28.05.2018</a:t>
             </a:fld>
             <a:endParaRPr lang="fr-CH"/>
           </a:p>
@@ -1831,7 +1831,7 @@
           <a:p>
             <a:fld id="{7E3C38D1-1E9B-4280-A5D6-5E10AC36964C}" type="datetimeFigureOut">
               <a:rPr lang="fr-CH" smtClean="0"/>
-              <a:t>25.05.2018</a:t>
+              <a:t>28.05.2018</a:t>
             </a:fld>
             <a:endParaRPr lang="fr-CH"/>
           </a:p>
@@ -2108,7 +2108,7 @@
           <a:p>
             <a:fld id="{7E3C38D1-1E9B-4280-A5D6-5E10AC36964C}" type="datetimeFigureOut">
               <a:rPr lang="fr-CH" smtClean="0"/>
-              <a:t>25.05.2018</a:t>
+              <a:t>28.05.2018</a:t>
             </a:fld>
             <a:endParaRPr lang="fr-CH"/>
           </a:p>
@@ -2361,7 +2361,7 @@
           <a:p>
             <a:fld id="{7E3C38D1-1E9B-4280-A5D6-5E10AC36964C}" type="datetimeFigureOut">
               <a:rPr lang="fr-CH" smtClean="0"/>
-              <a:t>25.05.2018</a:t>
+              <a:t>28.05.2018</a:t>
             </a:fld>
             <a:endParaRPr lang="fr-CH"/>
           </a:p>
@@ -2574,7 +2574,7 @@
           <a:p>
             <a:fld id="{7E3C38D1-1E9B-4280-A5D6-5E10AC36964C}" type="datetimeFigureOut">
               <a:rPr lang="fr-CH" smtClean="0"/>
-              <a:t>25.05.2018</a:t>
+              <a:t>28.05.2018</a:t>
             </a:fld>
             <a:endParaRPr lang="fr-CH"/>
           </a:p>
@@ -3360,6 +3360,138 @@
           </p:txBody>
         </p:sp>
       </p:grpSp>
+      <p:sp>
+        <p:nvSpPr>
+          <p:cNvPr id="12" name="Ellipse 11"/>
+          <p:cNvSpPr/>
+          <p:nvPr/>
+        </p:nvSpPr>
+        <p:spPr>
+          <a:xfrm>
+            <a:off x="5167676" y="3819083"/>
+            <a:ext cx="237506" cy="237507"/>
+          </a:xfrm>
+          <a:prstGeom prst="ellipse">
+            <a:avLst/>
+          </a:prstGeom>
+        </p:spPr>
+        <p:style>
+          <a:lnRef idx="2">
+            <a:schemeClr val="accent1">
+              <a:shade val="50000"/>
+            </a:schemeClr>
+          </a:lnRef>
+          <a:fillRef idx="1">
+            <a:schemeClr val="accent1"/>
+          </a:fillRef>
+          <a:effectRef idx="0">
+            <a:schemeClr val="accent1"/>
+          </a:effectRef>
+          <a:fontRef idx="minor">
+            <a:schemeClr val="lt1"/>
+          </a:fontRef>
+        </p:style>
+        <p:txBody>
+          <a:bodyPr rot="0" spcFirstLastPara="0" vert="horz" wrap="square" lIns="91440" tIns="45720" rIns="91440" bIns="45720" numCol="1" spcCol="0" rtlCol="0" fromWordArt="0" anchor="ctr" anchorCtr="0" forceAA="0" compatLnSpc="1">
+            <a:prstTxWarp prst="textNoShape">
+              <a:avLst/>
+            </a:prstTxWarp>
+            <a:noAutofit/>
+          </a:bodyPr>
+          <a:lstStyle/>
+          <a:p>
+            <a:endParaRPr lang="fr-CH"/>
+          </a:p>
+        </p:txBody>
+      </p:sp>
+      <p:sp>
+        <p:nvSpPr>
+          <p:cNvPr id="13" name="Ellipse 12"/>
+          <p:cNvSpPr/>
+          <p:nvPr/>
+        </p:nvSpPr>
+        <p:spPr>
+          <a:xfrm>
+            <a:off x="6199510" y="3573242"/>
+            <a:ext cx="237506" cy="237507"/>
+          </a:xfrm>
+          <a:prstGeom prst="ellipse">
+            <a:avLst/>
+          </a:prstGeom>
+        </p:spPr>
+        <p:style>
+          <a:lnRef idx="2">
+            <a:schemeClr val="accent1">
+              <a:shade val="50000"/>
+            </a:schemeClr>
+          </a:lnRef>
+          <a:fillRef idx="1">
+            <a:schemeClr val="accent1"/>
+          </a:fillRef>
+          <a:effectRef idx="0">
+            <a:schemeClr val="accent1"/>
+          </a:effectRef>
+          <a:fontRef idx="minor">
+            <a:schemeClr val="lt1"/>
+          </a:fontRef>
+        </p:style>
+        <p:txBody>
+          <a:bodyPr rot="0" spcFirstLastPara="0" vert="horz" wrap="square" lIns="91440" tIns="45720" rIns="91440" bIns="45720" numCol="1" spcCol="0" rtlCol="0" fromWordArt="0" anchor="ctr" anchorCtr="0" forceAA="0" compatLnSpc="1">
+            <a:prstTxWarp prst="textNoShape">
+              <a:avLst/>
+            </a:prstTxWarp>
+            <a:noAutofit/>
+          </a:bodyPr>
+          <a:lstStyle/>
+          <a:p>
+            <a:endParaRPr lang="fr-CH"/>
+          </a:p>
+        </p:txBody>
+      </p:sp>
+      <p:sp>
+        <p:nvSpPr>
+          <p:cNvPr id="14" name="Ellipse 13"/>
+          <p:cNvSpPr/>
+          <p:nvPr/>
+        </p:nvSpPr>
+        <p:spPr>
+          <a:xfrm>
+            <a:off x="7268926" y="3700329"/>
+            <a:ext cx="237506" cy="237507"/>
+          </a:xfrm>
+          <a:prstGeom prst="ellipse">
+            <a:avLst/>
+          </a:prstGeom>
+        </p:spPr>
+        <p:style>
+          <a:lnRef idx="2">
+            <a:schemeClr val="accent1">
+              <a:shade val="50000"/>
+            </a:schemeClr>
+          </a:lnRef>
+          <a:fillRef idx="1">
+            <a:schemeClr val="accent1"/>
+          </a:fillRef>
+          <a:effectRef idx="0">
+            <a:schemeClr val="accent1"/>
+          </a:effectRef>
+          <a:fontRef idx="minor">
+            <a:schemeClr val="lt1"/>
+          </a:fontRef>
+        </p:style>
+        <p:txBody>
+          <a:bodyPr rot="0" spcFirstLastPara="0" vert="horz" wrap="square" lIns="91440" tIns="45720" rIns="91440" bIns="45720" numCol="1" spcCol="0" rtlCol="0" fromWordArt="0" anchor="ctr" anchorCtr="0" forceAA="0" compatLnSpc="1">
+            <a:prstTxWarp prst="textNoShape">
+              <a:avLst/>
+            </a:prstTxWarp>
+            <a:noAutofit/>
+          </a:bodyPr>
+          <a:lstStyle/>
+          <a:p>
+            <a:endParaRPr lang="fr-CH"/>
+          </a:p>
+        </p:txBody>
+      </p:sp>
     </p:spTree>
     <p:extLst>
       <p:ext uri="{BB962C8B-B14F-4D97-AF65-F5344CB8AC3E}">

--- a/1_plan_de_travail/figure.pptx
+++ b/1_plan_de_travail/figure.pptx
@@ -11,14 +11,15 @@
     <p:sldId id="261" r:id="rId5"/>
     <p:sldId id="259" r:id="rId6"/>
     <p:sldId id="260" r:id="rId7"/>
-    <p:sldId id="262" r:id="rId8"/>
-    <p:sldId id="264" r:id="rId9"/>
-    <p:sldId id="269" r:id="rId10"/>
-    <p:sldId id="265" r:id="rId11"/>
-    <p:sldId id="266" r:id="rId12"/>
-    <p:sldId id="267" r:id="rId13"/>
-    <p:sldId id="268" r:id="rId14"/>
-    <p:sldId id="263" r:id="rId15"/>
+    <p:sldId id="270" r:id="rId8"/>
+    <p:sldId id="262" r:id="rId9"/>
+    <p:sldId id="264" r:id="rId10"/>
+    <p:sldId id="269" r:id="rId11"/>
+    <p:sldId id="265" r:id="rId12"/>
+    <p:sldId id="266" r:id="rId13"/>
+    <p:sldId id="267" r:id="rId14"/>
+    <p:sldId id="268" r:id="rId15"/>
+    <p:sldId id="263" r:id="rId16"/>
   </p:sldIdLst>
   <p:sldSz cx="12192000" cy="6858000"/>
   <p:notesSz cx="6858000" cy="9144000"/>
@@ -256,7 +257,7 @@
           <a:p>
             <a:fld id="{7E3C38D1-1E9B-4280-A5D6-5E10AC36964C}" type="datetimeFigureOut">
               <a:rPr lang="fr-CH" smtClean="0"/>
-              <a:t>07.06.2018</a:t>
+              <a:t>03.07.2018</a:t>
             </a:fld>
             <a:endParaRPr lang="fr-CH"/>
           </a:p>
@@ -426,7 +427,7 @@
           <a:p>
             <a:fld id="{7E3C38D1-1E9B-4280-A5D6-5E10AC36964C}" type="datetimeFigureOut">
               <a:rPr lang="fr-CH" smtClean="0"/>
-              <a:t>07.06.2018</a:t>
+              <a:t>03.07.2018</a:t>
             </a:fld>
             <a:endParaRPr lang="fr-CH"/>
           </a:p>
@@ -606,7 +607,7 @@
           <a:p>
             <a:fld id="{7E3C38D1-1E9B-4280-A5D6-5E10AC36964C}" type="datetimeFigureOut">
               <a:rPr lang="fr-CH" smtClean="0"/>
-              <a:t>07.06.2018</a:t>
+              <a:t>03.07.2018</a:t>
             </a:fld>
             <a:endParaRPr lang="fr-CH"/>
           </a:p>
@@ -776,7 +777,7 @@
           <a:p>
             <a:fld id="{7E3C38D1-1E9B-4280-A5D6-5E10AC36964C}" type="datetimeFigureOut">
               <a:rPr lang="fr-CH" smtClean="0"/>
-              <a:t>07.06.2018</a:t>
+              <a:t>03.07.2018</a:t>
             </a:fld>
             <a:endParaRPr lang="fr-CH"/>
           </a:p>
@@ -1022,7 +1023,7 @@
           <a:p>
             <a:fld id="{7E3C38D1-1E9B-4280-A5D6-5E10AC36964C}" type="datetimeFigureOut">
               <a:rPr lang="fr-CH" smtClean="0"/>
-              <a:t>07.06.2018</a:t>
+              <a:t>03.07.2018</a:t>
             </a:fld>
             <a:endParaRPr lang="fr-CH"/>
           </a:p>
@@ -1254,7 +1255,7 @@
           <a:p>
             <a:fld id="{7E3C38D1-1E9B-4280-A5D6-5E10AC36964C}" type="datetimeFigureOut">
               <a:rPr lang="fr-CH" smtClean="0"/>
-              <a:t>07.06.2018</a:t>
+              <a:t>03.07.2018</a:t>
             </a:fld>
             <a:endParaRPr lang="fr-CH"/>
           </a:p>
@@ -1621,7 +1622,7 @@
           <a:p>
             <a:fld id="{7E3C38D1-1E9B-4280-A5D6-5E10AC36964C}" type="datetimeFigureOut">
               <a:rPr lang="fr-CH" smtClean="0"/>
-              <a:t>07.06.2018</a:t>
+              <a:t>03.07.2018</a:t>
             </a:fld>
             <a:endParaRPr lang="fr-CH"/>
           </a:p>
@@ -1739,7 +1740,7 @@
           <a:p>
             <a:fld id="{7E3C38D1-1E9B-4280-A5D6-5E10AC36964C}" type="datetimeFigureOut">
               <a:rPr lang="fr-CH" smtClean="0"/>
-              <a:t>07.06.2018</a:t>
+              <a:t>03.07.2018</a:t>
             </a:fld>
             <a:endParaRPr lang="fr-CH"/>
           </a:p>
@@ -1834,7 +1835,7 @@
           <a:p>
             <a:fld id="{7E3C38D1-1E9B-4280-A5D6-5E10AC36964C}" type="datetimeFigureOut">
               <a:rPr lang="fr-CH" smtClean="0"/>
-              <a:t>07.06.2018</a:t>
+              <a:t>03.07.2018</a:t>
             </a:fld>
             <a:endParaRPr lang="fr-CH"/>
           </a:p>
@@ -2111,7 +2112,7 @@
           <a:p>
             <a:fld id="{7E3C38D1-1E9B-4280-A5D6-5E10AC36964C}" type="datetimeFigureOut">
               <a:rPr lang="fr-CH" smtClean="0"/>
-              <a:t>07.06.2018</a:t>
+              <a:t>03.07.2018</a:t>
             </a:fld>
             <a:endParaRPr lang="fr-CH"/>
           </a:p>
@@ -2364,7 +2365,7 @@
           <a:p>
             <a:fld id="{7E3C38D1-1E9B-4280-A5D6-5E10AC36964C}" type="datetimeFigureOut">
               <a:rPr lang="fr-CH" smtClean="0"/>
-              <a:t>07.06.2018</a:t>
+              <a:t>03.07.2018</a:t>
             </a:fld>
             <a:endParaRPr lang="fr-CH"/>
           </a:p>
@@ -2577,7 +2578,7 @@
           <a:p>
             <a:fld id="{7E3C38D1-1E9B-4280-A5D6-5E10AC36964C}" type="datetimeFigureOut">
               <a:rPr lang="fr-CH" smtClean="0"/>
-              <a:t>07.06.2018</a:t>
+              <a:t>03.07.2018</a:t>
             </a:fld>
             <a:endParaRPr lang="fr-CH"/>
           </a:p>
@@ -3549,1959 +3550,343 @@
           </a:prstGeom>
         </p:spPr>
       </p:pic>
-      <p:grpSp>
-        <p:nvGrpSpPr>
-          <p:cNvPr id="30" name="Groupe 29"/>
-          <p:cNvGrpSpPr/>
-          <p:nvPr/>
-        </p:nvGrpSpPr>
-        <p:grpSpPr>
-          <a:xfrm>
-            <a:off x="5084153" y="3741144"/>
-            <a:ext cx="172720" cy="172720"/>
-            <a:chOff x="2819400" y="2479040"/>
-            <a:chExt cx="172720" cy="172720"/>
-          </a:xfrm>
-        </p:grpSpPr>
-        <p:sp>
-          <p:nvSpPr>
-            <p:cNvPr id="31" name="Rectangle 30"/>
-            <p:cNvSpPr/>
-            <p:nvPr/>
-          </p:nvSpPr>
-          <p:spPr>
-            <a:xfrm>
-              <a:off x="2905760" y="2565400"/>
-              <a:ext cx="86360" cy="86360"/>
-            </a:xfrm>
-            <a:prstGeom prst="rect">
-              <a:avLst/>
-            </a:prstGeom>
-            <a:ln>
-              <a:noFill/>
-            </a:ln>
-          </p:spPr>
-          <p:style>
-            <a:lnRef idx="2">
-              <a:schemeClr val="dk1">
-                <a:shade val="50000"/>
-              </a:schemeClr>
-            </a:lnRef>
-            <a:fillRef idx="1">
-              <a:schemeClr val="dk1"/>
-            </a:fillRef>
-            <a:effectRef idx="0">
-              <a:schemeClr val="dk1"/>
-            </a:effectRef>
-            <a:fontRef idx="minor">
-              <a:schemeClr val="lt1"/>
-            </a:fontRef>
-          </p:style>
-          <p:txBody>
-            <a:bodyPr rtlCol="0" anchor="ctr"/>
-            <a:lstStyle/>
-            <a:p>
-              <a:pPr algn="ctr"/>
-              <a:endParaRPr lang="fr-CH"/>
-            </a:p>
-          </p:txBody>
-        </p:sp>
-        <p:sp>
-          <p:nvSpPr>
-            <p:cNvPr id="32" name="Rectangle 31"/>
-            <p:cNvSpPr/>
-            <p:nvPr/>
-          </p:nvSpPr>
-          <p:spPr>
-            <a:xfrm>
-              <a:off x="2905760" y="2479040"/>
-              <a:ext cx="86360" cy="86360"/>
-            </a:xfrm>
-            <a:prstGeom prst="rect">
-              <a:avLst/>
-            </a:prstGeom>
-            <a:solidFill>
-              <a:schemeClr val="bg1"/>
-            </a:solidFill>
-            <a:ln>
-              <a:noFill/>
-            </a:ln>
-          </p:spPr>
-          <p:style>
-            <a:lnRef idx="2">
-              <a:schemeClr val="dk1">
-                <a:shade val="50000"/>
-              </a:schemeClr>
-            </a:lnRef>
-            <a:fillRef idx="1">
-              <a:schemeClr val="dk1"/>
-            </a:fillRef>
-            <a:effectRef idx="0">
-              <a:schemeClr val="dk1"/>
-            </a:effectRef>
-            <a:fontRef idx="minor">
-              <a:schemeClr val="lt1"/>
-            </a:fontRef>
-          </p:style>
-          <p:txBody>
-            <a:bodyPr rtlCol="0" anchor="ctr"/>
-            <a:lstStyle/>
-            <a:p>
-              <a:pPr algn="ctr"/>
-              <a:endParaRPr lang="fr-CH"/>
-            </a:p>
-          </p:txBody>
-        </p:sp>
-        <p:sp>
-          <p:nvSpPr>
-            <p:cNvPr id="33" name="Rectangle 32"/>
-            <p:cNvSpPr/>
-            <p:nvPr/>
-          </p:nvSpPr>
-          <p:spPr>
-            <a:xfrm>
-              <a:off x="2819400" y="2565400"/>
-              <a:ext cx="86360" cy="86360"/>
-            </a:xfrm>
-            <a:prstGeom prst="rect">
-              <a:avLst/>
-            </a:prstGeom>
-            <a:solidFill>
-              <a:schemeClr val="bg1"/>
-            </a:solidFill>
-            <a:ln>
-              <a:noFill/>
-            </a:ln>
-          </p:spPr>
-          <p:style>
-            <a:lnRef idx="2">
-              <a:schemeClr val="dk1">
-                <a:shade val="50000"/>
-              </a:schemeClr>
-            </a:lnRef>
-            <a:fillRef idx="1">
-              <a:schemeClr val="dk1"/>
-            </a:fillRef>
-            <a:effectRef idx="0">
-              <a:schemeClr val="dk1"/>
-            </a:effectRef>
-            <a:fontRef idx="minor">
-              <a:schemeClr val="lt1"/>
-            </a:fontRef>
-          </p:style>
-          <p:txBody>
-            <a:bodyPr rtlCol="0" anchor="ctr"/>
-            <a:lstStyle/>
-            <a:p>
-              <a:pPr algn="ctr"/>
-              <a:endParaRPr lang="fr-CH"/>
-            </a:p>
-          </p:txBody>
-        </p:sp>
-        <p:sp>
-          <p:nvSpPr>
-            <p:cNvPr id="34" name="Rectangle 33"/>
-            <p:cNvSpPr/>
-            <p:nvPr/>
-          </p:nvSpPr>
-          <p:spPr>
-            <a:xfrm>
-              <a:off x="2819400" y="2481580"/>
-              <a:ext cx="86360" cy="86360"/>
-            </a:xfrm>
-            <a:prstGeom prst="rect">
-              <a:avLst/>
-            </a:prstGeom>
-            <a:ln>
-              <a:noFill/>
-            </a:ln>
-          </p:spPr>
-          <p:style>
-            <a:lnRef idx="2">
-              <a:schemeClr val="dk1">
-                <a:shade val="50000"/>
-              </a:schemeClr>
-            </a:lnRef>
-            <a:fillRef idx="1">
-              <a:schemeClr val="dk1"/>
-            </a:fillRef>
-            <a:effectRef idx="0">
-              <a:schemeClr val="dk1"/>
-            </a:effectRef>
-            <a:fontRef idx="minor">
-              <a:schemeClr val="lt1"/>
-            </a:fontRef>
-          </p:style>
-          <p:txBody>
-            <a:bodyPr rtlCol="0" anchor="ctr"/>
-            <a:lstStyle/>
-            <a:p>
-              <a:pPr algn="ctr"/>
-              <a:endParaRPr lang="fr-CH"/>
-            </a:p>
-          </p:txBody>
-        </p:sp>
-      </p:grpSp>
-      <p:grpSp>
-        <p:nvGrpSpPr>
-          <p:cNvPr id="35" name="Groupe 34"/>
-          <p:cNvGrpSpPr/>
-          <p:nvPr/>
-        </p:nvGrpSpPr>
-        <p:grpSpPr>
-          <a:xfrm>
-            <a:off x="6775449" y="2721396"/>
-            <a:ext cx="172720" cy="172720"/>
-            <a:chOff x="2819400" y="2479040"/>
-            <a:chExt cx="172720" cy="172720"/>
-          </a:xfrm>
-        </p:grpSpPr>
-        <p:sp>
-          <p:nvSpPr>
-            <p:cNvPr id="36" name="Rectangle 35"/>
-            <p:cNvSpPr/>
-            <p:nvPr/>
-          </p:nvSpPr>
-          <p:spPr>
-            <a:xfrm>
-              <a:off x="2905760" y="2565400"/>
-              <a:ext cx="86360" cy="86360"/>
-            </a:xfrm>
-            <a:prstGeom prst="rect">
-              <a:avLst/>
-            </a:prstGeom>
-            <a:ln>
-              <a:noFill/>
-            </a:ln>
-          </p:spPr>
-          <p:style>
-            <a:lnRef idx="2">
-              <a:schemeClr val="dk1">
-                <a:shade val="50000"/>
-              </a:schemeClr>
-            </a:lnRef>
-            <a:fillRef idx="1">
-              <a:schemeClr val="dk1"/>
-            </a:fillRef>
-            <a:effectRef idx="0">
-              <a:schemeClr val="dk1"/>
-            </a:effectRef>
-            <a:fontRef idx="minor">
-              <a:schemeClr val="lt1"/>
-            </a:fontRef>
-          </p:style>
-          <p:txBody>
-            <a:bodyPr rtlCol="0" anchor="ctr"/>
-            <a:lstStyle/>
-            <a:p>
-              <a:pPr algn="ctr"/>
-              <a:endParaRPr lang="fr-CH"/>
-            </a:p>
-          </p:txBody>
-        </p:sp>
-        <p:sp>
-          <p:nvSpPr>
-            <p:cNvPr id="37" name="Rectangle 36"/>
-            <p:cNvSpPr/>
-            <p:nvPr/>
-          </p:nvSpPr>
-          <p:spPr>
-            <a:xfrm>
-              <a:off x="2905760" y="2479040"/>
-              <a:ext cx="86360" cy="86360"/>
-            </a:xfrm>
-            <a:prstGeom prst="rect">
-              <a:avLst/>
-            </a:prstGeom>
-            <a:solidFill>
-              <a:schemeClr val="bg1"/>
-            </a:solidFill>
-            <a:ln>
-              <a:noFill/>
-            </a:ln>
-          </p:spPr>
-          <p:style>
-            <a:lnRef idx="2">
-              <a:schemeClr val="dk1">
-                <a:shade val="50000"/>
-              </a:schemeClr>
-            </a:lnRef>
-            <a:fillRef idx="1">
-              <a:schemeClr val="dk1"/>
-            </a:fillRef>
-            <a:effectRef idx="0">
-              <a:schemeClr val="dk1"/>
-            </a:effectRef>
-            <a:fontRef idx="minor">
-              <a:schemeClr val="lt1"/>
-            </a:fontRef>
-          </p:style>
-          <p:txBody>
-            <a:bodyPr rtlCol="0" anchor="ctr"/>
-            <a:lstStyle/>
-            <a:p>
-              <a:pPr algn="ctr"/>
-              <a:endParaRPr lang="fr-CH"/>
-            </a:p>
-          </p:txBody>
-        </p:sp>
-        <p:sp>
-          <p:nvSpPr>
-            <p:cNvPr id="38" name="Rectangle 37"/>
-            <p:cNvSpPr/>
-            <p:nvPr/>
-          </p:nvSpPr>
-          <p:spPr>
-            <a:xfrm>
-              <a:off x="2819400" y="2565400"/>
-              <a:ext cx="86360" cy="86360"/>
-            </a:xfrm>
-            <a:prstGeom prst="rect">
-              <a:avLst/>
-            </a:prstGeom>
-            <a:solidFill>
-              <a:schemeClr val="bg1"/>
-            </a:solidFill>
-            <a:ln>
-              <a:noFill/>
-            </a:ln>
-          </p:spPr>
-          <p:style>
-            <a:lnRef idx="2">
-              <a:schemeClr val="dk1">
-                <a:shade val="50000"/>
-              </a:schemeClr>
-            </a:lnRef>
-            <a:fillRef idx="1">
-              <a:schemeClr val="dk1"/>
-            </a:fillRef>
-            <a:effectRef idx="0">
-              <a:schemeClr val="dk1"/>
-            </a:effectRef>
-            <a:fontRef idx="minor">
-              <a:schemeClr val="lt1"/>
-            </a:fontRef>
-          </p:style>
-          <p:txBody>
-            <a:bodyPr rtlCol="0" anchor="ctr"/>
-            <a:lstStyle/>
-            <a:p>
-              <a:pPr algn="ctr"/>
-              <a:endParaRPr lang="fr-CH"/>
-            </a:p>
-          </p:txBody>
-        </p:sp>
-        <p:sp>
-          <p:nvSpPr>
-            <p:cNvPr id="39" name="Rectangle 38"/>
-            <p:cNvSpPr/>
-            <p:nvPr/>
-          </p:nvSpPr>
-          <p:spPr>
-            <a:xfrm>
-              <a:off x="2819400" y="2481580"/>
-              <a:ext cx="86360" cy="86360"/>
-            </a:xfrm>
-            <a:prstGeom prst="rect">
-              <a:avLst/>
-            </a:prstGeom>
-            <a:ln>
-              <a:noFill/>
-            </a:ln>
-          </p:spPr>
-          <p:style>
-            <a:lnRef idx="2">
-              <a:schemeClr val="dk1">
-                <a:shade val="50000"/>
-              </a:schemeClr>
-            </a:lnRef>
-            <a:fillRef idx="1">
-              <a:schemeClr val="dk1"/>
-            </a:fillRef>
-            <a:effectRef idx="0">
-              <a:schemeClr val="dk1"/>
-            </a:effectRef>
-            <a:fontRef idx="minor">
-              <a:schemeClr val="lt1"/>
-            </a:fontRef>
-          </p:style>
-          <p:txBody>
-            <a:bodyPr rtlCol="0" anchor="ctr"/>
-            <a:lstStyle/>
-            <a:p>
-              <a:pPr algn="ctr"/>
-              <a:endParaRPr lang="fr-CH"/>
-            </a:p>
-          </p:txBody>
-        </p:sp>
-      </p:grpSp>
-      <p:grpSp>
-        <p:nvGrpSpPr>
-          <p:cNvPr id="40" name="Groupe 39"/>
-          <p:cNvGrpSpPr/>
-          <p:nvPr/>
-        </p:nvGrpSpPr>
-        <p:grpSpPr>
-          <a:xfrm>
-            <a:off x="6572250" y="3038215"/>
-            <a:ext cx="172720" cy="172720"/>
-            <a:chOff x="2819400" y="2479040"/>
-            <a:chExt cx="172720" cy="172720"/>
-          </a:xfrm>
-        </p:grpSpPr>
-        <p:sp>
-          <p:nvSpPr>
-            <p:cNvPr id="41" name="Rectangle 40"/>
-            <p:cNvSpPr/>
-            <p:nvPr/>
-          </p:nvSpPr>
-          <p:spPr>
-            <a:xfrm>
-              <a:off x="2905760" y="2565400"/>
-              <a:ext cx="86360" cy="86360"/>
-            </a:xfrm>
-            <a:prstGeom prst="rect">
-              <a:avLst/>
-            </a:prstGeom>
-            <a:ln>
-              <a:noFill/>
-            </a:ln>
-          </p:spPr>
-          <p:style>
-            <a:lnRef idx="2">
-              <a:schemeClr val="dk1">
-                <a:shade val="50000"/>
-              </a:schemeClr>
-            </a:lnRef>
-            <a:fillRef idx="1">
-              <a:schemeClr val="dk1"/>
-            </a:fillRef>
-            <a:effectRef idx="0">
-              <a:schemeClr val="dk1"/>
-            </a:effectRef>
-            <a:fontRef idx="minor">
-              <a:schemeClr val="lt1"/>
-            </a:fontRef>
-          </p:style>
-          <p:txBody>
-            <a:bodyPr rtlCol="0" anchor="ctr"/>
-            <a:lstStyle/>
-            <a:p>
-              <a:pPr algn="ctr"/>
-              <a:endParaRPr lang="fr-CH"/>
-            </a:p>
-          </p:txBody>
-        </p:sp>
-        <p:sp>
-          <p:nvSpPr>
-            <p:cNvPr id="42" name="Rectangle 41"/>
-            <p:cNvSpPr/>
-            <p:nvPr/>
-          </p:nvSpPr>
-          <p:spPr>
-            <a:xfrm>
-              <a:off x="2905760" y="2479040"/>
-              <a:ext cx="86360" cy="86360"/>
-            </a:xfrm>
-            <a:prstGeom prst="rect">
-              <a:avLst/>
-            </a:prstGeom>
-            <a:solidFill>
-              <a:schemeClr val="bg1"/>
-            </a:solidFill>
-            <a:ln>
-              <a:noFill/>
-            </a:ln>
-          </p:spPr>
-          <p:style>
-            <a:lnRef idx="2">
-              <a:schemeClr val="dk1">
-                <a:shade val="50000"/>
-              </a:schemeClr>
-            </a:lnRef>
-            <a:fillRef idx="1">
-              <a:schemeClr val="dk1"/>
-            </a:fillRef>
-            <a:effectRef idx="0">
-              <a:schemeClr val="dk1"/>
-            </a:effectRef>
-            <a:fontRef idx="minor">
-              <a:schemeClr val="lt1"/>
-            </a:fontRef>
-          </p:style>
-          <p:txBody>
-            <a:bodyPr rtlCol="0" anchor="ctr"/>
-            <a:lstStyle/>
-            <a:p>
-              <a:pPr algn="ctr"/>
-              <a:endParaRPr lang="fr-CH"/>
-            </a:p>
-          </p:txBody>
-        </p:sp>
-        <p:sp>
-          <p:nvSpPr>
-            <p:cNvPr id="43" name="Rectangle 42"/>
-            <p:cNvSpPr/>
-            <p:nvPr/>
-          </p:nvSpPr>
-          <p:spPr>
-            <a:xfrm>
-              <a:off x="2819400" y="2565400"/>
-              <a:ext cx="86360" cy="86360"/>
-            </a:xfrm>
-            <a:prstGeom prst="rect">
-              <a:avLst/>
-            </a:prstGeom>
-            <a:solidFill>
-              <a:schemeClr val="bg1"/>
-            </a:solidFill>
-            <a:ln>
-              <a:noFill/>
-            </a:ln>
-          </p:spPr>
-          <p:style>
-            <a:lnRef idx="2">
-              <a:schemeClr val="dk1">
-                <a:shade val="50000"/>
-              </a:schemeClr>
-            </a:lnRef>
-            <a:fillRef idx="1">
-              <a:schemeClr val="dk1"/>
-            </a:fillRef>
-            <a:effectRef idx="0">
-              <a:schemeClr val="dk1"/>
-            </a:effectRef>
-            <a:fontRef idx="minor">
-              <a:schemeClr val="lt1"/>
-            </a:fontRef>
-          </p:style>
-          <p:txBody>
-            <a:bodyPr rtlCol="0" anchor="ctr"/>
-            <a:lstStyle/>
-            <a:p>
-              <a:pPr algn="ctr"/>
-              <a:endParaRPr lang="fr-CH"/>
-            </a:p>
-          </p:txBody>
-        </p:sp>
-        <p:sp>
-          <p:nvSpPr>
-            <p:cNvPr id="44" name="Rectangle 43"/>
-            <p:cNvSpPr/>
-            <p:nvPr/>
-          </p:nvSpPr>
-          <p:spPr>
-            <a:xfrm>
-              <a:off x="2819400" y="2481580"/>
-              <a:ext cx="86360" cy="86360"/>
-            </a:xfrm>
-            <a:prstGeom prst="rect">
-              <a:avLst/>
-            </a:prstGeom>
-            <a:ln>
-              <a:noFill/>
-            </a:ln>
-          </p:spPr>
-          <p:style>
-            <a:lnRef idx="2">
-              <a:schemeClr val="dk1">
-                <a:shade val="50000"/>
-              </a:schemeClr>
-            </a:lnRef>
-            <a:fillRef idx="1">
-              <a:schemeClr val="dk1"/>
-            </a:fillRef>
-            <a:effectRef idx="0">
-              <a:schemeClr val="dk1"/>
-            </a:effectRef>
-            <a:fontRef idx="minor">
-              <a:schemeClr val="lt1"/>
-            </a:fontRef>
-          </p:style>
-          <p:txBody>
-            <a:bodyPr rtlCol="0" anchor="ctr"/>
-            <a:lstStyle/>
-            <a:p>
-              <a:pPr algn="ctr"/>
-              <a:endParaRPr lang="fr-CH"/>
-            </a:p>
-          </p:txBody>
-        </p:sp>
-      </p:grpSp>
-      <p:grpSp>
-        <p:nvGrpSpPr>
-          <p:cNvPr id="45" name="Groupe 44"/>
-          <p:cNvGrpSpPr/>
-          <p:nvPr/>
-        </p:nvGrpSpPr>
-        <p:grpSpPr>
-          <a:xfrm>
-            <a:off x="6349365" y="3340815"/>
-            <a:ext cx="172720" cy="172720"/>
-            <a:chOff x="2819400" y="2479040"/>
-            <a:chExt cx="172720" cy="172720"/>
-          </a:xfrm>
-        </p:grpSpPr>
-        <p:sp>
-          <p:nvSpPr>
-            <p:cNvPr id="46" name="Rectangle 45"/>
-            <p:cNvSpPr/>
-            <p:nvPr/>
-          </p:nvSpPr>
-          <p:spPr>
-            <a:xfrm>
-              <a:off x="2905760" y="2565400"/>
-              <a:ext cx="86360" cy="86360"/>
-            </a:xfrm>
-            <a:prstGeom prst="rect">
-              <a:avLst/>
-            </a:prstGeom>
-            <a:ln>
-              <a:noFill/>
-            </a:ln>
-          </p:spPr>
-          <p:style>
-            <a:lnRef idx="2">
-              <a:schemeClr val="dk1">
-                <a:shade val="50000"/>
-              </a:schemeClr>
-            </a:lnRef>
-            <a:fillRef idx="1">
-              <a:schemeClr val="dk1"/>
-            </a:fillRef>
-            <a:effectRef idx="0">
-              <a:schemeClr val="dk1"/>
-            </a:effectRef>
-            <a:fontRef idx="minor">
-              <a:schemeClr val="lt1"/>
-            </a:fontRef>
-          </p:style>
-          <p:txBody>
-            <a:bodyPr rtlCol="0" anchor="ctr"/>
-            <a:lstStyle/>
-            <a:p>
-              <a:pPr algn="ctr"/>
-              <a:endParaRPr lang="fr-CH"/>
-            </a:p>
-          </p:txBody>
-        </p:sp>
-        <p:sp>
-          <p:nvSpPr>
-            <p:cNvPr id="47" name="Rectangle 46"/>
-            <p:cNvSpPr/>
-            <p:nvPr/>
-          </p:nvSpPr>
-          <p:spPr>
-            <a:xfrm>
-              <a:off x="2905760" y="2479040"/>
-              <a:ext cx="86360" cy="86360"/>
-            </a:xfrm>
-            <a:prstGeom prst="rect">
-              <a:avLst/>
-            </a:prstGeom>
-            <a:solidFill>
-              <a:schemeClr val="bg1"/>
-            </a:solidFill>
-            <a:ln>
-              <a:noFill/>
-            </a:ln>
-          </p:spPr>
-          <p:style>
-            <a:lnRef idx="2">
-              <a:schemeClr val="dk1">
-                <a:shade val="50000"/>
-              </a:schemeClr>
-            </a:lnRef>
-            <a:fillRef idx="1">
-              <a:schemeClr val="dk1"/>
-            </a:fillRef>
-            <a:effectRef idx="0">
-              <a:schemeClr val="dk1"/>
-            </a:effectRef>
-            <a:fontRef idx="minor">
-              <a:schemeClr val="lt1"/>
-            </a:fontRef>
-          </p:style>
-          <p:txBody>
-            <a:bodyPr rtlCol="0" anchor="ctr"/>
-            <a:lstStyle/>
-            <a:p>
-              <a:pPr algn="ctr"/>
-              <a:endParaRPr lang="fr-CH"/>
-            </a:p>
-          </p:txBody>
-        </p:sp>
-        <p:sp>
-          <p:nvSpPr>
-            <p:cNvPr id="48" name="Rectangle 47"/>
-            <p:cNvSpPr/>
-            <p:nvPr/>
-          </p:nvSpPr>
-          <p:spPr>
-            <a:xfrm>
-              <a:off x="2819400" y="2565400"/>
-              <a:ext cx="86360" cy="86360"/>
-            </a:xfrm>
-            <a:prstGeom prst="rect">
-              <a:avLst/>
-            </a:prstGeom>
-            <a:solidFill>
-              <a:schemeClr val="bg1"/>
-            </a:solidFill>
-            <a:ln>
-              <a:noFill/>
-            </a:ln>
-          </p:spPr>
-          <p:style>
-            <a:lnRef idx="2">
-              <a:schemeClr val="dk1">
-                <a:shade val="50000"/>
-              </a:schemeClr>
-            </a:lnRef>
-            <a:fillRef idx="1">
-              <a:schemeClr val="dk1"/>
-            </a:fillRef>
-            <a:effectRef idx="0">
-              <a:schemeClr val="dk1"/>
-            </a:effectRef>
-            <a:fontRef idx="minor">
-              <a:schemeClr val="lt1"/>
-            </a:fontRef>
-          </p:style>
-          <p:txBody>
-            <a:bodyPr rtlCol="0" anchor="ctr"/>
-            <a:lstStyle/>
-            <a:p>
-              <a:pPr algn="ctr"/>
-              <a:endParaRPr lang="fr-CH"/>
-            </a:p>
-          </p:txBody>
-        </p:sp>
-        <p:sp>
-          <p:nvSpPr>
-            <p:cNvPr id="49" name="Rectangle 48"/>
-            <p:cNvSpPr/>
-            <p:nvPr/>
-          </p:nvSpPr>
-          <p:spPr>
-            <a:xfrm>
-              <a:off x="2819400" y="2481580"/>
-              <a:ext cx="86360" cy="86360"/>
-            </a:xfrm>
-            <a:prstGeom prst="rect">
-              <a:avLst/>
-            </a:prstGeom>
-            <a:ln>
-              <a:noFill/>
-            </a:ln>
-          </p:spPr>
-          <p:style>
-            <a:lnRef idx="2">
-              <a:schemeClr val="dk1">
-                <a:shade val="50000"/>
-              </a:schemeClr>
-            </a:lnRef>
-            <a:fillRef idx="1">
-              <a:schemeClr val="dk1"/>
-            </a:fillRef>
-            <a:effectRef idx="0">
-              <a:schemeClr val="dk1"/>
-            </a:effectRef>
-            <a:fontRef idx="minor">
-              <a:schemeClr val="lt1"/>
-            </a:fontRef>
-          </p:style>
-          <p:txBody>
-            <a:bodyPr rtlCol="0" anchor="ctr"/>
-            <a:lstStyle/>
-            <a:p>
-              <a:pPr algn="ctr"/>
-              <a:endParaRPr lang="fr-CH"/>
-            </a:p>
-          </p:txBody>
-        </p:sp>
-      </p:grpSp>
-      <p:grpSp>
-        <p:nvGrpSpPr>
-          <p:cNvPr id="51" name="Groupe 50"/>
-          <p:cNvGrpSpPr/>
-          <p:nvPr/>
-        </p:nvGrpSpPr>
-        <p:grpSpPr>
-          <a:xfrm>
-            <a:off x="5959562" y="2290942"/>
-            <a:ext cx="172720" cy="172720"/>
-            <a:chOff x="2819400" y="2479040"/>
-            <a:chExt cx="172720" cy="172720"/>
-          </a:xfrm>
-        </p:grpSpPr>
-        <p:sp>
-          <p:nvSpPr>
-            <p:cNvPr id="52" name="Rectangle 51"/>
-            <p:cNvSpPr/>
-            <p:nvPr/>
-          </p:nvSpPr>
-          <p:spPr>
-            <a:xfrm>
-              <a:off x="2905760" y="2565400"/>
-              <a:ext cx="86360" cy="86360"/>
-            </a:xfrm>
-            <a:prstGeom prst="rect">
-              <a:avLst/>
-            </a:prstGeom>
-            <a:ln>
-              <a:noFill/>
-            </a:ln>
-          </p:spPr>
-          <p:style>
-            <a:lnRef idx="2">
-              <a:schemeClr val="dk1">
-                <a:shade val="50000"/>
-              </a:schemeClr>
-            </a:lnRef>
-            <a:fillRef idx="1">
-              <a:schemeClr val="dk1"/>
-            </a:fillRef>
-            <a:effectRef idx="0">
-              <a:schemeClr val="dk1"/>
-            </a:effectRef>
-            <a:fontRef idx="minor">
-              <a:schemeClr val="lt1"/>
-            </a:fontRef>
-          </p:style>
-          <p:txBody>
-            <a:bodyPr rtlCol="0" anchor="ctr"/>
-            <a:lstStyle/>
-            <a:p>
-              <a:pPr algn="ctr"/>
-              <a:endParaRPr lang="fr-CH"/>
-            </a:p>
-          </p:txBody>
-        </p:sp>
-        <p:sp>
-          <p:nvSpPr>
-            <p:cNvPr id="53" name="Rectangle 52"/>
-            <p:cNvSpPr/>
-            <p:nvPr/>
-          </p:nvSpPr>
-          <p:spPr>
-            <a:xfrm>
-              <a:off x="2905760" y="2479040"/>
-              <a:ext cx="86360" cy="86360"/>
-            </a:xfrm>
-            <a:prstGeom prst="rect">
-              <a:avLst/>
-            </a:prstGeom>
-            <a:solidFill>
-              <a:schemeClr val="bg1"/>
-            </a:solidFill>
-            <a:ln>
-              <a:noFill/>
-            </a:ln>
-          </p:spPr>
-          <p:style>
-            <a:lnRef idx="2">
-              <a:schemeClr val="dk1">
-                <a:shade val="50000"/>
-              </a:schemeClr>
-            </a:lnRef>
-            <a:fillRef idx="1">
-              <a:schemeClr val="dk1"/>
-            </a:fillRef>
-            <a:effectRef idx="0">
-              <a:schemeClr val="dk1"/>
-            </a:effectRef>
-            <a:fontRef idx="minor">
-              <a:schemeClr val="lt1"/>
-            </a:fontRef>
-          </p:style>
-          <p:txBody>
-            <a:bodyPr rtlCol="0" anchor="ctr"/>
-            <a:lstStyle/>
-            <a:p>
-              <a:pPr algn="ctr"/>
-              <a:endParaRPr lang="fr-CH"/>
-            </a:p>
-          </p:txBody>
-        </p:sp>
-        <p:sp>
-          <p:nvSpPr>
-            <p:cNvPr id="54" name="Rectangle 53"/>
-            <p:cNvSpPr/>
-            <p:nvPr/>
-          </p:nvSpPr>
-          <p:spPr>
-            <a:xfrm>
-              <a:off x="2819400" y="2565400"/>
-              <a:ext cx="86360" cy="86360"/>
-            </a:xfrm>
-            <a:prstGeom prst="rect">
-              <a:avLst/>
-            </a:prstGeom>
-            <a:solidFill>
-              <a:schemeClr val="bg1"/>
-            </a:solidFill>
-            <a:ln>
-              <a:noFill/>
-            </a:ln>
-          </p:spPr>
-          <p:style>
-            <a:lnRef idx="2">
-              <a:schemeClr val="dk1">
-                <a:shade val="50000"/>
-              </a:schemeClr>
-            </a:lnRef>
-            <a:fillRef idx="1">
-              <a:schemeClr val="dk1"/>
-            </a:fillRef>
-            <a:effectRef idx="0">
-              <a:schemeClr val="dk1"/>
-            </a:effectRef>
-            <a:fontRef idx="minor">
-              <a:schemeClr val="lt1"/>
-            </a:fontRef>
-          </p:style>
-          <p:txBody>
-            <a:bodyPr rtlCol="0" anchor="ctr"/>
-            <a:lstStyle/>
-            <a:p>
-              <a:pPr algn="ctr"/>
-              <a:endParaRPr lang="fr-CH"/>
-            </a:p>
-          </p:txBody>
-        </p:sp>
-        <p:sp>
-          <p:nvSpPr>
-            <p:cNvPr id="55" name="Rectangle 54"/>
-            <p:cNvSpPr/>
-            <p:nvPr/>
-          </p:nvSpPr>
-          <p:spPr>
-            <a:xfrm>
-              <a:off x="2819400" y="2481580"/>
-              <a:ext cx="86360" cy="86360"/>
-            </a:xfrm>
-            <a:prstGeom prst="rect">
-              <a:avLst/>
-            </a:prstGeom>
-            <a:ln>
-              <a:noFill/>
-            </a:ln>
-          </p:spPr>
-          <p:style>
-            <a:lnRef idx="2">
-              <a:schemeClr val="dk1">
-                <a:shade val="50000"/>
-              </a:schemeClr>
-            </a:lnRef>
-            <a:fillRef idx="1">
-              <a:schemeClr val="dk1"/>
-            </a:fillRef>
-            <a:effectRef idx="0">
-              <a:schemeClr val="dk1"/>
-            </a:effectRef>
-            <a:fontRef idx="minor">
-              <a:schemeClr val="lt1"/>
-            </a:fontRef>
-          </p:style>
-          <p:txBody>
-            <a:bodyPr rtlCol="0" anchor="ctr"/>
-            <a:lstStyle/>
-            <a:p>
-              <a:pPr algn="ctr"/>
-              <a:endParaRPr lang="fr-CH"/>
-            </a:p>
-          </p:txBody>
-        </p:sp>
-      </p:grpSp>
-      <p:grpSp>
-        <p:nvGrpSpPr>
-          <p:cNvPr id="56" name="Groupe 55"/>
-          <p:cNvGrpSpPr/>
-          <p:nvPr/>
-        </p:nvGrpSpPr>
-        <p:grpSpPr>
-          <a:xfrm>
-            <a:off x="6775449" y="2239826"/>
-            <a:ext cx="172720" cy="172720"/>
-            <a:chOff x="2819400" y="2479040"/>
-            <a:chExt cx="172720" cy="172720"/>
-          </a:xfrm>
-        </p:grpSpPr>
-        <p:sp>
-          <p:nvSpPr>
-            <p:cNvPr id="57" name="Rectangle 56"/>
-            <p:cNvSpPr/>
-            <p:nvPr/>
-          </p:nvSpPr>
-          <p:spPr>
-            <a:xfrm>
-              <a:off x="2905760" y="2565400"/>
-              <a:ext cx="86360" cy="86360"/>
-            </a:xfrm>
-            <a:prstGeom prst="rect">
-              <a:avLst/>
-            </a:prstGeom>
-            <a:ln>
-              <a:noFill/>
-            </a:ln>
-          </p:spPr>
-          <p:style>
-            <a:lnRef idx="2">
-              <a:schemeClr val="dk1">
-                <a:shade val="50000"/>
-              </a:schemeClr>
-            </a:lnRef>
-            <a:fillRef idx="1">
-              <a:schemeClr val="dk1"/>
-            </a:fillRef>
-            <a:effectRef idx="0">
-              <a:schemeClr val="dk1"/>
-            </a:effectRef>
-            <a:fontRef idx="minor">
-              <a:schemeClr val="lt1"/>
-            </a:fontRef>
-          </p:style>
-          <p:txBody>
-            <a:bodyPr rtlCol="0" anchor="ctr"/>
-            <a:lstStyle/>
-            <a:p>
-              <a:pPr algn="ctr"/>
-              <a:endParaRPr lang="fr-CH"/>
-            </a:p>
-          </p:txBody>
-        </p:sp>
-        <p:sp>
-          <p:nvSpPr>
-            <p:cNvPr id="58" name="Rectangle 57"/>
-            <p:cNvSpPr/>
-            <p:nvPr/>
-          </p:nvSpPr>
-          <p:spPr>
-            <a:xfrm>
-              <a:off x="2905760" y="2479040"/>
-              <a:ext cx="86360" cy="86360"/>
-            </a:xfrm>
-            <a:prstGeom prst="rect">
-              <a:avLst/>
-            </a:prstGeom>
-            <a:solidFill>
-              <a:schemeClr val="bg1"/>
-            </a:solidFill>
-            <a:ln>
-              <a:noFill/>
-            </a:ln>
-          </p:spPr>
-          <p:style>
-            <a:lnRef idx="2">
-              <a:schemeClr val="dk1">
-                <a:shade val="50000"/>
-              </a:schemeClr>
-            </a:lnRef>
-            <a:fillRef idx="1">
-              <a:schemeClr val="dk1"/>
-            </a:fillRef>
-            <a:effectRef idx="0">
-              <a:schemeClr val="dk1"/>
-            </a:effectRef>
-            <a:fontRef idx="minor">
-              <a:schemeClr val="lt1"/>
-            </a:fontRef>
-          </p:style>
-          <p:txBody>
-            <a:bodyPr rtlCol="0" anchor="ctr"/>
-            <a:lstStyle/>
-            <a:p>
-              <a:pPr algn="ctr"/>
-              <a:endParaRPr lang="fr-CH"/>
-            </a:p>
-          </p:txBody>
-        </p:sp>
-        <p:sp>
-          <p:nvSpPr>
-            <p:cNvPr id="59" name="Rectangle 58"/>
-            <p:cNvSpPr/>
-            <p:nvPr/>
-          </p:nvSpPr>
-          <p:spPr>
-            <a:xfrm>
-              <a:off x="2819400" y="2565400"/>
-              <a:ext cx="86360" cy="86360"/>
-            </a:xfrm>
-            <a:prstGeom prst="rect">
-              <a:avLst/>
-            </a:prstGeom>
-            <a:solidFill>
-              <a:schemeClr val="bg1"/>
-            </a:solidFill>
-            <a:ln>
-              <a:noFill/>
-            </a:ln>
-          </p:spPr>
-          <p:style>
-            <a:lnRef idx="2">
-              <a:schemeClr val="dk1">
-                <a:shade val="50000"/>
-              </a:schemeClr>
-            </a:lnRef>
-            <a:fillRef idx="1">
-              <a:schemeClr val="dk1"/>
-            </a:fillRef>
-            <a:effectRef idx="0">
-              <a:schemeClr val="dk1"/>
-            </a:effectRef>
-            <a:fontRef idx="minor">
-              <a:schemeClr val="lt1"/>
-            </a:fontRef>
-          </p:style>
-          <p:txBody>
-            <a:bodyPr rtlCol="0" anchor="ctr"/>
-            <a:lstStyle/>
-            <a:p>
-              <a:pPr algn="ctr"/>
-              <a:endParaRPr lang="fr-CH"/>
-            </a:p>
-          </p:txBody>
-        </p:sp>
-        <p:sp>
-          <p:nvSpPr>
-            <p:cNvPr id="60" name="Rectangle 59"/>
-            <p:cNvSpPr/>
-            <p:nvPr/>
-          </p:nvSpPr>
-          <p:spPr>
-            <a:xfrm>
-              <a:off x="2819400" y="2481580"/>
-              <a:ext cx="86360" cy="86360"/>
-            </a:xfrm>
-            <a:prstGeom prst="rect">
-              <a:avLst/>
-            </a:prstGeom>
-            <a:ln>
-              <a:noFill/>
-            </a:ln>
-          </p:spPr>
-          <p:style>
-            <a:lnRef idx="2">
-              <a:schemeClr val="dk1">
-                <a:shade val="50000"/>
-              </a:schemeClr>
-            </a:lnRef>
-            <a:fillRef idx="1">
-              <a:schemeClr val="dk1"/>
-            </a:fillRef>
-            <a:effectRef idx="0">
-              <a:schemeClr val="dk1"/>
-            </a:effectRef>
-            <a:fontRef idx="minor">
-              <a:schemeClr val="lt1"/>
-            </a:fontRef>
-          </p:style>
-          <p:txBody>
-            <a:bodyPr rtlCol="0" anchor="ctr"/>
-            <a:lstStyle/>
-            <a:p>
-              <a:pPr algn="ctr"/>
-              <a:endParaRPr lang="fr-CH"/>
-            </a:p>
-          </p:txBody>
-        </p:sp>
-      </p:grpSp>
-      <p:grpSp>
-        <p:nvGrpSpPr>
-          <p:cNvPr id="61" name="Groupe 60"/>
-          <p:cNvGrpSpPr/>
-          <p:nvPr/>
-        </p:nvGrpSpPr>
-        <p:grpSpPr>
-          <a:xfrm>
-            <a:off x="6244908" y="3124223"/>
-            <a:ext cx="172720" cy="172720"/>
-            <a:chOff x="2819400" y="2479040"/>
-            <a:chExt cx="172720" cy="172720"/>
-          </a:xfrm>
-        </p:grpSpPr>
-        <p:sp>
-          <p:nvSpPr>
-            <p:cNvPr id="62" name="Rectangle 61"/>
-            <p:cNvSpPr/>
-            <p:nvPr/>
-          </p:nvSpPr>
-          <p:spPr>
-            <a:xfrm>
-              <a:off x="2905760" y="2565400"/>
-              <a:ext cx="86360" cy="86360"/>
-            </a:xfrm>
-            <a:prstGeom prst="rect">
-              <a:avLst/>
-            </a:prstGeom>
-            <a:ln>
-              <a:noFill/>
-            </a:ln>
-          </p:spPr>
-          <p:style>
-            <a:lnRef idx="2">
-              <a:schemeClr val="dk1">
-                <a:shade val="50000"/>
-              </a:schemeClr>
-            </a:lnRef>
-            <a:fillRef idx="1">
-              <a:schemeClr val="dk1"/>
-            </a:fillRef>
-            <a:effectRef idx="0">
-              <a:schemeClr val="dk1"/>
-            </a:effectRef>
-            <a:fontRef idx="minor">
-              <a:schemeClr val="lt1"/>
-            </a:fontRef>
-          </p:style>
-          <p:txBody>
-            <a:bodyPr rtlCol="0" anchor="ctr"/>
-            <a:lstStyle/>
-            <a:p>
-              <a:pPr algn="ctr"/>
-              <a:endParaRPr lang="fr-CH"/>
-            </a:p>
-          </p:txBody>
-        </p:sp>
-        <p:sp>
-          <p:nvSpPr>
-            <p:cNvPr id="63" name="Rectangle 62"/>
-            <p:cNvSpPr/>
-            <p:nvPr/>
-          </p:nvSpPr>
-          <p:spPr>
-            <a:xfrm>
-              <a:off x="2905760" y="2479040"/>
-              <a:ext cx="86360" cy="86360"/>
-            </a:xfrm>
-            <a:prstGeom prst="rect">
-              <a:avLst/>
-            </a:prstGeom>
-            <a:solidFill>
-              <a:schemeClr val="bg1"/>
-            </a:solidFill>
-            <a:ln>
-              <a:noFill/>
-            </a:ln>
-          </p:spPr>
-          <p:style>
-            <a:lnRef idx="2">
-              <a:schemeClr val="dk1">
-                <a:shade val="50000"/>
-              </a:schemeClr>
-            </a:lnRef>
-            <a:fillRef idx="1">
-              <a:schemeClr val="dk1"/>
-            </a:fillRef>
-            <a:effectRef idx="0">
-              <a:schemeClr val="dk1"/>
-            </a:effectRef>
-            <a:fontRef idx="minor">
-              <a:schemeClr val="lt1"/>
-            </a:fontRef>
-          </p:style>
-          <p:txBody>
-            <a:bodyPr rtlCol="0" anchor="ctr"/>
-            <a:lstStyle/>
-            <a:p>
-              <a:pPr algn="ctr"/>
-              <a:endParaRPr lang="fr-CH"/>
-            </a:p>
-          </p:txBody>
-        </p:sp>
-        <p:sp>
-          <p:nvSpPr>
-            <p:cNvPr id="64" name="Rectangle 63"/>
-            <p:cNvSpPr/>
-            <p:nvPr/>
-          </p:nvSpPr>
-          <p:spPr>
-            <a:xfrm>
-              <a:off x="2819400" y="2565400"/>
-              <a:ext cx="86360" cy="86360"/>
-            </a:xfrm>
-            <a:prstGeom prst="rect">
-              <a:avLst/>
-            </a:prstGeom>
-            <a:solidFill>
-              <a:schemeClr val="bg1"/>
-            </a:solidFill>
-            <a:ln>
-              <a:noFill/>
-            </a:ln>
-          </p:spPr>
-          <p:style>
-            <a:lnRef idx="2">
-              <a:schemeClr val="dk1">
-                <a:shade val="50000"/>
-              </a:schemeClr>
-            </a:lnRef>
-            <a:fillRef idx="1">
-              <a:schemeClr val="dk1"/>
-            </a:fillRef>
-            <a:effectRef idx="0">
-              <a:schemeClr val="dk1"/>
-            </a:effectRef>
-            <a:fontRef idx="minor">
-              <a:schemeClr val="lt1"/>
-            </a:fontRef>
-          </p:style>
-          <p:txBody>
-            <a:bodyPr rtlCol="0" anchor="ctr"/>
-            <a:lstStyle/>
-            <a:p>
-              <a:pPr algn="ctr"/>
-              <a:endParaRPr lang="fr-CH"/>
-            </a:p>
-          </p:txBody>
-        </p:sp>
-        <p:sp>
-          <p:nvSpPr>
-            <p:cNvPr id="65" name="Rectangle 64"/>
-            <p:cNvSpPr/>
-            <p:nvPr/>
-          </p:nvSpPr>
-          <p:spPr>
-            <a:xfrm>
-              <a:off x="2819400" y="2481580"/>
-              <a:ext cx="86360" cy="86360"/>
-            </a:xfrm>
-            <a:prstGeom prst="rect">
-              <a:avLst/>
-            </a:prstGeom>
-            <a:ln>
-              <a:noFill/>
-            </a:ln>
-          </p:spPr>
-          <p:style>
-            <a:lnRef idx="2">
-              <a:schemeClr val="dk1">
-                <a:shade val="50000"/>
-              </a:schemeClr>
-            </a:lnRef>
-            <a:fillRef idx="1">
-              <a:schemeClr val="dk1"/>
-            </a:fillRef>
-            <a:effectRef idx="0">
-              <a:schemeClr val="dk1"/>
-            </a:effectRef>
-            <a:fontRef idx="minor">
-              <a:schemeClr val="lt1"/>
-            </a:fontRef>
-          </p:style>
-          <p:txBody>
-            <a:bodyPr rtlCol="0" anchor="ctr"/>
-            <a:lstStyle/>
-            <a:p>
-              <a:pPr algn="ctr"/>
-              <a:endParaRPr lang="fr-CH"/>
-            </a:p>
-          </p:txBody>
-        </p:sp>
-      </p:grpSp>
-      <p:grpSp>
-        <p:nvGrpSpPr>
-          <p:cNvPr id="66" name="Groupe 65"/>
-          <p:cNvGrpSpPr/>
-          <p:nvPr/>
-        </p:nvGrpSpPr>
-        <p:grpSpPr>
-          <a:xfrm>
-            <a:off x="4910138" y="2678216"/>
-            <a:ext cx="172720" cy="172720"/>
-            <a:chOff x="2819400" y="2479040"/>
-            <a:chExt cx="172720" cy="172720"/>
-          </a:xfrm>
-        </p:grpSpPr>
-        <p:sp>
-          <p:nvSpPr>
-            <p:cNvPr id="67" name="Rectangle 66"/>
-            <p:cNvSpPr/>
-            <p:nvPr/>
-          </p:nvSpPr>
-          <p:spPr>
-            <a:xfrm>
-              <a:off x="2905760" y="2565400"/>
-              <a:ext cx="86360" cy="86360"/>
-            </a:xfrm>
-            <a:prstGeom prst="rect">
-              <a:avLst/>
-            </a:prstGeom>
-            <a:ln>
-              <a:noFill/>
-            </a:ln>
-          </p:spPr>
-          <p:style>
-            <a:lnRef idx="2">
-              <a:schemeClr val="dk1">
-                <a:shade val="50000"/>
-              </a:schemeClr>
-            </a:lnRef>
-            <a:fillRef idx="1">
-              <a:schemeClr val="dk1"/>
-            </a:fillRef>
-            <a:effectRef idx="0">
-              <a:schemeClr val="dk1"/>
-            </a:effectRef>
-            <a:fontRef idx="minor">
-              <a:schemeClr val="lt1"/>
-            </a:fontRef>
-          </p:style>
-          <p:txBody>
-            <a:bodyPr rtlCol="0" anchor="ctr"/>
-            <a:lstStyle/>
-            <a:p>
-              <a:pPr algn="ctr"/>
-              <a:endParaRPr lang="fr-CH"/>
-            </a:p>
-          </p:txBody>
-        </p:sp>
-        <p:sp>
-          <p:nvSpPr>
-            <p:cNvPr id="68" name="Rectangle 67"/>
-            <p:cNvSpPr/>
-            <p:nvPr/>
-          </p:nvSpPr>
-          <p:spPr>
-            <a:xfrm>
-              <a:off x="2905760" y="2479040"/>
-              <a:ext cx="86360" cy="86360"/>
-            </a:xfrm>
-            <a:prstGeom prst="rect">
-              <a:avLst/>
-            </a:prstGeom>
-            <a:solidFill>
-              <a:schemeClr val="bg1"/>
-            </a:solidFill>
-            <a:ln>
-              <a:noFill/>
-            </a:ln>
-          </p:spPr>
-          <p:style>
-            <a:lnRef idx="2">
-              <a:schemeClr val="dk1">
-                <a:shade val="50000"/>
-              </a:schemeClr>
-            </a:lnRef>
-            <a:fillRef idx="1">
-              <a:schemeClr val="dk1"/>
-            </a:fillRef>
-            <a:effectRef idx="0">
-              <a:schemeClr val="dk1"/>
-            </a:effectRef>
-            <a:fontRef idx="minor">
-              <a:schemeClr val="lt1"/>
-            </a:fontRef>
-          </p:style>
-          <p:txBody>
-            <a:bodyPr rtlCol="0" anchor="ctr"/>
-            <a:lstStyle/>
-            <a:p>
-              <a:pPr algn="ctr"/>
-              <a:endParaRPr lang="fr-CH"/>
-            </a:p>
-          </p:txBody>
-        </p:sp>
-        <p:sp>
-          <p:nvSpPr>
-            <p:cNvPr id="69" name="Rectangle 68"/>
-            <p:cNvSpPr/>
-            <p:nvPr/>
-          </p:nvSpPr>
-          <p:spPr>
-            <a:xfrm>
-              <a:off x="2819400" y="2565400"/>
-              <a:ext cx="86360" cy="86360"/>
-            </a:xfrm>
-            <a:prstGeom prst="rect">
-              <a:avLst/>
-            </a:prstGeom>
-            <a:solidFill>
-              <a:schemeClr val="bg1"/>
-            </a:solidFill>
-            <a:ln>
-              <a:noFill/>
-            </a:ln>
-          </p:spPr>
-          <p:style>
-            <a:lnRef idx="2">
-              <a:schemeClr val="dk1">
-                <a:shade val="50000"/>
-              </a:schemeClr>
-            </a:lnRef>
-            <a:fillRef idx="1">
-              <a:schemeClr val="dk1"/>
-            </a:fillRef>
-            <a:effectRef idx="0">
-              <a:schemeClr val="dk1"/>
-            </a:effectRef>
-            <a:fontRef idx="minor">
-              <a:schemeClr val="lt1"/>
-            </a:fontRef>
-          </p:style>
-          <p:txBody>
-            <a:bodyPr rtlCol="0" anchor="ctr"/>
-            <a:lstStyle/>
-            <a:p>
-              <a:pPr algn="ctr"/>
-              <a:endParaRPr lang="fr-CH"/>
-            </a:p>
-          </p:txBody>
-        </p:sp>
-        <p:sp>
-          <p:nvSpPr>
-            <p:cNvPr id="70" name="Rectangle 69"/>
-            <p:cNvSpPr/>
-            <p:nvPr/>
-          </p:nvSpPr>
-          <p:spPr>
-            <a:xfrm>
-              <a:off x="2819400" y="2481580"/>
-              <a:ext cx="86360" cy="86360"/>
-            </a:xfrm>
-            <a:prstGeom prst="rect">
-              <a:avLst/>
-            </a:prstGeom>
-            <a:ln>
-              <a:noFill/>
-            </a:ln>
-          </p:spPr>
-          <p:style>
-            <a:lnRef idx="2">
-              <a:schemeClr val="dk1">
-                <a:shade val="50000"/>
-              </a:schemeClr>
-            </a:lnRef>
-            <a:fillRef idx="1">
-              <a:schemeClr val="dk1"/>
-            </a:fillRef>
-            <a:effectRef idx="0">
-              <a:schemeClr val="dk1"/>
-            </a:effectRef>
-            <a:fontRef idx="minor">
-              <a:schemeClr val="lt1"/>
-            </a:fontRef>
-          </p:style>
-          <p:txBody>
-            <a:bodyPr rtlCol="0" anchor="ctr"/>
-            <a:lstStyle/>
-            <a:p>
-              <a:pPr algn="ctr"/>
-              <a:endParaRPr lang="fr-CH"/>
-            </a:p>
-          </p:txBody>
-        </p:sp>
-      </p:grpSp>
-      <p:grpSp>
-        <p:nvGrpSpPr>
-          <p:cNvPr id="71" name="Groupe 70"/>
-          <p:cNvGrpSpPr/>
-          <p:nvPr/>
-        </p:nvGrpSpPr>
-        <p:grpSpPr>
-          <a:xfrm>
-            <a:off x="5127333" y="4381985"/>
-            <a:ext cx="172720" cy="172720"/>
-            <a:chOff x="2819400" y="2479040"/>
-            <a:chExt cx="172720" cy="172720"/>
-          </a:xfrm>
-        </p:grpSpPr>
-        <p:sp>
-          <p:nvSpPr>
-            <p:cNvPr id="74" name="Rectangle 73"/>
-            <p:cNvSpPr/>
-            <p:nvPr/>
-          </p:nvSpPr>
-          <p:spPr>
-            <a:xfrm>
-              <a:off x="2905760" y="2565400"/>
-              <a:ext cx="86360" cy="86360"/>
-            </a:xfrm>
-            <a:prstGeom prst="rect">
-              <a:avLst/>
-            </a:prstGeom>
-            <a:ln>
-              <a:noFill/>
-            </a:ln>
-          </p:spPr>
-          <p:style>
-            <a:lnRef idx="2">
-              <a:schemeClr val="dk1">
-                <a:shade val="50000"/>
-              </a:schemeClr>
-            </a:lnRef>
-            <a:fillRef idx="1">
-              <a:schemeClr val="dk1"/>
-            </a:fillRef>
-            <a:effectRef idx="0">
-              <a:schemeClr val="dk1"/>
-            </a:effectRef>
-            <a:fontRef idx="minor">
-              <a:schemeClr val="lt1"/>
-            </a:fontRef>
-          </p:style>
-          <p:txBody>
-            <a:bodyPr rtlCol="0" anchor="ctr"/>
-            <a:lstStyle/>
-            <a:p>
-              <a:pPr algn="ctr"/>
-              <a:endParaRPr lang="fr-CH"/>
-            </a:p>
-          </p:txBody>
-        </p:sp>
-        <p:sp>
-          <p:nvSpPr>
-            <p:cNvPr id="76" name="Rectangle 75"/>
-            <p:cNvSpPr/>
-            <p:nvPr/>
-          </p:nvSpPr>
-          <p:spPr>
-            <a:xfrm>
-              <a:off x="2905760" y="2479040"/>
-              <a:ext cx="86360" cy="86360"/>
-            </a:xfrm>
-            <a:prstGeom prst="rect">
-              <a:avLst/>
-            </a:prstGeom>
-            <a:solidFill>
-              <a:schemeClr val="bg1"/>
-            </a:solidFill>
-            <a:ln>
-              <a:noFill/>
-            </a:ln>
-          </p:spPr>
-          <p:style>
-            <a:lnRef idx="2">
-              <a:schemeClr val="dk1">
-                <a:shade val="50000"/>
-              </a:schemeClr>
-            </a:lnRef>
-            <a:fillRef idx="1">
-              <a:schemeClr val="dk1"/>
-            </a:fillRef>
-            <a:effectRef idx="0">
-              <a:schemeClr val="dk1"/>
-            </a:effectRef>
-            <a:fontRef idx="minor">
-              <a:schemeClr val="lt1"/>
-            </a:fontRef>
-          </p:style>
-          <p:txBody>
-            <a:bodyPr rtlCol="0" anchor="ctr"/>
-            <a:lstStyle/>
-            <a:p>
-              <a:pPr algn="ctr"/>
-              <a:endParaRPr lang="fr-CH"/>
-            </a:p>
-          </p:txBody>
-        </p:sp>
-        <p:sp>
-          <p:nvSpPr>
-            <p:cNvPr id="78" name="Rectangle 77"/>
-            <p:cNvSpPr/>
-            <p:nvPr/>
-          </p:nvSpPr>
-          <p:spPr>
-            <a:xfrm>
-              <a:off x="2819400" y="2565400"/>
-              <a:ext cx="86360" cy="86360"/>
-            </a:xfrm>
-            <a:prstGeom prst="rect">
-              <a:avLst/>
-            </a:prstGeom>
-            <a:solidFill>
-              <a:schemeClr val="bg1"/>
-            </a:solidFill>
-            <a:ln>
-              <a:noFill/>
-            </a:ln>
-          </p:spPr>
-          <p:style>
-            <a:lnRef idx="2">
-              <a:schemeClr val="dk1">
-                <a:shade val="50000"/>
-              </a:schemeClr>
-            </a:lnRef>
-            <a:fillRef idx="1">
-              <a:schemeClr val="dk1"/>
-            </a:fillRef>
-            <a:effectRef idx="0">
-              <a:schemeClr val="dk1"/>
-            </a:effectRef>
-            <a:fontRef idx="minor">
-              <a:schemeClr val="lt1"/>
-            </a:fontRef>
-          </p:style>
-          <p:txBody>
-            <a:bodyPr rtlCol="0" anchor="ctr"/>
-            <a:lstStyle/>
-            <a:p>
-              <a:pPr algn="ctr"/>
-              <a:endParaRPr lang="fr-CH"/>
-            </a:p>
-          </p:txBody>
-        </p:sp>
-        <p:sp>
-          <p:nvSpPr>
-            <p:cNvPr id="80" name="Rectangle 79"/>
-            <p:cNvSpPr/>
-            <p:nvPr/>
-          </p:nvSpPr>
-          <p:spPr>
-            <a:xfrm>
-              <a:off x="2819400" y="2481580"/>
-              <a:ext cx="86360" cy="86360"/>
-            </a:xfrm>
-            <a:prstGeom prst="rect">
-              <a:avLst/>
-            </a:prstGeom>
-            <a:ln>
-              <a:noFill/>
-            </a:ln>
-          </p:spPr>
-          <p:style>
-            <a:lnRef idx="2">
-              <a:schemeClr val="dk1">
-                <a:shade val="50000"/>
-              </a:schemeClr>
-            </a:lnRef>
-            <a:fillRef idx="1">
-              <a:schemeClr val="dk1"/>
-            </a:fillRef>
-            <a:effectRef idx="0">
-              <a:schemeClr val="dk1"/>
-            </a:effectRef>
-            <a:fontRef idx="minor">
-              <a:schemeClr val="lt1"/>
-            </a:fontRef>
-          </p:style>
-          <p:txBody>
-            <a:bodyPr rtlCol="0" anchor="ctr"/>
-            <a:lstStyle/>
-            <a:p>
-              <a:pPr algn="ctr"/>
-              <a:endParaRPr lang="fr-CH"/>
-            </a:p>
-          </p:txBody>
-        </p:sp>
-      </p:grpSp>
-      <p:grpSp>
-        <p:nvGrpSpPr>
-          <p:cNvPr id="82" name="Groupe 81"/>
-          <p:cNvGrpSpPr/>
-          <p:nvPr/>
-        </p:nvGrpSpPr>
-        <p:grpSpPr>
-          <a:xfrm>
-            <a:off x="7846004" y="3629775"/>
-            <a:ext cx="172720" cy="172720"/>
-            <a:chOff x="2819400" y="2479040"/>
-            <a:chExt cx="172720" cy="172720"/>
-          </a:xfrm>
-        </p:grpSpPr>
-        <p:sp>
-          <p:nvSpPr>
-            <p:cNvPr id="84" name="Rectangle 83"/>
-            <p:cNvSpPr/>
-            <p:nvPr/>
-          </p:nvSpPr>
-          <p:spPr>
-            <a:xfrm>
-              <a:off x="2905760" y="2565400"/>
-              <a:ext cx="86360" cy="86360"/>
-            </a:xfrm>
-            <a:prstGeom prst="rect">
-              <a:avLst/>
-            </a:prstGeom>
-            <a:ln>
-              <a:noFill/>
-            </a:ln>
-          </p:spPr>
-          <p:style>
-            <a:lnRef idx="2">
-              <a:schemeClr val="dk1">
-                <a:shade val="50000"/>
-              </a:schemeClr>
-            </a:lnRef>
-            <a:fillRef idx="1">
-              <a:schemeClr val="dk1"/>
-            </a:fillRef>
-            <a:effectRef idx="0">
-              <a:schemeClr val="dk1"/>
-            </a:effectRef>
-            <a:fontRef idx="minor">
-              <a:schemeClr val="lt1"/>
-            </a:fontRef>
-          </p:style>
-          <p:txBody>
-            <a:bodyPr rtlCol="0" anchor="ctr"/>
-            <a:lstStyle/>
-            <a:p>
-              <a:pPr algn="ctr"/>
-              <a:endParaRPr lang="fr-CH"/>
-            </a:p>
-          </p:txBody>
-        </p:sp>
-        <p:sp>
-          <p:nvSpPr>
-            <p:cNvPr id="86" name="Rectangle 85"/>
-            <p:cNvSpPr/>
-            <p:nvPr/>
-          </p:nvSpPr>
-          <p:spPr>
-            <a:xfrm>
-              <a:off x="2905760" y="2479040"/>
-              <a:ext cx="86360" cy="86360"/>
-            </a:xfrm>
-            <a:prstGeom prst="rect">
-              <a:avLst/>
-            </a:prstGeom>
-            <a:solidFill>
-              <a:schemeClr val="bg1"/>
-            </a:solidFill>
-            <a:ln>
-              <a:noFill/>
-            </a:ln>
-          </p:spPr>
-          <p:style>
-            <a:lnRef idx="2">
-              <a:schemeClr val="dk1">
-                <a:shade val="50000"/>
-              </a:schemeClr>
-            </a:lnRef>
-            <a:fillRef idx="1">
-              <a:schemeClr val="dk1"/>
-            </a:fillRef>
-            <a:effectRef idx="0">
-              <a:schemeClr val="dk1"/>
-            </a:effectRef>
-            <a:fontRef idx="minor">
-              <a:schemeClr val="lt1"/>
-            </a:fontRef>
-          </p:style>
-          <p:txBody>
-            <a:bodyPr rtlCol="0" anchor="ctr"/>
-            <a:lstStyle/>
-            <a:p>
-              <a:pPr algn="ctr"/>
-              <a:endParaRPr lang="fr-CH"/>
-            </a:p>
-          </p:txBody>
-        </p:sp>
-        <p:sp>
-          <p:nvSpPr>
-            <p:cNvPr id="87" name="Rectangle 86"/>
-            <p:cNvSpPr/>
-            <p:nvPr/>
-          </p:nvSpPr>
-          <p:spPr>
-            <a:xfrm>
-              <a:off x="2819400" y="2565400"/>
-              <a:ext cx="86360" cy="86360"/>
-            </a:xfrm>
-            <a:prstGeom prst="rect">
-              <a:avLst/>
-            </a:prstGeom>
-            <a:solidFill>
-              <a:schemeClr val="bg1"/>
-            </a:solidFill>
-            <a:ln>
-              <a:noFill/>
-            </a:ln>
-          </p:spPr>
-          <p:style>
-            <a:lnRef idx="2">
-              <a:schemeClr val="dk1">
-                <a:shade val="50000"/>
-              </a:schemeClr>
-            </a:lnRef>
-            <a:fillRef idx="1">
-              <a:schemeClr val="dk1"/>
-            </a:fillRef>
-            <a:effectRef idx="0">
-              <a:schemeClr val="dk1"/>
-            </a:effectRef>
-            <a:fontRef idx="minor">
-              <a:schemeClr val="lt1"/>
-            </a:fontRef>
-          </p:style>
-          <p:txBody>
-            <a:bodyPr rtlCol="0" anchor="ctr"/>
-            <a:lstStyle/>
-            <a:p>
-              <a:pPr algn="ctr"/>
-              <a:endParaRPr lang="fr-CH"/>
-            </a:p>
-          </p:txBody>
-        </p:sp>
-        <p:sp>
-          <p:nvSpPr>
-            <p:cNvPr id="88" name="Rectangle 87"/>
-            <p:cNvSpPr/>
-            <p:nvPr/>
-          </p:nvSpPr>
-          <p:spPr>
-            <a:xfrm>
-              <a:off x="2819400" y="2481580"/>
-              <a:ext cx="86360" cy="86360"/>
-            </a:xfrm>
-            <a:prstGeom prst="rect">
-              <a:avLst/>
-            </a:prstGeom>
-            <a:ln>
-              <a:noFill/>
-            </a:ln>
-          </p:spPr>
-          <p:style>
-            <a:lnRef idx="2">
-              <a:schemeClr val="dk1">
-                <a:shade val="50000"/>
-              </a:schemeClr>
-            </a:lnRef>
-            <a:fillRef idx="1">
-              <a:schemeClr val="dk1"/>
-            </a:fillRef>
-            <a:effectRef idx="0">
-              <a:schemeClr val="dk1"/>
-            </a:effectRef>
-            <a:fontRef idx="minor">
-              <a:schemeClr val="lt1"/>
-            </a:fontRef>
-          </p:style>
-          <p:txBody>
-            <a:bodyPr rtlCol="0" anchor="ctr"/>
-            <a:lstStyle/>
-            <a:p>
-              <a:pPr algn="ctr"/>
-              <a:endParaRPr lang="fr-CH"/>
-            </a:p>
-          </p:txBody>
-        </p:sp>
-      </p:grpSp>
       <p:sp>
         <p:nvSpPr>
-          <p:cNvPr id="90" name="Ellipse 89"/>
+          <p:cNvPr id="3" name="Forme libre 2"/>
           <p:cNvSpPr/>
           <p:nvPr/>
         </p:nvSpPr>
         <p:spPr>
           <a:xfrm>
-            <a:off x="5696535" y="4124534"/>
-            <a:ext cx="185354" cy="185355"/>
-          </a:xfrm>
-          <a:prstGeom prst="ellipse">
+            <a:off x="3532909" y="2818015"/>
+            <a:ext cx="1192184" cy="972589"/>
+          </a:xfrm>
+          <a:custGeom>
             <a:avLst/>
-          </a:prstGeom>
+            <a:gdLst>
+              <a:gd name="connsiteX0" fmla="*/ 606829 w 1230284"/>
+              <a:gd name="connsiteY0" fmla="*/ 399010 h 972589"/>
+              <a:gd name="connsiteX1" fmla="*/ 1205346 w 1230284"/>
+              <a:gd name="connsiteY1" fmla="*/ 972589 h 972589"/>
+              <a:gd name="connsiteX2" fmla="*/ 1230284 w 1230284"/>
+              <a:gd name="connsiteY2" fmla="*/ 507076 h 972589"/>
+              <a:gd name="connsiteX3" fmla="*/ 1080655 w 1230284"/>
+              <a:gd name="connsiteY3" fmla="*/ 0 h 972589"/>
+              <a:gd name="connsiteX4" fmla="*/ 0 w 1230284"/>
+              <a:gd name="connsiteY4" fmla="*/ 490450 h 972589"/>
+              <a:gd name="connsiteX5" fmla="*/ 606829 w 1230284"/>
+              <a:gd name="connsiteY5" fmla="*/ 399010 h 972589"/>
+              <a:gd name="connsiteX0" fmla="*/ 540327 w 1230284"/>
+              <a:gd name="connsiteY0" fmla="*/ 673330 h 972589"/>
+              <a:gd name="connsiteX1" fmla="*/ 1205346 w 1230284"/>
+              <a:gd name="connsiteY1" fmla="*/ 972589 h 972589"/>
+              <a:gd name="connsiteX2" fmla="*/ 1230284 w 1230284"/>
+              <a:gd name="connsiteY2" fmla="*/ 507076 h 972589"/>
+              <a:gd name="connsiteX3" fmla="*/ 1080655 w 1230284"/>
+              <a:gd name="connsiteY3" fmla="*/ 0 h 972589"/>
+              <a:gd name="connsiteX4" fmla="*/ 0 w 1230284"/>
+              <a:gd name="connsiteY4" fmla="*/ 490450 h 972589"/>
+              <a:gd name="connsiteX5" fmla="*/ 540327 w 1230284"/>
+              <a:gd name="connsiteY5" fmla="*/ 673330 h 972589"/>
+            </a:gdLst>
+            <a:ahLst/>
+            <a:cxnLst>
+              <a:cxn ang="0">
+                <a:pos x="connsiteX0" y="connsiteY0"/>
+              </a:cxn>
+              <a:cxn ang="0">
+                <a:pos x="connsiteX1" y="connsiteY1"/>
+              </a:cxn>
+              <a:cxn ang="0">
+                <a:pos x="connsiteX2" y="connsiteY2"/>
+              </a:cxn>
+              <a:cxn ang="0">
+                <a:pos x="connsiteX3" y="connsiteY3"/>
+              </a:cxn>
+              <a:cxn ang="0">
+                <a:pos x="connsiteX4" y="connsiteY4"/>
+              </a:cxn>
+              <a:cxn ang="0">
+                <a:pos x="connsiteX5" y="connsiteY5"/>
+              </a:cxn>
+            </a:cxnLst>
+            <a:rect l="l" t="t" r="r" b="b"/>
+            <a:pathLst>
+              <a:path w="1230284" h="972589">
+                <a:moveTo>
+                  <a:pt x="540327" y="673330"/>
+                </a:moveTo>
+                <a:lnTo>
+                  <a:pt x="1205346" y="972589"/>
+                </a:lnTo>
+                <a:lnTo>
+                  <a:pt x="1230284" y="507076"/>
+                </a:lnTo>
+                <a:lnTo>
+                  <a:pt x="1080655" y="0"/>
+                </a:lnTo>
+                <a:lnTo>
+                  <a:pt x="0" y="490450"/>
+                </a:lnTo>
+                <a:lnTo>
+                  <a:pt x="540327" y="673330"/>
+                </a:lnTo>
+                <a:close/>
+              </a:path>
+            </a:pathLst>
+          </a:custGeom>
+        </p:spPr>
+        <p:style>
+          <a:lnRef idx="2">
+            <a:schemeClr val="accent6">
+              <a:shade val="50000"/>
+            </a:schemeClr>
+          </a:lnRef>
+          <a:fillRef idx="1">
+            <a:schemeClr val="accent6"/>
+          </a:fillRef>
+          <a:effectRef idx="0">
+            <a:schemeClr val="accent6"/>
+          </a:effectRef>
+          <a:fontRef idx="minor">
+            <a:schemeClr val="lt1"/>
+          </a:fontRef>
+        </p:style>
+        <p:txBody>
+          <a:bodyPr rtlCol="0" anchor="ctr"/>
+          <a:lstStyle/>
+          <a:p>
+            <a:pPr algn="ctr"/>
+            <a:endParaRPr lang="fr-CH"/>
+          </a:p>
+        </p:txBody>
+      </p:sp>
+      <p:sp>
+        <p:nvSpPr>
+          <p:cNvPr id="50" name="Forme libre 49"/>
+          <p:cNvSpPr/>
+          <p:nvPr/>
+        </p:nvSpPr>
+        <p:spPr>
+          <a:xfrm>
+            <a:off x="6151417" y="2135447"/>
+            <a:ext cx="888539" cy="637309"/>
+          </a:xfrm>
+          <a:custGeom>
+            <a:avLst/>
+            <a:gdLst>
+              <a:gd name="connsiteX0" fmla="*/ 9237 w 905164"/>
+              <a:gd name="connsiteY0" fmla="*/ 554182 h 646546"/>
+              <a:gd name="connsiteX1" fmla="*/ 110837 w 905164"/>
+              <a:gd name="connsiteY1" fmla="*/ 129310 h 646546"/>
+              <a:gd name="connsiteX2" fmla="*/ 794327 w 905164"/>
+              <a:gd name="connsiteY2" fmla="*/ 0 h 646546"/>
+              <a:gd name="connsiteX3" fmla="*/ 905164 w 905164"/>
+              <a:gd name="connsiteY3" fmla="*/ 554182 h 646546"/>
+              <a:gd name="connsiteX4" fmla="*/ 0 w 905164"/>
+              <a:gd name="connsiteY4" fmla="*/ 646546 h 646546"/>
+              <a:gd name="connsiteX5" fmla="*/ 9237 w 905164"/>
+              <a:gd name="connsiteY5" fmla="*/ 554182 h 646546"/>
+              <a:gd name="connsiteX0" fmla="*/ 9237 w 888539"/>
+              <a:gd name="connsiteY0" fmla="*/ 554182 h 703811"/>
+              <a:gd name="connsiteX1" fmla="*/ 110837 w 888539"/>
+              <a:gd name="connsiteY1" fmla="*/ 129310 h 703811"/>
+              <a:gd name="connsiteX2" fmla="*/ 794327 w 888539"/>
+              <a:gd name="connsiteY2" fmla="*/ 0 h 703811"/>
+              <a:gd name="connsiteX3" fmla="*/ 888539 w 888539"/>
+              <a:gd name="connsiteY3" fmla="*/ 703811 h 703811"/>
+              <a:gd name="connsiteX4" fmla="*/ 0 w 888539"/>
+              <a:gd name="connsiteY4" fmla="*/ 646546 h 703811"/>
+              <a:gd name="connsiteX5" fmla="*/ 9237 w 888539"/>
+              <a:gd name="connsiteY5" fmla="*/ 554182 h 703811"/>
+              <a:gd name="connsiteX0" fmla="*/ 9237 w 888539"/>
+              <a:gd name="connsiteY0" fmla="*/ 487680 h 637309"/>
+              <a:gd name="connsiteX1" fmla="*/ 110837 w 888539"/>
+              <a:gd name="connsiteY1" fmla="*/ 62808 h 637309"/>
+              <a:gd name="connsiteX2" fmla="*/ 769388 w 888539"/>
+              <a:gd name="connsiteY2" fmla="*/ 0 h 637309"/>
+              <a:gd name="connsiteX3" fmla="*/ 888539 w 888539"/>
+              <a:gd name="connsiteY3" fmla="*/ 637309 h 637309"/>
+              <a:gd name="connsiteX4" fmla="*/ 0 w 888539"/>
+              <a:gd name="connsiteY4" fmla="*/ 580044 h 637309"/>
+              <a:gd name="connsiteX5" fmla="*/ 9237 w 888539"/>
+              <a:gd name="connsiteY5" fmla="*/ 487680 h 637309"/>
+              <a:gd name="connsiteX0" fmla="*/ 9237 w 888539"/>
+              <a:gd name="connsiteY0" fmla="*/ 487680 h 637309"/>
+              <a:gd name="connsiteX1" fmla="*/ 576350 w 888539"/>
+              <a:gd name="connsiteY1" fmla="*/ 29557 h 637309"/>
+              <a:gd name="connsiteX2" fmla="*/ 769388 w 888539"/>
+              <a:gd name="connsiteY2" fmla="*/ 0 h 637309"/>
+              <a:gd name="connsiteX3" fmla="*/ 888539 w 888539"/>
+              <a:gd name="connsiteY3" fmla="*/ 637309 h 637309"/>
+              <a:gd name="connsiteX4" fmla="*/ 0 w 888539"/>
+              <a:gd name="connsiteY4" fmla="*/ 580044 h 637309"/>
+              <a:gd name="connsiteX5" fmla="*/ 9237 w 888539"/>
+              <a:gd name="connsiteY5" fmla="*/ 487680 h 637309"/>
+            </a:gdLst>
+            <a:ahLst/>
+            <a:cxnLst>
+              <a:cxn ang="0">
+                <a:pos x="connsiteX0" y="connsiteY0"/>
+              </a:cxn>
+              <a:cxn ang="0">
+                <a:pos x="connsiteX1" y="connsiteY1"/>
+              </a:cxn>
+              <a:cxn ang="0">
+                <a:pos x="connsiteX2" y="connsiteY2"/>
+              </a:cxn>
+              <a:cxn ang="0">
+                <a:pos x="connsiteX3" y="connsiteY3"/>
+              </a:cxn>
+              <a:cxn ang="0">
+                <a:pos x="connsiteX4" y="connsiteY4"/>
+              </a:cxn>
+              <a:cxn ang="0">
+                <a:pos x="connsiteX5" y="connsiteY5"/>
+              </a:cxn>
+            </a:cxnLst>
+            <a:rect l="l" t="t" r="r" b="b"/>
+            <a:pathLst>
+              <a:path w="888539" h="637309">
+                <a:moveTo>
+                  <a:pt x="9237" y="487680"/>
+                </a:moveTo>
+                <a:lnTo>
+                  <a:pt x="576350" y="29557"/>
+                </a:lnTo>
+                <a:lnTo>
+                  <a:pt x="769388" y="0"/>
+                </a:lnTo>
+                <a:lnTo>
+                  <a:pt x="888539" y="637309"/>
+                </a:lnTo>
+                <a:lnTo>
+                  <a:pt x="0" y="580044"/>
+                </a:lnTo>
+                <a:lnTo>
+                  <a:pt x="9237" y="487680"/>
+                </a:lnTo>
+                <a:close/>
+              </a:path>
+            </a:pathLst>
+          </a:custGeom>
+          <a:ln/>
         </p:spPr>
         <p:style>
           <a:lnRef idx="3">
             <a:schemeClr val="lt1"/>
           </a:lnRef>
           <a:fillRef idx="1">
+            <a:schemeClr val="accent5"/>
+          </a:fillRef>
+          <a:effectRef idx="1">
+            <a:schemeClr val="accent5"/>
+          </a:effectRef>
+          <a:fontRef idx="minor">
+            <a:schemeClr val="lt1"/>
+          </a:fontRef>
+        </p:style>
+        <p:txBody>
+          <a:bodyPr rtlCol="0" anchor="ctr"/>
+          <a:lstStyle/>
+          <a:p>
+            <a:pPr algn="ctr"/>
+            <a:endParaRPr lang="fr-CH"/>
+          </a:p>
+        </p:txBody>
+      </p:sp>
+      <p:sp>
+        <p:nvSpPr>
+          <p:cNvPr id="29" name="Forme libre 28"/>
+          <p:cNvSpPr/>
+          <p:nvPr/>
+        </p:nvSpPr>
+        <p:spPr>
+          <a:xfrm>
+            <a:off x="6572250" y="2619375"/>
+            <a:ext cx="1343025" cy="1095375"/>
+          </a:xfrm>
+          <a:custGeom>
+            <a:avLst/>
+            <a:gdLst>
+              <a:gd name="connsiteX0" fmla="*/ 9525 w 1343025"/>
+              <a:gd name="connsiteY0" fmla="*/ 762000 h 1095375"/>
+              <a:gd name="connsiteX1" fmla="*/ 152400 w 1343025"/>
+              <a:gd name="connsiteY1" fmla="*/ 723900 h 1095375"/>
+              <a:gd name="connsiteX2" fmla="*/ 0 w 1343025"/>
+              <a:gd name="connsiteY2" fmla="*/ 209550 h 1095375"/>
+              <a:gd name="connsiteX3" fmla="*/ 533400 w 1343025"/>
+              <a:gd name="connsiteY3" fmla="*/ 161925 h 1095375"/>
+              <a:gd name="connsiteX4" fmla="*/ 485775 w 1343025"/>
+              <a:gd name="connsiteY4" fmla="*/ 0 h 1095375"/>
+              <a:gd name="connsiteX5" fmla="*/ 1343025 w 1343025"/>
+              <a:gd name="connsiteY5" fmla="*/ 1095375 h 1095375"/>
+              <a:gd name="connsiteX6" fmla="*/ 9525 w 1343025"/>
+              <a:gd name="connsiteY6" fmla="*/ 762000 h 1095375"/>
+            </a:gdLst>
+            <a:ahLst/>
+            <a:cxnLst>
+              <a:cxn ang="0">
+                <a:pos x="connsiteX0" y="connsiteY0"/>
+              </a:cxn>
+              <a:cxn ang="0">
+                <a:pos x="connsiteX1" y="connsiteY1"/>
+              </a:cxn>
+              <a:cxn ang="0">
+                <a:pos x="connsiteX2" y="connsiteY2"/>
+              </a:cxn>
+              <a:cxn ang="0">
+                <a:pos x="connsiteX3" y="connsiteY3"/>
+              </a:cxn>
+              <a:cxn ang="0">
+                <a:pos x="connsiteX4" y="connsiteY4"/>
+              </a:cxn>
+              <a:cxn ang="0">
+                <a:pos x="connsiteX5" y="connsiteY5"/>
+              </a:cxn>
+              <a:cxn ang="0">
+                <a:pos x="connsiteX6" y="connsiteY6"/>
+              </a:cxn>
+            </a:cxnLst>
+            <a:rect l="l" t="t" r="r" b="b"/>
+            <a:pathLst>
+              <a:path w="1343025" h="1095375">
+                <a:moveTo>
+                  <a:pt x="9525" y="762000"/>
+                </a:moveTo>
+                <a:lnTo>
+                  <a:pt x="152400" y="723900"/>
+                </a:lnTo>
+                <a:lnTo>
+                  <a:pt x="0" y="209550"/>
+                </a:lnTo>
+                <a:lnTo>
+                  <a:pt x="533400" y="161925"/>
+                </a:lnTo>
+                <a:lnTo>
+                  <a:pt x="485775" y="0"/>
+                </a:lnTo>
+                <a:lnTo>
+                  <a:pt x="1343025" y="1095375"/>
+                </a:lnTo>
+                <a:lnTo>
+                  <a:pt x="9525" y="762000"/>
+                </a:lnTo>
+                <a:close/>
+              </a:path>
+            </a:pathLst>
+          </a:custGeom>
+        </p:spPr>
+        <p:style>
+          <a:lnRef idx="2">
+            <a:schemeClr val="accent4">
+              <a:shade val="50000"/>
+            </a:schemeClr>
+          </a:lnRef>
+          <a:fillRef idx="1">
             <a:schemeClr val="accent4"/>
           </a:fillRef>
-          <a:effectRef idx="1">
+          <a:effectRef idx="0">
             <a:schemeClr val="accent4"/>
           </a:effectRef>
           <a:fontRef idx="minor">
@@ -5509,190 +3894,615 @@
           </a:fontRef>
         </p:style>
         <p:txBody>
-          <a:bodyPr rot="0" spcFirstLastPara="0" vert="horz" wrap="square" lIns="91440" tIns="45720" rIns="91440" bIns="45720" numCol="1" spcCol="0" rtlCol="0" fromWordArt="0" anchor="ctr" anchorCtr="0" forceAA="0" compatLnSpc="1">
-            <a:prstTxWarp prst="textNoShape">
-              <a:avLst/>
-            </a:prstTxWarp>
-            <a:noAutofit/>
-          </a:bodyPr>
+          <a:bodyPr rtlCol="0" anchor="ctr"/>
           <a:lstStyle/>
           <a:p>
-            <a:endParaRPr lang="fr-CH" dirty="0"/>
+            <a:pPr algn="ctr"/>
+            <a:endParaRPr lang="fr-CH"/>
           </a:p>
         </p:txBody>
       </p:sp>
       <p:sp>
         <p:nvSpPr>
-          <p:cNvPr id="91" name="Ellipse 90"/>
+          <p:cNvPr id="28" name="Forme libre 27"/>
           <p:cNvSpPr/>
           <p:nvPr/>
         </p:nvSpPr>
         <p:spPr>
           <a:xfrm>
-            <a:off x="7363697" y="3239007"/>
-            <a:ext cx="185354" cy="185355"/>
-          </a:xfrm>
-          <a:prstGeom prst="ellipse">
+            <a:off x="4972050" y="3340503"/>
+            <a:ext cx="1751041" cy="1145771"/>
+          </a:xfrm>
+          <a:custGeom>
             <a:avLst/>
-          </a:prstGeom>
+            <a:gdLst>
+              <a:gd name="connsiteX0" fmla="*/ 219075 w 695325"/>
+              <a:gd name="connsiteY0" fmla="*/ 838200 h 838200"/>
+              <a:gd name="connsiteX1" fmla="*/ 0 w 695325"/>
+              <a:gd name="connsiteY1" fmla="*/ 228600 h 838200"/>
+              <a:gd name="connsiteX2" fmla="*/ 695325 w 695325"/>
+              <a:gd name="connsiteY2" fmla="*/ 0 h 838200"/>
+              <a:gd name="connsiteX3" fmla="*/ 219075 w 695325"/>
+              <a:gd name="connsiteY3" fmla="*/ 838200 h 838200"/>
+              <a:gd name="connsiteX0" fmla="*/ 219075 w 1751041"/>
+              <a:gd name="connsiteY0" fmla="*/ 1145771 h 1145771"/>
+              <a:gd name="connsiteX1" fmla="*/ 0 w 1751041"/>
+              <a:gd name="connsiteY1" fmla="*/ 536171 h 1145771"/>
+              <a:gd name="connsiteX2" fmla="*/ 1751041 w 1751041"/>
+              <a:gd name="connsiteY2" fmla="*/ 0 h 1145771"/>
+              <a:gd name="connsiteX3" fmla="*/ 219075 w 1751041"/>
+              <a:gd name="connsiteY3" fmla="*/ 1145771 h 1145771"/>
+            </a:gdLst>
+            <a:ahLst/>
+            <a:cxnLst>
+              <a:cxn ang="0">
+                <a:pos x="connsiteX0" y="connsiteY0"/>
+              </a:cxn>
+              <a:cxn ang="0">
+                <a:pos x="connsiteX1" y="connsiteY1"/>
+              </a:cxn>
+              <a:cxn ang="0">
+                <a:pos x="connsiteX2" y="connsiteY2"/>
+              </a:cxn>
+              <a:cxn ang="0">
+                <a:pos x="connsiteX3" y="connsiteY3"/>
+              </a:cxn>
+            </a:cxnLst>
+            <a:rect l="l" t="t" r="r" b="b"/>
+            <a:pathLst>
+              <a:path w="1751041" h="1145771">
+                <a:moveTo>
+                  <a:pt x="219075" y="1145771"/>
+                </a:moveTo>
+                <a:lnTo>
+                  <a:pt x="0" y="536171"/>
+                </a:lnTo>
+                <a:lnTo>
+                  <a:pt x="1751041" y="0"/>
+                </a:lnTo>
+                <a:lnTo>
+                  <a:pt x="219075" y="1145771"/>
+                </a:lnTo>
+                <a:close/>
+              </a:path>
+            </a:pathLst>
+          </a:custGeom>
         </p:spPr>
         <p:style>
-          <a:lnRef idx="3">
-            <a:schemeClr val="lt1"/>
+          <a:lnRef idx="2">
+            <a:schemeClr val="accent2">
+              <a:shade val="50000"/>
+            </a:schemeClr>
           </a:lnRef>
           <a:fillRef idx="1">
-            <a:schemeClr val="accent4"/>
+            <a:schemeClr val="accent2"/>
           </a:fillRef>
-          <a:effectRef idx="1">
-            <a:schemeClr val="accent4"/>
+          <a:effectRef idx="0">
+            <a:schemeClr val="accent2"/>
           </a:effectRef>
           <a:fontRef idx="minor">
             <a:schemeClr val="lt1"/>
           </a:fontRef>
         </p:style>
         <p:txBody>
-          <a:bodyPr rot="0" spcFirstLastPara="0" vert="horz" wrap="square" lIns="91440" tIns="45720" rIns="91440" bIns="45720" numCol="1" spcCol="0" rtlCol="0" fromWordArt="0" anchor="ctr" anchorCtr="0" forceAA="0" compatLnSpc="1">
-            <a:prstTxWarp prst="textNoShape">
-              <a:avLst/>
-            </a:prstTxWarp>
-            <a:noAutofit/>
-          </a:bodyPr>
+          <a:bodyPr rtlCol="0" anchor="ctr"/>
           <a:lstStyle/>
           <a:p>
-            <a:endParaRPr lang="fr-CH" dirty="0"/>
+            <a:pPr algn="ctr"/>
+            <a:endParaRPr lang="fr-CH"/>
           </a:p>
         </p:txBody>
       </p:sp>
       <p:sp>
         <p:nvSpPr>
-          <p:cNvPr id="92" name="Ellipse 91"/>
+          <p:cNvPr id="2" name="Ellipse 1"/>
           <p:cNvSpPr/>
           <p:nvPr/>
         </p:nvSpPr>
         <p:spPr>
           <a:xfrm>
-            <a:off x="6886456" y="3815750"/>
-            <a:ext cx="185354" cy="185355"/>
+            <a:off x="5116514" y="4389294"/>
+            <a:ext cx="175490" cy="175490"/>
           </a:xfrm>
           <a:prstGeom prst="ellipse">
             <a:avLst/>
           </a:prstGeom>
         </p:spPr>
         <p:style>
-          <a:lnRef idx="3">
-            <a:schemeClr val="lt1"/>
+          <a:lnRef idx="2">
+            <a:schemeClr val="accent1">
+              <a:shade val="50000"/>
+            </a:schemeClr>
           </a:lnRef>
           <a:fillRef idx="1">
-            <a:schemeClr val="accent4"/>
+            <a:schemeClr val="accent1"/>
           </a:fillRef>
-          <a:effectRef idx="1">
-            <a:schemeClr val="accent4"/>
+          <a:effectRef idx="0">
+            <a:schemeClr val="accent1"/>
           </a:effectRef>
           <a:fontRef idx="minor">
             <a:schemeClr val="lt1"/>
           </a:fontRef>
         </p:style>
         <p:txBody>
-          <a:bodyPr rot="0" spcFirstLastPara="0" vert="horz" wrap="square" lIns="91440" tIns="45720" rIns="91440" bIns="45720" numCol="1" spcCol="0" rtlCol="0" fromWordArt="0" anchor="ctr" anchorCtr="0" forceAA="0" compatLnSpc="1">
-            <a:prstTxWarp prst="textNoShape">
-              <a:avLst/>
-            </a:prstTxWarp>
-            <a:noAutofit/>
-          </a:bodyPr>
+          <a:bodyPr rtlCol="0" anchor="ctr"/>
           <a:lstStyle/>
           <a:p>
-            <a:endParaRPr lang="fr-CH" dirty="0"/>
+            <a:pPr algn="ctr"/>
+            <a:endParaRPr lang="fr-CH"/>
           </a:p>
         </p:txBody>
       </p:sp>
       <p:sp>
         <p:nvSpPr>
-          <p:cNvPr id="93" name="Ellipse 92"/>
+          <p:cNvPr id="11" name="Ellipse 10"/>
           <p:cNvSpPr/>
           <p:nvPr/>
         </p:nvSpPr>
         <p:spPr>
           <a:xfrm>
-            <a:off x="6503735" y="2855400"/>
-            <a:ext cx="185354" cy="185355"/>
+            <a:off x="7827530" y="3627005"/>
+            <a:ext cx="175490" cy="175490"/>
           </a:xfrm>
           <a:prstGeom prst="ellipse">
             <a:avLst/>
           </a:prstGeom>
         </p:spPr>
         <p:style>
-          <a:lnRef idx="3">
-            <a:schemeClr val="lt1"/>
+          <a:lnRef idx="2">
+            <a:schemeClr val="accent1">
+              <a:shade val="50000"/>
+            </a:schemeClr>
           </a:lnRef>
           <a:fillRef idx="1">
-            <a:schemeClr val="accent4"/>
+            <a:schemeClr val="accent1"/>
           </a:fillRef>
-          <a:effectRef idx="1">
-            <a:schemeClr val="accent4"/>
+          <a:effectRef idx="0">
+            <a:schemeClr val="accent1"/>
           </a:effectRef>
           <a:fontRef idx="minor">
             <a:schemeClr val="lt1"/>
           </a:fontRef>
         </p:style>
         <p:txBody>
-          <a:bodyPr rot="0" spcFirstLastPara="0" vert="horz" wrap="square" lIns="91440" tIns="45720" rIns="91440" bIns="45720" numCol="1" spcCol="0" rtlCol="0" fromWordArt="0" anchor="ctr" anchorCtr="0" forceAA="0" compatLnSpc="1">
-            <a:prstTxWarp prst="textNoShape">
-              <a:avLst/>
-            </a:prstTxWarp>
-            <a:noAutofit/>
-          </a:bodyPr>
+          <a:bodyPr rtlCol="0" anchor="ctr"/>
           <a:lstStyle/>
           <a:p>
-            <a:endParaRPr lang="fr-CH" dirty="0"/>
+            <a:pPr algn="ctr"/>
+            <a:endParaRPr lang="fr-CH"/>
           </a:p>
         </p:txBody>
       </p:sp>
       <p:sp>
         <p:nvSpPr>
-          <p:cNvPr id="94" name="Ellipse 93"/>
+          <p:cNvPr id="13" name="Ellipse 12"/>
           <p:cNvSpPr/>
           <p:nvPr/>
         </p:nvSpPr>
         <p:spPr>
           <a:xfrm>
-            <a:off x="6102734" y="2575671"/>
-            <a:ext cx="185354" cy="185355"/>
+            <a:off x="6045922" y="2619375"/>
+            <a:ext cx="175490" cy="175490"/>
           </a:xfrm>
           <a:prstGeom prst="ellipse">
             <a:avLst/>
           </a:prstGeom>
         </p:spPr>
         <p:style>
-          <a:lnRef idx="3">
-            <a:schemeClr val="lt1"/>
+          <a:lnRef idx="2">
+            <a:schemeClr val="accent1">
+              <a:shade val="50000"/>
+            </a:schemeClr>
           </a:lnRef>
           <a:fillRef idx="1">
-            <a:schemeClr val="accent4"/>
+            <a:schemeClr val="accent1"/>
           </a:fillRef>
-          <a:effectRef idx="1">
-            <a:schemeClr val="accent4"/>
+          <a:effectRef idx="0">
+            <a:schemeClr val="accent1"/>
           </a:effectRef>
           <a:fontRef idx="minor">
             <a:schemeClr val="lt1"/>
           </a:fontRef>
         </p:style>
         <p:txBody>
-          <a:bodyPr rot="0" spcFirstLastPara="0" vert="horz" wrap="square" lIns="91440" tIns="45720" rIns="91440" bIns="45720" numCol="1" spcCol="0" rtlCol="0" fromWordArt="0" anchor="ctr" anchorCtr="0" forceAA="0" compatLnSpc="1">
-            <a:prstTxWarp prst="textNoShape">
-              <a:avLst/>
-            </a:prstTxWarp>
-            <a:noAutofit/>
+          <a:bodyPr rtlCol="0" anchor="ctr"/>
+          <a:lstStyle/>
+          <a:p>
+            <a:pPr algn="ctr"/>
+            <a:endParaRPr lang="fr-CH"/>
+          </a:p>
+        </p:txBody>
+      </p:sp>
+      <p:sp>
+        <p:nvSpPr>
+          <p:cNvPr id="14" name="Ellipse 13"/>
+          <p:cNvSpPr/>
+          <p:nvPr/>
+        </p:nvSpPr>
+        <p:spPr>
+          <a:xfrm>
+            <a:off x="3445164" y="3216564"/>
+            <a:ext cx="175490" cy="175490"/>
+          </a:xfrm>
+          <a:prstGeom prst="ellipse">
+            <a:avLst/>
+          </a:prstGeom>
+        </p:spPr>
+        <p:style>
+          <a:lnRef idx="2">
+            <a:schemeClr val="accent1">
+              <a:shade val="50000"/>
+            </a:schemeClr>
+          </a:lnRef>
+          <a:fillRef idx="1">
+            <a:schemeClr val="accent1"/>
+          </a:fillRef>
+          <a:effectRef idx="0">
+            <a:schemeClr val="accent1"/>
+          </a:effectRef>
+          <a:fontRef idx="minor">
+            <a:schemeClr val="lt1"/>
+          </a:fontRef>
+        </p:style>
+        <p:txBody>
+          <a:bodyPr rtlCol="0" anchor="ctr"/>
+          <a:lstStyle/>
+          <a:p>
+            <a:pPr algn="ctr"/>
+            <a:endParaRPr lang="fr-CH"/>
+          </a:p>
+        </p:txBody>
+      </p:sp>
+      <p:sp>
+        <p:nvSpPr>
+          <p:cNvPr id="5" name="Forme libre 4"/>
+          <p:cNvSpPr/>
+          <p:nvPr/>
+        </p:nvSpPr>
+        <p:spPr>
+          <a:xfrm>
+            <a:off x="4605251" y="2859578"/>
+            <a:ext cx="249382" cy="315884"/>
+          </a:xfrm>
+          <a:custGeom>
+            <a:avLst/>
+            <a:gdLst>
+              <a:gd name="connsiteX0" fmla="*/ 249382 w 249382"/>
+              <a:gd name="connsiteY0" fmla="*/ 66502 h 315884"/>
+              <a:gd name="connsiteX1" fmla="*/ 116378 w 249382"/>
+              <a:gd name="connsiteY1" fmla="*/ 315884 h 315884"/>
+              <a:gd name="connsiteX2" fmla="*/ 0 w 249382"/>
+              <a:gd name="connsiteY2" fmla="*/ 0 h 315884"/>
+              <a:gd name="connsiteX3" fmla="*/ 249382 w 249382"/>
+              <a:gd name="connsiteY3" fmla="*/ 66502 h 315884"/>
+            </a:gdLst>
+            <a:ahLst/>
+            <a:cxnLst>
+              <a:cxn ang="0">
+                <a:pos x="connsiteX0" y="connsiteY0"/>
+              </a:cxn>
+              <a:cxn ang="0">
+                <a:pos x="connsiteX1" y="connsiteY1"/>
+              </a:cxn>
+              <a:cxn ang="0">
+                <a:pos x="connsiteX2" y="connsiteY2"/>
+              </a:cxn>
+              <a:cxn ang="0">
+                <a:pos x="connsiteX3" y="connsiteY3"/>
+              </a:cxn>
+            </a:cxnLst>
+            <a:rect l="l" t="t" r="r" b="b"/>
+            <a:pathLst>
+              <a:path w="249382" h="315884">
+                <a:moveTo>
+                  <a:pt x="249382" y="66502"/>
+                </a:moveTo>
+                <a:lnTo>
+                  <a:pt x="116378" y="315884"/>
+                </a:lnTo>
+                <a:lnTo>
+                  <a:pt x="0" y="0"/>
+                </a:lnTo>
+                <a:lnTo>
+                  <a:pt x="249382" y="66502"/>
+                </a:lnTo>
+                <a:close/>
+              </a:path>
+            </a:pathLst>
+          </a:custGeom>
+          <a:solidFill>
+            <a:srgbClr val="7030A0"/>
+          </a:solidFill>
+        </p:spPr>
+        <p:style>
+          <a:lnRef idx="2">
+            <a:schemeClr val="accent1">
+              <a:shade val="50000"/>
+            </a:schemeClr>
+          </a:lnRef>
+          <a:fillRef idx="1">
+            <a:schemeClr val="accent1"/>
+          </a:fillRef>
+          <a:effectRef idx="0">
+            <a:schemeClr val="accent1"/>
+          </a:effectRef>
+          <a:fontRef idx="minor">
+            <a:schemeClr val="lt1"/>
+          </a:fontRef>
+        </p:style>
+        <p:txBody>
+          <a:bodyPr rtlCol="0" anchor="ctr"/>
+          <a:lstStyle/>
+          <a:p>
+            <a:pPr algn="ctr"/>
+            <a:endParaRPr lang="fr-CH"/>
+          </a:p>
+        </p:txBody>
+      </p:sp>
+      <p:sp>
+        <p:nvSpPr>
+          <p:cNvPr id="71" name="Ellipse 70"/>
+          <p:cNvSpPr/>
+          <p:nvPr/>
+        </p:nvSpPr>
+        <p:spPr>
+          <a:xfrm>
+            <a:off x="4740277" y="2819256"/>
+            <a:ext cx="175490" cy="175490"/>
+          </a:xfrm>
+          <a:prstGeom prst="ellipse">
+            <a:avLst/>
+          </a:prstGeom>
+        </p:spPr>
+        <p:style>
+          <a:lnRef idx="2">
+            <a:schemeClr val="accent1">
+              <a:shade val="50000"/>
+            </a:schemeClr>
+          </a:lnRef>
+          <a:fillRef idx="1">
+            <a:schemeClr val="accent1"/>
+          </a:fillRef>
+          <a:effectRef idx="0">
+            <a:schemeClr val="accent1"/>
+          </a:effectRef>
+          <a:fontRef idx="minor">
+            <a:schemeClr val="lt1"/>
+          </a:fontRef>
+        </p:style>
+        <p:txBody>
+          <a:bodyPr rtlCol="0" anchor="ctr"/>
+          <a:lstStyle/>
+          <a:p>
+            <a:pPr algn="ctr"/>
+            <a:endParaRPr lang="fr-CH"/>
+          </a:p>
+        </p:txBody>
+      </p:sp>
+      <p:sp>
+        <p:nvSpPr>
+          <p:cNvPr id="74" name="Ellipse 73"/>
+          <p:cNvSpPr/>
+          <p:nvPr/>
+        </p:nvSpPr>
+        <p:spPr>
+          <a:xfrm>
+            <a:off x="3772131" y="1282469"/>
+            <a:ext cx="175490" cy="175490"/>
+          </a:xfrm>
+          <a:prstGeom prst="ellipse">
+            <a:avLst/>
+          </a:prstGeom>
+        </p:spPr>
+        <p:style>
+          <a:lnRef idx="2">
+            <a:schemeClr val="accent1">
+              <a:shade val="50000"/>
+            </a:schemeClr>
+          </a:lnRef>
+          <a:fillRef idx="1">
+            <a:schemeClr val="accent1"/>
+          </a:fillRef>
+          <a:effectRef idx="0">
+            <a:schemeClr val="accent1"/>
+          </a:effectRef>
+          <a:fontRef idx="minor">
+            <a:schemeClr val="lt1"/>
+          </a:fontRef>
+        </p:style>
+        <p:txBody>
+          <a:bodyPr rtlCol="0" anchor="ctr"/>
+          <a:lstStyle/>
+          <a:p>
+            <a:pPr algn="ctr"/>
+            <a:endParaRPr lang="fr-CH"/>
+          </a:p>
+        </p:txBody>
+      </p:sp>
+      <p:sp>
+        <p:nvSpPr>
+          <p:cNvPr id="6" name="ZoneTexte 5"/>
+          <p:cNvSpPr txBox="1"/>
+          <p:nvPr/>
+        </p:nvSpPr>
+        <p:spPr>
+          <a:xfrm>
+            <a:off x="3967422" y="1202174"/>
+            <a:ext cx="1498715" cy="323165"/>
+          </a:xfrm>
+          <a:prstGeom prst="rect">
+            <a:avLst/>
+          </a:prstGeom>
+          <a:noFill/>
+        </p:spPr>
+        <p:txBody>
+          <a:bodyPr wrap="square" rtlCol="0">
+            <a:spAutoFit/>
           </a:bodyPr>
           <a:lstStyle/>
           <a:p>
-            <a:endParaRPr lang="fr-CH" dirty="0"/>
+            <a:r>
+              <a:rPr lang="fr-CH" sz="1500" dirty="0" smtClean="0"/>
+              <a:t>Station MS60</a:t>
+            </a:r>
+            <a:endParaRPr lang="fr-CH" sz="1500" dirty="0"/>
+          </a:p>
+        </p:txBody>
+      </p:sp>
+      <p:sp>
+        <p:nvSpPr>
+          <p:cNvPr id="7" name="ZoneTexte 6"/>
+          <p:cNvSpPr txBox="1"/>
+          <p:nvPr/>
+        </p:nvSpPr>
+        <p:spPr>
+          <a:xfrm>
+            <a:off x="4640323" y="2582579"/>
+            <a:ext cx="890450" cy="276999"/>
+          </a:xfrm>
+          <a:prstGeom prst="rect">
+            <a:avLst/>
+          </a:prstGeom>
+          <a:noFill/>
+        </p:spPr>
+        <p:txBody>
+          <a:bodyPr wrap="square" rtlCol="0">
+            <a:spAutoFit/>
+          </a:bodyPr>
+          <a:lstStyle/>
+          <a:p>
+            <a:r>
+              <a:rPr lang="fr-CH" sz="1200" b="1" dirty="0" smtClean="0"/>
+              <a:t>Scan 8007</a:t>
+            </a:r>
+            <a:endParaRPr lang="fr-CH" sz="1200" b="1" dirty="0"/>
+          </a:p>
+        </p:txBody>
+      </p:sp>
+      <p:sp>
+        <p:nvSpPr>
+          <p:cNvPr id="76" name="ZoneTexte 75"/>
+          <p:cNvSpPr txBox="1"/>
+          <p:nvPr/>
+        </p:nvSpPr>
+        <p:spPr>
+          <a:xfrm>
+            <a:off x="6942189" y="3607926"/>
+            <a:ext cx="890450" cy="276999"/>
+          </a:xfrm>
+          <a:prstGeom prst="rect">
+            <a:avLst/>
+          </a:prstGeom>
+          <a:noFill/>
+        </p:spPr>
+        <p:txBody>
+          <a:bodyPr wrap="square" rtlCol="0">
+            <a:spAutoFit/>
+          </a:bodyPr>
+          <a:lstStyle/>
+          <a:p>
+            <a:r>
+              <a:rPr lang="fr-CH" sz="1200" b="1" dirty="0" smtClean="0"/>
+              <a:t>Scan 8001</a:t>
+            </a:r>
+            <a:endParaRPr lang="fr-CH" sz="1200" b="1" dirty="0"/>
+          </a:p>
+        </p:txBody>
+      </p:sp>
+      <p:sp>
+        <p:nvSpPr>
+          <p:cNvPr id="78" name="ZoneTexte 77"/>
+          <p:cNvSpPr txBox="1"/>
+          <p:nvPr/>
+        </p:nvSpPr>
+        <p:spPr>
+          <a:xfrm>
+            <a:off x="4321238" y="4202364"/>
+            <a:ext cx="890450" cy="276999"/>
+          </a:xfrm>
+          <a:prstGeom prst="rect">
+            <a:avLst/>
+          </a:prstGeom>
+          <a:noFill/>
+        </p:spPr>
+        <p:txBody>
+          <a:bodyPr wrap="square" rtlCol="0">
+            <a:spAutoFit/>
+          </a:bodyPr>
+          <a:lstStyle/>
+          <a:p>
+            <a:r>
+              <a:rPr lang="fr-CH" sz="1200" b="1" dirty="0" smtClean="0"/>
+              <a:t>Scan 8002</a:t>
+            </a:r>
+            <a:endParaRPr lang="fr-CH" sz="1200" b="1" dirty="0"/>
+          </a:p>
+        </p:txBody>
+      </p:sp>
+      <p:sp>
+        <p:nvSpPr>
+          <p:cNvPr id="80" name="ZoneTexte 79"/>
+          <p:cNvSpPr txBox="1"/>
+          <p:nvPr/>
+        </p:nvSpPr>
+        <p:spPr>
+          <a:xfrm>
+            <a:off x="3225704" y="2875570"/>
+            <a:ext cx="890450" cy="276999"/>
+          </a:xfrm>
+          <a:prstGeom prst="rect">
+            <a:avLst/>
+          </a:prstGeom>
+          <a:noFill/>
+        </p:spPr>
+        <p:txBody>
+          <a:bodyPr wrap="square" rtlCol="0">
+            <a:spAutoFit/>
+          </a:bodyPr>
+          <a:lstStyle/>
+          <a:p>
+            <a:r>
+              <a:rPr lang="fr-CH" sz="1200" b="1" dirty="0" smtClean="0"/>
+              <a:t>Scan 8003</a:t>
+            </a:r>
+            <a:endParaRPr lang="fr-CH" sz="1200" b="1" dirty="0"/>
+          </a:p>
+        </p:txBody>
+      </p:sp>
+      <p:sp>
+        <p:nvSpPr>
+          <p:cNvPr id="82" name="ZoneTexte 81"/>
+          <p:cNvSpPr txBox="1"/>
+          <p:nvPr/>
+        </p:nvSpPr>
+        <p:spPr>
+          <a:xfrm>
+            <a:off x="5458864" y="2382275"/>
+            <a:ext cx="890450" cy="276999"/>
+          </a:xfrm>
+          <a:prstGeom prst="rect">
+            <a:avLst/>
+          </a:prstGeom>
+          <a:noFill/>
+        </p:spPr>
+        <p:txBody>
+          <a:bodyPr wrap="square" rtlCol="0">
+            <a:spAutoFit/>
+          </a:bodyPr>
+          <a:lstStyle/>
+          <a:p>
+            <a:r>
+              <a:rPr lang="fr-CH" sz="1200" b="1" dirty="0" smtClean="0"/>
+              <a:t>Scan 8004</a:t>
+            </a:r>
+            <a:endParaRPr lang="fr-CH" sz="1200" b="1" dirty="0"/>
           </a:p>
         </p:txBody>
       </p:sp>
     </p:spTree>
     <p:extLst>
       <p:ext uri="{BB962C8B-B14F-4D97-AF65-F5344CB8AC3E}">
-        <p14:creationId xmlns:p14="http://schemas.microsoft.com/office/powerpoint/2010/main" val="1138867882"/>
+        <p14:creationId xmlns:p14="http://schemas.microsoft.com/office/powerpoint/2010/main" val="3965180398"/>
       </p:ext>
     </p:extLst>
   </p:cSld>
@@ -7681,15 +6491,12 @@
         </p:nvSpPr>
         <p:spPr>
           <a:xfrm>
-            <a:off x="5860568" y="4078352"/>
+            <a:off x="5696535" y="4124534"/>
             <a:ext cx="185354" cy="185355"/>
           </a:xfrm>
           <a:prstGeom prst="ellipse">
             <a:avLst/>
           </a:prstGeom>
-          <a:solidFill>
-            <a:srgbClr val="00B050"/>
-          </a:solidFill>
         </p:spPr>
         <p:style>
           <a:lnRef idx="3">
@@ -7726,15 +6533,12 @@
         </p:nvSpPr>
         <p:spPr>
           <a:xfrm>
-            <a:off x="7238093" y="3573960"/>
+            <a:off x="7363697" y="3239007"/>
             <a:ext cx="185354" cy="185355"/>
           </a:xfrm>
           <a:prstGeom prst="ellipse">
             <a:avLst/>
           </a:prstGeom>
-          <a:solidFill>
-            <a:srgbClr val="00B050"/>
-          </a:solidFill>
         </p:spPr>
         <p:style>
           <a:lnRef idx="3">
@@ -7763,10 +6567,136 @@
           </a:p>
         </p:txBody>
       </p:sp>
+      <p:sp>
+        <p:nvSpPr>
+          <p:cNvPr id="92" name="Ellipse 91"/>
+          <p:cNvSpPr/>
+          <p:nvPr/>
+        </p:nvSpPr>
+        <p:spPr>
+          <a:xfrm>
+            <a:off x="6886456" y="3815750"/>
+            <a:ext cx="185354" cy="185355"/>
+          </a:xfrm>
+          <a:prstGeom prst="ellipse">
+            <a:avLst/>
+          </a:prstGeom>
+        </p:spPr>
+        <p:style>
+          <a:lnRef idx="3">
+            <a:schemeClr val="lt1"/>
+          </a:lnRef>
+          <a:fillRef idx="1">
+            <a:schemeClr val="accent4"/>
+          </a:fillRef>
+          <a:effectRef idx="1">
+            <a:schemeClr val="accent4"/>
+          </a:effectRef>
+          <a:fontRef idx="minor">
+            <a:schemeClr val="lt1"/>
+          </a:fontRef>
+        </p:style>
+        <p:txBody>
+          <a:bodyPr rot="0" spcFirstLastPara="0" vert="horz" wrap="square" lIns="91440" tIns="45720" rIns="91440" bIns="45720" numCol="1" spcCol="0" rtlCol="0" fromWordArt="0" anchor="ctr" anchorCtr="0" forceAA="0" compatLnSpc="1">
+            <a:prstTxWarp prst="textNoShape">
+              <a:avLst/>
+            </a:prstTxWarp>
+            <a:noAutofit/>
+          </a:bodyPr>
+          <a:lstStyle/>
+          <a:p>
+            <a:endParaRPr lang="fr-CH" dirty="0"/>
+          </a:p>
+        </p:txBody>
+      </p:sp>
+      <p:sp>
+        <p:nvSpPr>
+          <p:cNvPr id="93" name="Ellipse 92"/>
+          <p:cNvSpPr/>
+          <p:nvPr/>
+        </p:nvSpPr>
+        <p:spPr>
+          <a:xfrm>
+            <a:off x="6503735" y="2855400"/>
+            <a:ext cx="185354" cy="185355"/>
+          </a:xfrm>
+          <a:prstGeom prst="ellipse">
+            <a:avLst/>
+          </a:prstGeom>
+        </p:spPr>
+        <p:style>
+          <a:lnRef idx="3">
+            <a:schemeClr val="lt1"/>
+          </a:lnRef>
+          <a:fillRef idx="1">
+            <a:schemeClr val="accent4"/>
+          </a:fillRef>
+          <a:effectRef idx="1">
+            <a:schemeClr val="accent4"/>
+          </a:effectRef>
+          <a:fontRef idx="minor">
+            <a:schemeClr val="lt1"/>
+          </a:fontRef>
+        </p:style>
+        <p:txBody>
+          <a:bodyPr rot="0" spcFirstLastPara="0" vert="horz" wrap="square" lIns="91440" tIns="45720" rIns="91440" bIns="45720" numCol="1" spcCol="0" rtlCol="0" fromWordArt="0" anchor="ctr" anchorCtr="0" forceAA="0" compatLnSpc="1">
+            <a:prstTxWarp prst="textNoShape">
+              <a:avLst/>
+            </a:prstTxWarp>
+            <a:noAutofit/>
+          </a:bodyPr>
+          <a:lstStyle/>
+          <a:p>
+            <a:endParaRPr lang="fr-CH" dirty="0"/>
+          </a:p>
+        </p:txBody>
+      </p:sp>
+      <p:sp>
+        <p:nvSpPr>
+          <p:cNvPr id="94" name="Ellipse 93"/>
+          <p:cNvSpPr/>
+          <p:nvPr/>
+        </p:nvSpPr>
+        <p:spPr>
+          <a:xfrm>
+            <a:off x="6102734" y="2575671"/>
+            <a:ext cx="185354" cy="185355"/>
+          </a:xfrm>
+          <a:prstGeom prst="ellipse">
+            <a:avLst/>
+          </a:prstGeom>
+        </p:spPr>
+        <p:style>
+          <a:lnRef idx="3">
+            <a:schemeClr val="lt1"/>
+          </a:lnRef>
+          <a:fillRef idx="1">
+            <a:schemeClr val="accent4"/>
+          </a:fillRef>
+          <a:effectRef idx="1">
+            <a:schemeClr val="accent4"/>
+          </a:effectRef>
+          <a:fontRef idx="minor">
+            <a:schemeClr val="lt1"/>
+          </a:fontRef>
+        </p:style>
+        <p:txBody>
+          <a:bodyPr rot="0" spcFirstLastPara="0" vert="horz" wrap="square" lIns="91440" tIns="45720" rIns="91440" bIns="45720" numCol="1" spcCol="0" rtlCol="0" fromWordArt="0" anchor="ctr" anchorCtr="0" forceAA="0" compatLnSpc="1">
+            <a:prstTxWarp prst="textNoShape">
+              <a:avLst/>
+            </a:prstTxWarp>
+            <a:noAutofit/>
+          </a:bodyPr>
+          <a:lstStyle/>
+          <a:p>
+            <a:endParaRPr lang="fr-CH" dirty="0"/>
+          </a:p>
+        </p:txBody>
+      </p:sp>
     </p:spTree>
     <p:extLst>
       <p:ext uri="{BB962C8B-B14F-4D97-AF65-F5344CB8AC3E}">
-        <p14:creationId xmlns:p14="http://schemas.microsoft.com/office/powerpoint/2010/main" val="2010618673"/>
+        <p14:creationId xmlns:p14="http://schemas.microsoft.com/office/powerpoint/2010/main" val="1138867882"/>
       </p:ext>
     </p:extLst>
   </p:cSld>
@@ -9749,187 +8679,98 @@
       </p:grpSp>
       <p:sp>
         <p:nvSpPr>
-          <p:cNvPr id="3" name="Forme libre 2"/>
+          <p:cNvPr id="90" name="Ellipse 89"/>
           <p:cNvSpPr/>
           <p:nvPr/>
         </p:nvSpPr>
         <p:spPr>
           <a:xfrm>
-            <a:off x="5403273" y="2503055"/>
-            <a:ext cx="1939636" cy="1902690"/>
-          </a:xfrm>
-          <a:custGeom>
+            <a:off x="5860568" y="4078352"/>
+            <a:ext cx="185354" cy="185355"/>
+          </a:xfrm>
+          <a:prstGeom prst="ellipse">
             <a:avLst/>
-            <a:gdLst>
-              <a:gd name="connsiteX0" fmla="*/ 0 w 1939636"/>
-              <a:gd name="connsiteY0" fmla="*/ 1902690 h 1902690"/>
-              <a:gd name="connsiteX1" fmla="*/ 1551709 w 1939636"/>
-              <a:gd name="connsiteY1" fmla="*/ 1487054 h 1902690"/>
-              <a:gd name="connsiteX2" fmla="*/ 1773382 w 1939636"/>
-              <a:gd name="connsiteY2" fmla="*/ 1348509 h 1902690"/>
-              <a:gd name="connsiteX3" fmla="*/ 1911927 w 1939636"/>
-              <a:gd name="connsiteY3" fmla="*/ 1154545 h 1902690"/>
-              <a:gd name="connsiteX4" fmla="*/ 1939636 w 1939636"/>
-              <a:gd name="connsiteY4" fmla="*/ 960581 h 1902690"/>
-              <a:gd name="connsiteX5" fmla="*/ 1893454 w 1939636"/>
-              <a:gd name="connsiteY5" fmla="*/ 720436 h 1902690"/>
-              <a:gd name="connsiteX6" fmla="*/ 1828800 w 1939636"/>
-              <a:gd name="connsiteY6" fmla="*/ 600363 h 1902690"/>
-              <a:gd name="connsiteX7" fmla="*/ 1717963 w 1939636"/>
-              <a:gd name="connsiteY7" fmla="*/ 526472 h 1902690"/>
-              <a:gd name="connsiteX8" fmla="*/ 1653309 w 1939636"/>
-              <a:gd name="connsiteY8" fmla="*/ 508000 h 1902690"/>
-              <a:gd name="connsiteX9" fmla="*/ 1533236 w 1939636"/>
-              <a:gd name="connsiteY9" fmla="*/ 452581 h 1902690"/>
-              <a:gd name="connsiteX10" fmla="*/ 1357745 w 1939636"/>
-              <a:gd name="connsiteY10" fmla="*/ 452581 h 1902690"/>
-              <a:gd name="connsiteX11" fmla="*/ 1117600 w 1939636"/>
-              <a:gd name="connsiteY11" fmla="*/ 424872 h 1902690"/>
-              <a:gd name="connsiteX12" fmla="*/ 1034472 w 1939636"/>
-              <a:gd name="connsiteY12" fmla="*/ 378690 h 1902690"/>
-              <a:gd name="connsiteX13" fmla="*/ 951345 w 1939636"/>
-              <a:gd name="connsiteY13" fmla="*/ 249381 h 1902690"/>
-              <a:gd name="connsiteX14" fmla="*/ 932872 w 1939636"/>
-              <a:gd name="connsiteY14" fmla="*/ 110836 h 1902690"/>
-              <a:gd name="connsiteX15" fmla="*/ 932872 w 1939636"/>
-              <a:gd name="connsiteY15" fmla="*/ 0 h 1902690"/>
-            </a:gdLst>
-            <a:ahLst/>
-            <a:cxnLst>
-              <a:cxn ang="0">
-                <a:pos x="connsiteX0" y="connsiteY0"/>
-              </a:cxn>
-              <a:cxn ang="0">
-                <a:pos x="connsiteX1" y="connsiteY1"/>
-              </a:cxn>
-              <a:cxn ang="0">
-                <a:pos x="connsiteX2" y="connsiteY2"/>
-              </a:cxn>
-              <a:cxn ang="0">
-                <a:pos x="connsiteX3" y="connsiteY3"/>
-              </a:cxn>
-              <a:cxn ang="0">
-                <a:pos x="connsiteX4" y="connsiteY4"/>
-              </a:cxn>
-              <a:cxn ang="0">
-                <a:pos x="connsiteX5" y="connsiteY5"/>
-              </a:cxn>
-              <a:cxn ang="0">
-                <a:pos x="connsiteX6" y="connsiteY6"/>
-              </a:cxn>
-              <a:cxn ang="0">
-                <a:pos x="connsiteX7" y="connsiteY7"/>
-              </a:cxn>
-              <a:cxn ang="0">
-                <a:pos x="connsiteX8" y="connsiteY8"/>
-              </a:cxn>
-              <a:cxn ang="0">
-                <a:pos x="connsiteX9" y="connsiteY9"/>
-              </a:cxn>
-              <a:cxn ang="0">
-                <a:pos x="connsiteX10" y="connsiteY10"/>
-              </a:cxn>
-              <a:cxn ang="0">
-                <a:pos x="connsiteX11" y="connsiteY11"/>
-              </a:cxn>
-              <a:cxn ang="0">
-                <a:pos x="connsiteX12" y="connsiteY12"/>
-              </a:cxn>
-              <a:cxn ang="0">
-                <a:pos x="connsiteX13" y="connsiteY13"/>
-              </a:cxn>
-              <a:cxn ang="0">
-                <a:pos x="connsiteX14" y="connsiteY14"/>
-              </a:cxn>
-              <a:cxn ang="0">
-                <a:pos x="connsiteX15" y="connsiteY15"/>
-              </a:cxn>
-            </a:cxnLst>
-            <a:rect l="l" t="t" r="r" b="b"/>
-            <a:pathLst>
-              <a:path w="1939636" h="1902690">
-                <a:moveTo>
-                  <a:pt x="0" y="1902690"/>
-                </a:moveTo>
-                <a:lnTo>
-                  <a:pt x="1551709" y="1487054"/>
-                </a:lnTo>
-                <a:lnTo>
-                  <a:pt x="1773382" y="1348509"/>
-                </a:lnTo>
-                <a:lnTo>
-                  <a:pt x="1911927" y="1154545"/>
-                </a:lnTo>
-                <a:lnTo>
-                  <a:pt x="1939636" y="960581"/>
-                </a:lnTo>
-                <a:lnTo>
-                  <a:pt x="1893454" y="720436"/>
-                </a:lnTo>
-                <a:lnTo>
-                  <a:pt x="1828800" y="600363"/>
-                </a:lnTo>
-                <a:lnTo>
-                  <a:pt x="1717963" y="526472"/>
-                </a:lnTo>
-                <a:lnTo>
-                  <a:pt x="1653309" y="508000"/>
-                </a:lnTo>
-                <a:lnTo>
-                  <a:pt x="1533236" y="452581"/>
-                </a:lnTo>
-                <a:lnTo>
-                  <a:pt x="1357745" y="452581"/>
-                </a:lnTo>
-                <a:lnTo>
-                  <a:pt x="1117600" y="424872"/>
-                </a:lnTo>
-                <a:lnTo>
-                  <a:pt x="1034472" y="378690"/>
-                </a:lnTo>
-                <a:lnTo>
-                  <a:pt x="951345" y="249381"/>
-                </a:lnTo>
-                <a:lnTo>
-                  <a:pt x="932872" y="110836"/>
-                </a:lnTo>
-                <a:lnTo>
-                  <a:pt x="932872" y="0"/>
-                </a:lnTo>
-              </a:path>
-            </a:pathLst>
-          </a:custGeom>
-          <a:noFill/>
+          </a:prstGeom>
+          <a:solidFill>
+            <a:srgbClr val="00B050"/>
+          </a:solidFill>
         </p:spPr>
         <p:style>
-          <a:lnRef idx="2">
-            <a:schemeClr val="accent1">
-              <a:shade val="50000"/>
-            </a:schemeClr>
+          <a:lnRef idx="3">
+            <a:schemeClr val="lt1"/>
           </a:lnRef>
           <a:fillRef idx="1">
-            <a:schemeClr val="accent1"/>
+            <a:schemeClr val="accent4"/>
           </a:fillRef>
-          <a:effectRef idx="0">
-            <a:schemeClr val="accent1"/>
+          <a:effectRef idx="1">
+            <a:schemeClr val="accent4"/>
           </a:effectRef>
           <a:fontRef idx="minor">
             <a:schemeClr val="lt1"/>
           </a:fontRef>
         </p:style>
         <p:txBody>
-          <a:bodyPr rtlCol="0" anchor="ctr"/>
+          <a:bodyPr rot="0" spcFirstLastPara="0" vert="horz" wrap="square" lIns="91440" tIns="45720" rIns="91440" bIns="45720" numCol="1" spcCol="0" rtlCol="0" fromWordArt="0" anchor="ctr" anchorCtr="0" forceAA="0" compatLnSpc="1">
+            <a:prstTxWarp prst="textNoShape">
+              <a:avLst/>
+            </a:prstTxWarp>
+            <a:noAutofit/>
+          </a:bodyPr>
           <a:lstStyle/>
           <a:p>
-            <a:pPr algn="ctr"/>
-            <a:endParaRPr lang="fr-CH"/>
+            <a:endParaRPr lang="fr-CH" dirty="0"/>
+          </a:p>
+        </p:txBody>
+      </p:sp>
+      <p:sp>
+        <p:nvSpPr>
+          <p:cNvPr id="91" name="Ellipse 90"/>
+          <p:cNvSpPr/>
+          <p:nvPr/>
+        </p:nvSpPr>
+        <p:spPr>
+          <a:xfrm>
+            <a:off x="7238093" y="3573960"/>
+            <a:ext cx="185354" cy="185355"/>
+          </a:xfrm>
+          <a:prstGeom prst="ellipse">
+            <a:avLst/>
+          </a:prstGeom>
+          <a:solidFill>
+            <a:srgbClr val="00B050"/>
+          </a:solidFill>
+        </p:spPr>
+        <p:style>
+          <a:lnRef idx="3">
+            <a:schemeClr val="lt1"/>
+          </a:lnRef>
+          <a:fillRef idx="1">
+            <a:schemeClr val="accent4"/>
+          </a:fillRef>
+          <a:effectRef idx="1">
+            <a:schemeClr val="accent4"/>
+          </a:effectRef>
+          <a:fontRef idx="minor">
+            <a:schemeClr val="lt1"/>
+          </a:fontRef>
+        </p:style>
+        <p:txBody>
+          <a:bodyPr rot="0" spcFirstLastPara="0" vert="horz" wrap="square" lIns="91440" tIns="45720" rIns="91440" bIns="45720" numCol="1" spcCol="0" rtlCol="0" fromWordArt="0" anchor="ctr" anchorCtr="0" forceAA="0" compatLnSpc="1">
+            <a:prstTxWarp prst="textNoShape">
+              <a:avLst/>
+            </a:prstTxWarp>
+            <a:noAutofit/>
+          </a:bodyPr>
+          <a:lstStyle/>
+          <a:p>
+            <a:endParaRPr lang="fr-CH" dirty="0"/>
           </a:p>
         </p:txBody>
       </p:sp>
     </p:spTree>
     <p:extLst>
       <p:ext uri="{BB962C8B-B14F-4D97-AF65-F5344CB8AC3E}">
-        <p14:creationId xmlns:p14="http://schemas.microsoft.com/office/powerpoint/2010/main" val="1247113638"/>
+        <p14:creationId xmlns:p14="http://schemas.microsoft.com/office/powerpoint/2010/main" val="2010618673"/>
       </p:ext>
     </p:extLst>
   </p:cSld>
@@ -11912,6 +10753,2169 @@
       </p:grpSp>
       <p:sp>
         <p:nvSpPr>
+          <p:cNvPr id="3" name="Forme libre 2"/>
+          <p:cNvSpPr/>
+          <p:nvPr/>
+        </p:nvSpPr>
+        <p:spPr>
+          <a:xfrm>
+            <a:off x="5403273" y="2503055"/>
+            <a:ext cx="1939636" cy="1902690"/>
+          </a:xfrm>
+          <a:custGeom>
+            <a:avLst/>
+            <a:gdLst>
+              <a:gd name="connsiteX0" fmla="*/ 0 w 1939636"/>
+              <a:gd name="connsiteY0" fmla="*/ 1902690 h 1902690"/>
+              <a:gd name="connsiteX1" fmla="*/ 1551709 w 1939636"/>
+              <a:gd name="connsiteY1" fmla="*/ 1487054 h 1902690"/>
+              <a:gd name="connsiteX2" fmla="*/ 1773382 w 1939636"/>
+              <a:gd name="connsiteY2" fmla="*/ 1348509 h 1902690"/>
+              <a:gd name="connsiteX3" fmla="*/ 1911927 w 1939636"/>
+              <a:gd name="connsiteY3" fmla="*/ 1154545 h 1902690"/>
+              <a:gd name="connsiteX4" fmla="*/ 1939636 w 1939636"/>
+              <a:gd name="connsiteY4" fmla="*/ 960581 h 1902690"/>
+              <a:gd name="connsiteX5" fmla="*/ 1893454 w 1939636"/>
+              <a:gd name="connsiteY5" fmla="*/ 720436 h 1902690"/>
+              <a:gd name="connsiteX6" fmla="*/ 1828800 w 1939636"/>
+              <a:gd name="connsiteY6" fmla="*/ 600363 h 1902690"/>
+              <a:gd name="connsiteX7" fmla="*/ 1717963 w 1939636"/>
+              <a:gd name="connsiteY7" fmla="*/ 526472 h 1902690"/>
+              <a:gd name="connsiteX8" fmla="*/ 1653309 w 1939636"/>
+              <a:gd name="connsiteY8" fmla="*/ 508000 h 1902690"/>
+              <a:gd name="connsiteX9" fmla="*/ 1533236 w 1939636"/>
+              <a:gd name="connsiteY9" fmla="*/ 452581 h 1902690"/>
+              <a:gd name="connsiteX10" fmla="*/ 1357745 w 1939636"/>
+              <a:gd name="connsiteY10" fmla="*/ 452581 h 1902690"/>
+              <a:gd name="connsiteX11" fmla="*/ 1117600 w 1939636"/>
+              <a:gd name="connsiteY11" fmla="*/ 424872 h 1902690"/>
+              <a:gd name="connsiteX12" fmla="*/ 1034472 w 1939636"/>
+              <a:gd name="connsiteY12" fmla="*/ 378690 h 1902690"/>
+              <a:gd name="connsiteX13" fmla="*/ 951345 w 1939636"/>
+              <a:gd name="connsiteY13" fmla="*/ 249381 h 1902690"/>
+              <a:gd name="connsiteX14" fmla="*/ 932872 w 1939636"/>
+              <a:gd name="connsiteY14" fmla="*/ 110836 h 1902690"/>
+              <a:gd name="connsiteX15" fmla="*/ 932872 w 1939636"/>
+              <a:gd name="connsiteY15" fmla="*/ 0 h 1902690"/>
+            </a:gdLst>
+            <a:ahLst/>
+            <a:cxnLst>
+              <a:cxn ang="0">
+                <a:pos x="connsiteX0" y="connsiteY0"/>
+              </a:cxn>
+              <a:cxn ang="0">
+                <a:pos x="connsiteX1" y="connsiteY1"/>
+              </a:cxn>
+              <a:cxn ang="0">
+                <a:pos x="connsiteX2" y="connsiteY2"/>
+              </a:cxn>
+              <a:cxn ang="0">
+                <a:pos x="connsiteX3" y="connsiteY3"/>
+              </a:cxn>
+              <a:cxn ang="0">
+                <a:pos x="connsiteX4" y="connsiteY4"/>
+              </a:cxn>
+              <a:cxn ang="0">
+                <a:pos x="connsiteX5" y="connsiteY5"/>
+              </a:cxn>
+              <a:cxn ang="0">
+                <a:pos x="connsiteX6" y="connsiteY6"/>
+              </a:cxn>
+              <a:cxn ang="0">
+                <a:pos x="connsiteX7" y="connsiteY7"/>
+              </a:cxn>
+              <a:cxn ang="0">
+                <a:pos x="connsiteX8" y="connsiteY8"/>
+              </a:cxn>
+              <a:cxn ang="0">
+                <a:pos x="connsiteX9" y="connsiteY9"/>
+              </a:cxn>
+              <a:cxn ang="0">
+                <a:pos x="connsiteX10" y="connsiteY10"/>
+              </a:cxn>
+              <a:cxn ang="0">
+                <a:pos x="connsiteX11" y="connsiteY11"/>
+              </a:cxn>
+              <a:cxn ang="0">
+                <a:pos x="connsiteX12" y="connsiteY12"/>
+              </a:cxn>
+              <a:cxn ang="0">
+                <a:pos x="connsiteX13" y="connsiteY13"/>
+              </a:cxn>
+              <a:cxn ang="0">
+                <a:pos x="connsiteX14" y="connsiteY14"/>
+              </a:cxn>
+              <a:cxn ang="0">
+                <a:pos x="connsiteX15" y="connsiteY15"/>
+              </a:cxn>
+            </a:cxnLst>
+            <a:rect l="l" t="t" r="r" b="b"/>
+            <a:pathLst>
+              <a:path w="1939636" h="1902690">
+                <a:moveTo>
+                  <a:pt x="0" y="1902690"/>
+                </a:moveTo>
+                <a:lnTo>
+                  <a:pt x="1551709" y="1487054"/>
+                </a:lnTo>
+                <a:lnTo>
+                  <a:pt x="1773382" y="1348509"/>
+                </a:lnTo>
+                <a:lnTo>
+                  <a:pt x="1911927" y="1154545"/>
+                </a:lnTo>
+                <a:lnTo>
+                  <a:pt x="1939636" y="960581"/>
+                </a:lnTo>
+                <a:lnTo>
+                  <a:pt x="1893454" y="720436"/>
+                </a:lnTo>
+                <a:lnTo>
+                  <a:pt x="1828800" y="600363"/>
+                </a:lnTo>
+                <a:lnTo>
+                  <a:pt x="1717963" y="526472"/>
+                </a:lnTo>
+                <a:lnTo>
+                  <a:pt x="1653309" y="508000"/>
+                </a:lnTo>
+                <a:lnTo>
+                  <a:pt x="1533236" y="452581"/>
+                </a:lnTo>
+                <a:lnTo>
+                  <a:pt x="1357745" y="452581"/>
+                </a:lnTo>
+                <a:lnTo>
+                  <a:pt x="1117600" y="424872"/>
+                </a:lnTo>
+                <a:lnTo>
+                  <a:pt x="1034472" y="378690"/>
+                </a:lnTo>
+                <a:lnTo>
+                  <a:pt x="951345" y="249381"/>
+                </a:lnTo>
+                <a:lnTo>
+                  <a:pt x="932872" y="110836"/>
+                </a:lnTo>
+                <a:lnTo>
+                  <a:pt x="932872" y="0"/>
+                </a:lnTo>
+              </a:path>
+            </a:pathLst>
+          </a:custGeom>
+          <a:noFill/>
+        </p:spPr>
+        <p:style>
+          <a:lnRef idx="2">
+            <a:schemeClr val="accent1">
+              <a:shade val="50000"/>
+            </a:schemeClr>
+          </a:lnRef>
+          <a:fillRef idx="1">
+            <a:schemeClr val="accent1"/>
+          </a:fillRef>
+          <a:effectRef idx="0">
+            <a:schemeClr val="accent1"/>
+          </a:effectRef>
+          <a:fontRef idx="minor">
+            <a:schemeClr val="lt1"/>
+          </a:fontRef>
+        </p:style>
+        <p:txBody>
+          <a:bodyPr rtlCol="0" anchor="ctr"/>
+          <a:lstStyle/>
+          <a:p>
+            <a:pPr algn="ctr"/>
+            <a:endParaRPr lang="fr-CH"/>
+          </a:p>
+        </p:txBody>
+      </p:sp>
+    </p:spTree>
+    <p:extLst>
+      <p:ext uri="{BB962C8B-B14F-4D97-AF65-F5344CB8AC3E}">
+        <p14:creationId xmlns:p14="http://schemas.microsoft.com/office/powerpoint/2010/main" val="1247113638"/>
+      </p:ext>
+    </p:extLst>
+  </p:cSld>
+  <p:clrMapOvr>
+    <a:masterClrMapping/>
+  </p:clrMapOvr>
+</p:sld>
+</file>
+
+<file path=ppt/slides/slide14.xml><?xml version="1.0" encoding="utf-8"?>
+<p:sld xmlns:a="http://schemas.openxmlformats.org/drawingml/2006/main" xmlns:r="http://schemas.openxmlformats.org/officeDocument/2006/relationships" xmlns:p="http://schemas.openxmlformats.org/presentationml/2006/main">
+  <p:cSld>
+    <p:spTree>
+      <p:nvGrpSpPr>
+        <p:cNvPr id="1" name=""/>
+        <p:cNvGrpSpPr/>
+        <p:nvPr/>
+      </p:nvGrpSpPr>
+      <p:grpSpPr>
+        <a:xfrm>
+          <a:off x="0" y="0"/>
+          <a:ext cx="0" cy="0"/>
+          <a:chOff x="0" y="0"/>
+          <a:chExt cx="0" cy="0"/>
+        </a:xfrm>
+      </p:grpSpPr>
+      <p:pic>
+        <p:nvPicPr>
+          <p:cNvPr id="4" name="Image 3"/>
+          <p:cNvPicPr>
+            <a:picLocks noChangeAspect="1"/>
+          </p:cNvPicPr>
+          <p:nvPr/>
+        </p:nvPicPr>
+        <p:blipFill>
+          <a:blip r:embed="rId2"/>
+          <a:stretch>
+            <a:fillRect/>
+          </a:stretch>
+        </p:blipFill>
+        <p:spPr>
+          <a:xfrm>
+            <a:off x="2857500" y="1195387"/>
+            <a:ext cx="6719887" cy="4345600"/>
+          </a:xfrm>
+          <a:prstGeom prst="rect">
+            <a:avLst/>
+          </a:prstGeom>
+        </p:spPr>
+      </p:pic>
+      <p:grpSp>
+        <p:nvGrpSpPr>
+          <p:cNvPr id="30" name="Groupe 29"/>
+          <p:cNvGrpSpPr/>
+          <p:nvPr/>
+        </p:nvGrpSpPr>
+        <p:grpSpPr>
+          <a:xfrm>
+            <a:off x="5084153" y="3741144"/>
+            <a:ext cx="172720" cy="172720"/>
+            <a:chOff x="2819400" y="2479040"/>
+            <a:chExt cx="172720" cy="172720"/>
+          </a:xfrm>
+        </p:grpSpPr>
+        <p:sp>
+          <p:nvSpPr>
+            <p:cNvPr id="31" name="Rectangle 30"/>
+            <p:cNvSpPr/>
+            <p:nvPr/>
+          </p:nvSpPr>
+          <p:spPr>
+            <a:xfrm>
+              <a:off x="2905760" y="2565400"/>
+              <a:ext cx="86360" cy="86360"/>
+            </a:xfrm>
+            <a:prstGeom prst="rect">
+              <a:avLst/>
+            </a:prstGeom>
+            <a:ln>
+              <a:noFill/>
+            </a:ln>
+          </p:spPr>
+          <p:style>
+            <a:lnRef idx="2">
+              <a:schemeClr val="dk1">
+                <a:shade val="50000"/>
+              </a:schemeClr>
+            </a:lnRef>
+            <a:fillRef idx="1">
+              <a:schemeClr val="dk1"/>
+            </a:fillRef>
+            <a:effectRef idx="0">
+              <a:schemeClr val="dk1"/>
+            </a:effectRef>
+            <a:fontRef idx="minor">
+              <a:schemeClr val="lt1"/>
+            </a:fontRef>
+          </p:style>
+          <p:txBody>
+            <a:bodyPr rtlCol="0" anchor="ctr"/>
+            <a:lstStyle/>
+            <a:p>
+              <a:pPr algn="ctr"/>
+              <a:endParaRPr lang="fr-CH"/>
+            </a:p>
+          </p:txBody>
+        </p:sp>
+        <p:sp>
+          <p:nvSpPr>
+            <p:cNvPr id="32" name="Rectangle 31"/>
+            <p:cNvSpPr/>
+            <p:nvPr/>
+          </p:nvSpPr>
+          <p:spPr>
+            <a:xfrm>
+              <a:off x="2905760" y="2479040"/>
+              <a:ext cx="86360" cy="86360"/>
+            </a:xfrm>
+            <a:prstGeom prst="rect">
+              <a:avLst/>
+            </a:prstGeom>
+            <a:solidFill>
+              <a:schemeClr val="bg1"/>
+            </a:solidFill>
+            <a:ln>
+              <a:noFill/>
+            </a:ln>
+          </p:spPr>
+          <p:style>
+            <a:lnRef idx="2">
+              <a:schemeClr val="dk1">
+                <a:shade val="50000"/>
+              </a:schemeClr>
+            </a:lnRef>
+            <a:fillRef idx="1">
+              <a:schemeClr val="dk1"/>
+            </a:fillRef>
+            <a:effectRef idx="0">
+              <a:schemeClr val="dk1"/>
+            </a:effectRef>
+            <a:fontRef idx="minor">
+              <a:schemeClr val="lt1"/>
+            </a:fontRef>
+          </p:style>
+          <p:txBody>
+            <a:bodyPr rtlCol="0" anchor="ctr"/>
+            <a:lstStyle/>
+            <a:p>
+              <a:pPr algn="ctr"/>
+              <a:endParaRPr lang="fr-CH"/>
+            </a:p>
+          </p:txBody>
+        </p:sp>
+        <p:sp>
+          <p:nvSpPr>
+            <p:cNvPr id="33" name="Rectangle 32"/>
+            <p:cNvSpPr/>
+            <p:nvPr/>
+          </p:nvSpPr>
+          <p:spPr>
+            <a:xfrm>
+              <a:off x="2819400" y="2565400"/>
+              <a:ext cx="86360" cy="86360"/>
+            </a:xfrm>
+            <a:prstGeom prst="rect">
+              <a:avLst/>
+            </a:prstGeom>
+            <a:solidFill>
+              <a:schemeClr val="bg1"/>
+            </a:solidFill>
+            <a:ln>
+              <a:noFill/>
+            </a:ln>
+          </p:spPr>
+          <p:style>
+            <a:lnRef idx="2">
+              <a:schemeClr val="dk1">
+                <a:shade val="50000"/>
+              </a:schemeClr>
+            </a:lnRef>
+            <a:fillRef idx="1">
+              <a:schemeClr val="dk1"/>
+            </a:fillRef>
+            <a:effectRef idx="0">
+              <a:schemeClr val="dk1"/>
+            </a:effectRef>
+            <a:fontRef idx="minor">
+              <a:schemeClr val="lt1"/>
+            </a:fontRef>
+          </p:style>
+          <p:txBody>
+            <a:bodyPr rtlCol="0" anchor="ctr"/>
+            <a:lstStyle/>
+            <a:p>
+              <a:pPr algn="ctr"/>
+              <a:endParaRPr lang="fr-CH"/>
+            </a:p>
+          </p:txBody>
+        </p:sp>
+        <p:sp>
+          <p:nvSpPr>
+            <p:cNvPr id="34" name="Rectangle 33"/>
+            <p:cNvSpPr/>
+            <p:nvPr/>
+          </p:nvSpPr>
+          <p:spPr>
+            <a:xfrm>
+              <a:off x="2819400" y="2481580"/>
+              <a:ext cx="86360" cy="86360"/>
+            </a:xfrm>
+            <a:prstGeom prst="rect">
+              <a:avLst/>
+            </a:prstGeom>
+            <a:ln>
+              <a:noFill/>
+            </a:ln>
+          </p:spPr>
+          <p:style>
+            <a:lnRef idx="2">
+              <a:schemeClr val="dk1">
+                <a:shade val="50000"/>
+              </a:schemeClr>
+            </a:lnRef>
+            <a:fillRef idx="1">
+              <a:schemeClr val="dk1"/>
+            </a:fillRef>
+            <a:effectRef idx="0">
+              <a:schemeClr val="dk1"/>
+            </a:effectRef>
+            <a:fontRef idx="minor">
+              <a:schemeClr val="lt1"/>
+            </a:fontRef>
+          </p:style>
+          <p:txBody>
+            <a:bodyPr rtlCol="0" anchor="ctr"/>
+            <a:lstStyle/>
+            <a:p>
+              <a:pPr algn="ctr"/>
+              <a:endParaRPr lang="fr-CH"/>
+            </a:p>
+          </p:txBody>
+        </p:sp>
+      </p:grpSp>
+      <p:grpSp>
+        <p:nvGrpSpPr>
+          <p:cNvPr id="35" name="Groupe 34"/>
+          <p:cNvGrpSpPr/>
+          <p:nvPr/>
+        </p:nvGrpSpPr>
+        <p:grpSpPr>
+          <a:xfrm>
+            <a:off x="6775449" y="2721396"/>
+            <a:ext cx="172720" cy="172720"/>
+            <a:chOff x="2819400" y="2479040"/>
+            <a:chExt cx="172720" cy="172720"/>
+          </a:xfrm>
+        </p:grpSpPr>
+        <p:sp>
+          <p:nvSpPr>
+            <p:cNvPr id="36" name="Rectangle 35"/>
+            <p:cNvSpPr/>
+            <p:nvPr/>
+          </p:nvSpPr>
+          <p:spPr>
+            <a:xfrm>
+              <a:off x="2905760" y="2565400"/>
+              <a:ext cx="86360" cy="86360"/>
+            </a:xfrm>
+            <a:prstGeom prst="rect">
+              <a:avLst/>
+            </a:prstGeom>
+            <a:ln>
+              <a:noFill/>
+            </a:ln>
+          </p:spPr>
+          <p:style>
+            <a:lnRef idx="2">
+              <a:schemeClr val="dk1">
+                <a:shade val="50000"/>
+              </a:schemeClr>
+            </a:lnRef>
+            <a:fillRef idx="1">
+              <a:schemeClr val="dk1"/>
+            </a:fillRef>
+            <a:effectRef idx="0">
+              <a:schemeClr val="dk1"/>
+            </a:effectRef>
+            <a:fontRef idx="minor">
+              <a:schemeClr val="lt1"/>
+            </a:fontRef>
+          </p:style>
+          <p:txBody>
+            <a:bodyPr rtlCol="0" anchor="ctr"/>
+            <a:lstStyle/>
+            <a:p>
+              <a:pPr algn="ctr"/>
+              <a:endParaRPr lang="fr-CH"/>
+            </a:p>
+          </p:txBody>
+        </p:sp>
+        <p:sp>
+          <p:nvSpPr>
+            <p:cNvPr id="37" name="Rectangle 36"/>
+            <p:cNvSpPr/>
+            <p:nvPr/>
+          </p:nvSpPr>
+          <p:spPr>
+            <a:xfrm>
+              <a:off x="2905760" y="2479040"/>
+              <a:ext cx="86360" cy="86360"/>
+            </a:xfrm>
+            <a:prstGeom prst="rect">
+              <a:avLst/>
+            </a:prstGeom>
+            <a:solidFill>
+              <a:schemeClr val="bg1"/>
+            </a:solidFill>
+            <a:ln>
+              <a:noFill/>
+            </a:ln>
+          </p:spPr>
+          <p:style>
+            <a:lnRef idx="2">
+              <a:schemeClr val="dk1">
+                <a:shade val="50000"/>
+              </a:schemeClr>
+            </a:lnRef>
+            <a:fillRef idx="1">
+              <a:schemeClr val="dk1"/>
+            </a:fillRef>
+            <a:effectRef idx="0">
+              <a:schemeClr val="dk1"/>
+            </a:effectRef>
+            <a:fontRef idx="minor">
+              <a:schemeClr val="lt1"/>
+            </a:fontRef>
+          </p:style>
+          <p:txBody>
+            <a:bodyPr rtlCol="0" anchor="ctr"/>
+            <a:lstStyle/>
+            <a:p>
+              <a:pPr algn="ctr"/>
+              <a:endParaRPr lang="fr-CH"/>
+            </a:p>
+          </p:txBody>
+        </p:sp>
+        <p:sp>
+          <p:nvSpPr>
+            <p:cNvPr id="38" name="Rectangle 37"/>
+            <p:cNvSpPr/>
+            <p:nvPr/>
+          </p:nvSpPr>
+          <p:spPr>
+            <a:xfrm>
+              <a:off x="2819400" y="2565400"/>
+              <a:ext cx="86360" cy="86360"/>
+            </a:xfrm>
+            <a:prstGeom prst="rect">
+              <a:avLst/>
+            </a:prstGeom>
+            <a:solidFill>
+              <a:schemeClr val="bg1"/>
+            </a:solidFill>
+            <a:ln>
+              <a:noFill/>
+            </a:ln>
+          </p:spPr>
+          <p:style>
+            <a:lnRef idx="2">
+              <a:schemeClr val="dk1">
+                <a:shade val="50000"/>
+              </a:schemeClr>
+            </a:lnRef>
+            <a:fillRef idx="1">
+              <a:schemeClr val="dk1"/>
+            </a:fillRef>
+            <a:effectRef idx="0">
+              <a:schemeClr val="dk1"/>
+            </a:effectRef>
+            <a:fontRef idx="minor">
+              <a:schemeClr val="lt1"/>
+            </a:fontRef>
+          </p:style>
+          <p:txBody>
+            <a:bodyPr rtlCol="0" anchor="ctr"/>
+            <a:lstStyle/>
+            <a:p>
+              <a:pPr algn="ctr"/>
+              <a:endParaRPr lang="fr-CH"/>
+            </a:p>
+          </p:txBody>
+        </p:sp>
+        <p:sp>
+          <p:nvSpPr>
+            <p:cNvPr id="39" name="Rectangle 38"/>
+            <p:cNvSpPr/>
+            <p:nvPr/>
+          </p:nvSpPr>
+          <p:spPr>
+            <a:xfrm>
+              <a:off x="2819400" y="2481580"/>
+              <a:ext cx="86360" cy="86360"/>
+            </a:xfrm>
+            <a:prstGeom prst="rect">
+              <a:avLst/>
+            </a:prstGeom>
+            <a:ln>
+              <a:noFill/>
+            </a:ln>
+          </p:spPr>
+          <p:style>
+            <a:lnRef idx="2">
+              <a:schemeClr val="dk1">
+                <a:shade val="50000"/>
+              </a:schemeClr>
+            </a:lnRef>
+            <a:fillRef idx="1">
+              <a:schemeClr val="dk1"/>
+            </a:fillRef>
+            <a:effectRef idx="0">
+              <a:schemeClr val="dk1"/>
+            </a:effectRef>
+            <a:fontRef idx="minor">
+              <a:schemeClr val="lt1"/>
+            </a:fontRef>
+          </p:style>
+          <p:txBody>
+            <a:bodyPr rtlCol="0" anchor="ctr"/>
+            <a:lstStyle/>
+            <a:p>
+              <a:pPr algn="ctr"/>
+              <a:endParaRPr lang="fr-CH"/>
+            </a:p>
+          </p:txBody>
+        </p:sp>
+      </p:grpSp>
+      <p:grpSp>
+        <p:nvGrpSpPr>
+          <p:cNvPr id="40" name="Groupe 39"/>
+          <p:cNvGrpSpPr/>
+          <p:nvPr/>
+        </p:nvGrpSpPr>
+        <p:grpSpPr>
+          <a:xfrm>
+            <a:off x="6572250" y="3038215"/>
+            <a:ext cx="172720" cy="172720"/>
+            <a:chOff x="2819400" y="2479040"/>
+            <a:chExt cx="172720" cy="172720"/>
+          </a:xfrm>
+        </p:grpSpPr>
+        <p:sp>
+          <p:nvSpPr>
+            <p:cNvPr id="41" name="Rectangle 40"/>
+            <p:cNvSpPr/>
+            <p:nvPr/>
+          </p:nvSpPr>
+          <p:spPr>
+            <a:xfrm>
+              <a:off x="2905760" y="2565400"/>
+              <a:ext cx="86360" cy="86360"/>
+            </a:xfrm>
+            <a:prstGeom prst="rect">
+              <a:avLst/>
+            </a:prstGeom>
+            <a:ln>
+              <a:noFill/>
+            </a:ln>
+          </p:spPr>
+          <p:style>
+            <a:lnRef idx="2">
+              <a:schemeClr val="dk1">
+                <a:shade val="50000"/>
+              </a:schemeClr>
+            </a:lnRef>
+            <a:fillRef idx="1">
+              <a:schemeClr val="dk1"/>
+            </a:fillRef>
+            <a:effectRef idx="0">
+              <a:schemeClr val="dk1"/>
+            </a:effectRef>
+            <a:fontRef idx="minor">
+              <a:schemeClr val="lt1"/>
+            </a:fontRef>
+          </p:style>
+          <p:txBody>
+            <a:bodyPr rtlCol="0" anchor="ctr"/>
+            <a:lstStyle/>
+            <a:p>
+              <a:pPr algn="ctr"/>
+              <a:endParaRPr lang="fr-CH"/>
+            </a:p>
+          </p:txBody>
+        </p:sp>
+        <p:sp>
+          <p:nvSpPr>
+            <p:cNvPr id="42" name="Rectangle 41"/>
+            <p:cNvSpPr/>
+            <p:nvPr/>
+          </p:nvSpPr>
+          <p:spPr>
+            <a:xfrm>
+              <a:off x="2905760" y="2479040"/>
+              <a:ext cx="86360" cy="86360"/>
+            </a:xfrm>
+            <a:prstGeom prst="rect">
+              <a:avLst/>
+            </a:prstGeom>
+            <a:solidFill>
+              <a:schemeClr val="bg1"/>
+            </a:solidFill>
+            <a:ln>
+              <a:noFill/>
+            </a:ln>
+          </p:spPr>
+          <p:style>
+            <a:lnRef idx="2">
+              <a:schemeClr val="dk1">
+                <a:shade val="50000"/>
+              </a:schemeClr>
+            </a:lnRef>
+            <a:fillRef idx="1">
+              <a:schemeClr val="dk1"/>
+            </a:fillRef>
+            <a:effectRef idx="0">
+              <a:schemeClr val="dk1"/>
+            </a:effectRef>
+            <a:fontRef idx="minor">
+              <a:schemeClr val="lt1"/>
+            </a:fontRef>
+          </p:style>
+          <p:txBody>
+            <a:bodyPr rtlCol="0" anchor="ctr"/>
+            <a:lstStyle/>
+            <a:p>
+              <a:pPr algn="ctr"/>
+              <a:endParaRPr lang="fr-CH"/>
+            </a:p>
+          </p:txBody>
+        </p:sp>
+        <p:sp>
+          <p:nvSpPr>
+            <p:cNvPr id="43" name="Rectangle 42"/>
+            <p:cNvSpPr/>
+            <p:nvPr/>
+          </p:nvSpPr>
+          <p:spPr>
+            <a:xfrm>
+              <a:off x="2819400" y="2565400"/>
+              <a:ext cx="86360" cy="86360"/>
+            </a:xfrm>
+            <a:prstGeom prst="rect">
+              <a:avLst/>
+            </a:prstGeom>
+            <a:solidFill>
+              <a:schemeClr val="bg1"/>
+            </a:solidFill>
+            <a:ln>
+              <a:noFill/>
+            </a:ln>
+          </p:spPr>
+          <p:style>
+            <a:lnRef idx="2">
+              <a:schemeClr val="dk1">
+                <a:shade val="50000"/>
+              </a:schemeClr>
+            </a:lnRef>
+            <a:fillRef idx="1">
+              <a:schemeClr val="dk1"/>
+            </a:fillRef>
+            <a:effectRef idx="0">
+              <a:schemeClr val="dk1"/>
+            </a:effectRef>
+            <a:fontRef idx="minor">
+              <a:schemeClr val="lt1"/>
+            </a:fontRef>
+          </p:style>
+          <p:txBody>
+            <a:bodyPr rtlCol="0" anchor="ctr"/>
+            <a:lstStyle/>
+            <a:p>
+              <a:pPr algn="ctr"/>
+              <a:endParaRPr lang="fr-CH"/>
+            </a:p>
+          </p:txBody>
+        </p:sp>
+        <p:sp>
+          <p:nvSpPr>
+            <p:cNvPr id="44" name="Rectangle 43"/>
+            <p:cNvSpPr/>
+            <p:nvPr/>
+          </p:nvSpPr>
+          <p:spPr>
+            <a:xfrm>
+              <a:off x="2819400" y="2481580"/>
+              <a:ext cx="86360" cy="86360"/>
+            </a:xfrm>
+            <a:prstGeom prst="rect">
+              <a:avLst/>
+            </a:prstGeom>
+            <a:ln>
+              <a:noFill/>
+            </a:ln>
+          </p:spPr>
+          <p:style>
+            <a:lnRef idx="2">
+              <a:schemeClr val="dk1">
+                <a:shade val="50000"/>
+              </a:schemeClr>
+            </a:lnRef>
+            <a:fillRef idx="1">
+              <a:schemeClr val="dk1"/>
+            </a:fillRef>
+            <a:effectRef idx="0">
+              <a:schemeClr val="dk1"/>
+            </a:effectRef>
+            <a:fontRef idx="minor">
+              <a:schemeClr val="lt1"/>
+            </a:fontRef>
+          </p:style>
+          <p:txBody>
+            <a:bodyPr rtlCol="0" anchor="ctr"/>
+            <a:lstStyle/>
+            <a:p>
+              <a:pPr algn="ctr"/>
+              <a:endParaRPr lang="fr-CH"/>
+            </a:p>
+          </p:txBody>
+        </p:sp>
+      </p:grpSp>
+      <p:grpSp>
+        <p:nvGrpSpPr>
+          <p:cNvPr id="45" name="Groupe 44"/>
+          <p:cNvGrpSpPr/>
+          <p:nvPr/>
+        </p:nvGrpSpPr>
+        <p:grpSpPr>
+          <a:xfrm>
+            <a:off x="6349365" y="3340815"/>
+            <a:ext cx="172720" cy="172720"/>
+            <a:chOff x="2819400" y="2479040"/>
+            <a:chExt cx="172720" cy="172720"/>
+          </a:xfrm>
+        </p:grpSpPr>
+        <p:sp>
+          <p:nvSpPr>
+            <p:cNvPr id="46" name="Rectangle 45"/>
+            <p:cNvSpPr/>
+            <p:nvPr/>
+          </p:nvSpPr>
+          <p:spPr>
+            <a:xfrm>
+              <a:off x="2905760" y="2565400"/>
+              <a:ext cx="86360" cy="86360"/>
+            </a:xfrm>
+            <a:prstGeom prst="rect">
+              <a:avLst/>
+            </a:prstGeom>
+            <a:ln>
+              <a:noFill/>
+            </a:ln>
+          </p:spPr>
+          <p:style>
+            <a:lnRef idx="2">
+              <a:schemeClr val="dk1">
+                <a:shade val="50000"/>
+              </a:schemeClr>
+            </a:lnRef>
+            <a:fillRef idx="1">
+              <a:schemeClr val="dk1"/>
+            </a:fillRef>
+            <a:effectRef idx="0">
+              <a:schemeClr val="dk1"/>
+            </a:effectRef>
+            <a:fontRef idx="minor">
+              <a:schemeClr val="lt1"/>
+            </a:fontRef>
+          </p:style>
+          <p:txBody>
+            <a:bodyPr rtlCol="0" anchor="ctr"/>
+            <a:lstStyle/>
+            <a:p>
+              <a:pPr algn="ctr"/>
+              <a:endParaRPr lang="fr-CH"/>
+            </a:p>
+          </p:txBody>
+        </p:sp>
+        <p:sp>
+          <p:nvSpPr>
+            <p:cNvPr id="47" name="Rectangle 46"/>
+            <p:cNvSpPr/>
+            <p:nvPr/>
+          </p:nvSpPr>
+          <p:spPr>
+            <a:xfrm>
+              <a:off x="2905760" y="2479040"/>
+              <a:ext cx="86360" cy="86360"/>
+            </a:xfrm>
+            <a:prstGeom prst="rect">
+              <a:avLst/>
+            </a:prstGeom>
+            <a:solidFill>
+              <a:schemeClr val="bg1"/>
+            </a:solidFill>
+            <a:ln>
+              <a:noFill/>
+            </a:ln>
+          </p:spPr>
+          <p:style>
+            <a:lnRef idx="2">
+              <a:schemeClr val="dk1">
+                <a:shade val="50000"/>
+              </a:schemeClr>
+            </a:lnRef>
+            <a:fillRef idx="1">
+              <a:schemeClr val="dk1"/>
+            </a:fillRef>
+            <a:effectRef idx="0">
+              <a:schemeClr val="dk1"/>
+            </a:effectRef>
+            <a:fontRef idx="minor">
+              <a:schemeClr val="lt1"/>
+            </a:fontRef>
+          </p:style>
+          <p:txBody>
+            <a:bodyPr rtlCol="0" anchor="ctr"/>
+            <a:lstStyle/>
+            <a:p>
+              <a:pPr algn="ctr"/>
+              <a:endParaRPr lang="fr-CH"/>
+            </a:p>
+          </p:txBody>
+        </p:sp>
+        <p:sp>
+          <p:nvSpPr>
+            <p:cNvPr id="48" name="Rectangle 47"/>
+            <p:cNvSpPr/>
+            <p:nvPr/>
+          </p:nvSpPr>
+          <p:spPr>
+            <a:xfrm>
+              <a:off x="2819400" y="2565400"/>
+              <a:ext cx="86360" cy="86360"/>
+            </a:xfrm>
+            <a:prstGeom prst="rect">
+              <a:avLst/>
+            </a:prstGeom>
+            <a:solidFill>
+              <a:schemeClr val="bg1"/>
+            </a:solidFill>
+            <a:ln>
+              <a:noFill/>
+            </a:ln>
+          </p:spPr>
+          <p:style>
+            <a:lnRef idx="2">
+              <a:schemeClr val="dk1">
+                <a:shade val="50000"/>
+              </a:schemeClr>
+            </a:lnRef>
+            <a:fillRef idx="1">
+              <a:schemeClr val="dk1"/>
+            </a:fillRef>
+            <a:effectRef idx="0">
+              <a:schemeClr val="dk1"/>
+            </a:effectRef>
+            <a:fontRef idx="minor">
+              <a:schemeClr val="lt1"/>
+            </a:fontRef>
+          </p:style>
+          <p:txBody>
+            <a:bodyPr rtlCol="0" anchor="ctr"/>
+            <a:lstStyle/>
+            <a:p>
+              <a:pPr algn="ctr"/>
+              <a:endParaRPr lang="fr-CH"/>
+            </a:p>
+          </p:txBody>
+        </p:sp>
+        <p:sp>
+          <p:nvSpPr>
+            <p:cNvPr id="49" name="Rectangle 48"/>
+            <p:cNvSpPr/>
+            <p:nvPr/>
+          </p:nvSpPr>
+          <p:spPr>
+            <a:xfrm>
+              <a:off x="2819400" y="2481580"/>
+              <a:ext cx="86360" cy="86360"/>
+            </a:xfrm>
+            <a:prstGeom prst="rect">
+              <a:avLst/>
+            </a:prstGeom>
+            <a:ln>
+              <a:noFill/>
+            </a:ln>
+          </p:spPr>
+          <p:style>
+            <a:lnRef idx="2">
+              <a:schemeClr val="dk1">
+                <a:shade val="50000"/>
+              </a:schemeClr>
+            </a:lnRef>
+            <a:fillRef idx="1">
+              <a:schemeClr val="dk1"/>
+            </a:fillRef>
+            <a:effectRef idx="0">
+              <a:schemeClr val="dk1"/>
+            </a:effectRef>
+            <a:fontRef idx="minor">
+              <a:schemeClr val="lt1"/>
+            </a:fontRef>
+          </p:style>
+          <p:txBody>
+            <a:bodyPr rtlCol="0" anchor="ctr"/>
+            <a:lstStyle/>
+            <a:p>
+              <a:pPr algn="ctr"/>
+              <a:endParaRPr lang="fr-CH"/>
+            </a:p>
+          </p:txBody>
+        </p:sp>
+      </p:grpSp>
+      <p:grpSp>
+        <p:nvGrpSpPr>
+          <p:cNvPr id="51" name="Groupe 50"/>
+          <p:cNvGrpSpPr/>
+          <p:nvPr/>
+        </p:nvGrpSpPr>
+        <p:grpSpPr>
+          <a:xfrm>
+            <a:off x="5959562" y="2290942"/>
+            <a:ext cx="172720" cy="172720"/>
+            <a:chOff x="2819400" y="2479040"/>
+            <a:chExt cx="172720" cy="172720"/>
+          </a:xfrm>
+        </p:grpSpPr>
+        <p:sp>
+          <p:nvSpPr>
+            <p:cNvPr id="52" name="Rectangle 51"/>
+            <p:cNvSpPr/>
+            <p:nvPr/>
+          </p:nvSpPr>
+          <p:spPr>
+            <a:xfrm>
+              <a:off x="2905760" y="2565400"/>
+              <a:ext cx="86360" cy="86360"/>
+            </a:xfrm>
+            <a:prstGeom prst="rect">
+              <a:avLst/>
+            </a:prstGeom>
+            <a:ln>
+              <a:noFill/>
+            </a:ln>
+          </p:spPr>
+          <p:style>
+            <a:lnRef idx="2">
+              <a:schemeClr val="dk1">
+                <a:shade val="50000"/>
+              </a:schemeClr>
+            </a:lnRef>
+            <a:fillRef idx="1">
+              <a:schemeClr val="dk1"/>
+            </a:fillRef>
+            <a:effectRef idx="0">
+              <a:schemeClr val="dk1"/>
+            </a:effectRef>
+            <a:fontRef idx="minor">
+              <a:schemeClr val="lt1"/>
+            </a:fontRef>
+          </p:style>
+          <p:txBody>
+            <a:bodyPr rtlCol="0" anchor="ctr"/>
+            <a:lstStyle/>
+            <a:p>
+              <a:pPr algn="ctr"/>
+              <a:endParaRPr lang="fr-CH"/>
+            </a:p>
+          </p:txBody>
+        </p:sp>
+        <p:sp>
+          <p:nvSpPr>
+            <p:cNvPr id="53" name="Rectangle 52"/>
+            <p:cNvSpPr/>
+            <p:nvPr/>
+          </p:nvSpPr>
+          <p:spPr>
+            <a:xfrm>
+              <a:off x="2905760" y="2479040"/>
+              <a:ext cx="86360" cy="86360"/>
+            </a:xfrm>
+            <a:prstGeom prst="rect">
+              <a:avLst/>
+            </a:prstGeom>
+            <a:solidFill>
+              <a:schemeClr val="bg1"/>
+            </a:solidFill>
+            <a:ln>
+              <a:noFill/>
+            </a:ln>
+          </p:spPr>
+          <p:style>
+            <a:lnRef idx="2">
+              <a:schemeClr val="dk1">
+                <a:shade val="50000"/>
+              </a:schemeClr>
+            </a:lnRef>
+            <a:fillRef idx="1">
+              <a:schemeClr val="dk1"/>
+            </a:fillRef>
+            <a:effectRef idx="0">
+              <a:schemeClr val="dk1"/>
+            </a:effectRef>
+            <a:fontRef idx="minor">
+              <a:schemeClr val="lt1"/>
+            </a:fontRef>
+          </p:style>
+          <p:txBody>
+            <a:bodyPr rtlCol="0" anchor="ctr"/>
+            <a:lstStyle/>
+            <a:p>
+              <a:pPr algn="ctr"/>
+              <a:endParaRPr lang="fr-CH"/>
+            </a:p>
+          </p:txBody>
+        </p:sp>
+        <p:sp>
+          <p:nvSpPr>
+            <p:cNvPr id="54" name="Rectangle 53"/>
+            <p:cNvSpPr/>
+            <p:nvPr/>
+          </p:nvSpPr>
+          <p:spPr>
+            <a:xfrm>
+              <a:off x="2819400" y="2565400"/>
+              <a:ext cx="86360" cy="86360"/>
+            </a:xfrm>
+            <a:prstGeom prst="rect">
+              <a:avLst/>
+            </a:prstGeom>
+            <a:solidFill>
+              <a:schemeClr val="bg1"/>
+            </a:solidFill>
+            <a:ln>
+              <a:noFill/>
+            </a:ln>
+          </p:spPr>
+          <p:style>
+            <a:lnRef idx="2">
+              <a:schemeClr val="dk1">
+                <a:shade val="50000"/>
+              </a:schemeClr>
+            </a:lnRef>
+            <a:fillRef idx="1">
+              <a:schemeClr val="dk1"/>
+            </a:fillRef>
+            <a:effectRef idx="0">
+              <a:schemeClr val="dk1"/>
+            </a:effectRef>
+            <a:fontRef idx="minor">
+              <a:schemeClr val="lt1"/>
+            </a:fontRef>
+          </p:style>
+          <p:txBody>
+            <a:bodyPr rtlCol="0" anchor="ctr"/>
+            <a:lstStyle/>
+            <a:p>
+              <a:pPr algn="ctr"/>
+              <a:endParaRPr lang="fr-CH"/>
+            </a:p>
+          </p:txBody>
+        </p:sp>
+        <p:sp>
+          <p:nvSpPr>
+            <p:cNvPr id="55" name="Rectangle 54"/>
+            <p:cNvSpPr/>
+            <p:nvPr/>
+          </p:nvSpPr>
+          <p:spPr>
+            <a:xfrm>
+              <a:off x="2819400" y="2481580"/>
+              <a:ext cx="86360" cy="86360"/>
+            </a:xfrm>
+            <a:prstGeom prst="rect">
+              <a:avLst/>
+            </a:prstGeom>
+            <a:ln>
+              <a:noFill/>
+            </a:ln>
+          </p:spPr>
+          <p:style>
+            <a:lnRef idx="2">
+              <a:schemeClr val="dk1">
+                <a:shade val="50000"/>
+              </a:schemeClr>
+            </a:lnRef>
+            <a:fillRef idx="1">
+              <a:schemeClr val="dk1"/>
+            </a:fillRef>
+            <a:effectRef idx="0">
+              <a:schemeClr val="dk1"/>
+            </a:effectRef>
+            <a:fontRef idx="minor">
+              <a:schemeClr val="lt1"/>
+            </a:fontRef>
+          </p:style>
+          <p:txBody>
+            <a:bodyPr rtlCol="0" anchor="ctr"/>
+            <a:lstStyle/>
+            <a:p>
+              <a:pPr algn="ctr"/>
+              <a:endParaRPr lang="fr-CH"/>
+            </a:p>
+          </p:txBody>
+        </p:sp>
+      </p:grpSp>
+      <p:grpSp>
+        <p:nvGrpSpPr>
+          <p:cNvPr id="56" name="Groupe 55"/>
+          <p:cNvGrpSpPr/>
+          <p:nvPr/>
+        </p:nvGrpSpPr>
+        <p:grpSpPr>
+          <a:xfrm>
+            <a:off x="6775449" y="2239826"/>
+            <a:ext cx="172720" cy="172720"/>
+            <a:chOff x="2819400" y="2479040"/>
+            <a:chExt cx="172720" cy="172720"/>
+          </a:xfrm>
+        </p:grpSpPr>
+        <p:sp>
+          <p:nvSpPr>
+            <p:cNvPr id="57" name="Rectangle 56"/>
+            <p:cNvSpPr/>
+            <p:nvPr/>
+          </p:nvSpPr>
+          <p:spPr>
+            <a:xfrm>
+              <a:off x="2905760" y="2565400"/>
+              <a:ext cx="86360" cy="86360"/>
+            </a:xfrm>
+            <a:prstGeom prst="rect">
+              <a:avLst/>
+            </a:prstGeom>
+            <a:ln>
+              <a:noFill/>
+            </a:ln>
+          </p:spPr>
+          <p:style>
+            <a:lnRef idx="2">
+              <a:schemeClr val="dk1">
+                <a:shade val="50000"/>
+              </a:schemeClr>
+            </a:lnRef>
+            <a:fillRef idx="1">
+              <a:schemeClr val="dk1"/>
+            </a:fillRef>
+            <a:effectRef idx="0">
+              <a:schemeClr val="dk1"/>
+            </a:effectRef>
+            <a:fontRef idx="minor">
+              <a:schemeClr val="lt1"/>
+            </a:fontRef>
+          </p:style>
+          <p:txBody>
+            <a:bodyPr rtlCol="0" anchor="ctr"/>
+            <a:lstStyle/>
+            <a:p>
+              <a:pPr algn="ctr"/>
+              <a:endParaRPr lang="fr-CH"/>
+            </a:p>
+          </p:txBody>
+        </p:sp>
+        <p:sp>
+          <p:nvSpPr>
+            <p:cNvPr id="58" name="Rectangle 57"/>
+            <p:cNvSpPr/>
+            <p:nvPr/>
+          </p:nvSpPr>
+          <p:spPr>
+            <a:xfrm>
+              <a:off x="2905760" y="2479040"/>
+              <a:ext cx="86360" cy="86360"/>
+            </a:xfrm>
+            <a:prstGeom prst="rect">
+              <a:avLst/>
+            </a:prstGeom>
+            <a:solidFill>
+              <a:schemeClr val="bg1"/>
+            </a:solidFill>
+            <a:ln>
+              <a:noFill/>
+            </a:ln>
+          </p:spPr>
+          <p:style>
+            <a:lnRef idx="2">
+              <a:schemeClr val="dk1">
+                <a:shade val="50000"/>
+              </a:schemeClr>
+            </a:lnRef>
+            <a:fillRef idx="1">
+              <a:schemeClr val="dk1"/>
+            </a:fillRef>
+            <a:effectRef idx="0">
+              <a:schemeClr val="dk1"/>
+            </a:effectRef>
+            <a:fontRef idx="minor">
+              <a:schemeClr val="lt1"/>
+            </a:fontRef>
+          </p:style>
+          <p:txBody>
+            <a:bodyPr rtlCol="0" anchor="ctr"/>
+            <a:lstStyle/>
+            <a:p>
+              <a:pPr algn="ctr"/>
+              <a:endParaRPr lang="fr-CH"/>
+            </a:p>
+          </p:txBody>
+        </p:sp>
+        <p:sp>
+          <p:nvSpPr>
+            <p:cNvPr id="59" name="Rectangle 58"/>
+            <p:cNvSpPr/>
+            <p:nvPr/>
+          </p:nvSpPr>
+          <p:spPr>
+            <a:xfrm>
+              <a:off x="2819400" y="2565400"/>
+              <a:ext cx="86360" cy="86360"/>
+            </a:xfrm>
+            <a:prstGeom prst="rect">
+              <a:avLst/>
+            </a:prstGeom>
+            <a:solidFill>
+              <a:schemeClr val="bg1"/>
+            </a:solidFill>
+            <a:ln>
+              <a:noFill/>
+            </a:ln>
+          </p:spPr>
+          <p:style>
+            <a:lnRef idx="2">
+              <a:schemeClr val="dk1">
+                <a:shade val="50000"/>
+              </a:schemeClr>
+            </a:lnRef>
+            <a:fillRef idx="1">
+              <a:schemeClr val="dk1"/>
+            </a:fillRef>
+            <a:effectRef idx="0">
+              <a:schemeClr val="dk1"/>
+            </a:effectRef>
+            <a:fontRef idx="minor">
+              <a:schemeClr val="lt1"/>
+            </a:fontRef>
+          </p:style>
+          <p:txBody>
+            <a:bodyPr rtlCol="0" anchor="ctr"/>
+            <a:lstStyle/>
+            <a:p>
+              <a:pPr algn="ctr"/>
+              <a:endParaRPr lang="fr-CH"/>
+            </a:p>
+          </p:txBody>
+        </p:sp>
+        <p:sp>
+          <p:nvSpPr>
+            <p:cNvPr id="60" name="Rectangle 59"/>
+            <p:cNvSpPr/>
+            <p:nvPr/>
+          </p:nvSpPr>
+          <p:spPr>
+            <a:xfrm>
+              <a:off x="2819400" y="2481580"/>
+              <a:ext cx="86360" cy="86360"/>
+            </a:xfrm>
+            <a:prstGeom prst="rect">
+              <a:avLst/>
+            </a:prstGeom>
+            <a:ln>
+              <a:noFill/>
+            </a:ln>
+          </p:spPr>
+          <p:style>
+            <a:lnRef idx="2">
+              <a:schemeClr val="dk1">
+                <a:shade val="50000"/>
+              </a:schemeClr>
+            </a:lnRef>
+            <a:fillRef idx="1">
+              <a:schemeClr val="dk1"/>
+            </a:fillRef>
+            <a:effectRef idx="0">
+              <a:schemeClr val="dk1"/>
+            </a:effectRef>
+            <a:fontRef idx="minor">
+              <a:schemeClr val="lt1"/>
+            </a:fontRef>
+          </p:style>
+          <p:txBody>
+            <a:bodyPr rtlCol="0" anchor="ctr"/>
+            <a:lstStyle/>
+            <a:p>
+              <a:pPr algn="ctr"/>
+              <a:endParaRPr lang="fr-CH"/>
+            </a:p>
+          </p:txBody>
+        </p:sp>
+      </p:grpSp>
+      <p:grpSp>
+        <p:nvGrpSpPr>
+          <p:cNvPr id="61" name="Groupe 60"/>
+          <p:cNvGrpSpPr/>
+          <p:nvPr/>
+        </p:nvGrpSpPr>
+        <p:grpSpPr>
+          <a:xfrm>
+            <a:off x="6244908" y="3124223"/>
+            <a:ext cx="172720" cy="172720"/>
+            <a:chOff x="2819400" y="2479040"/>
+            <a:chExt cx="172720" cy="172720"/>
+          </a:xfrm>
+        </p:grpSpPr>
+        <p:sp>
+          <p:nvSpPr>
+            <p:cNvPr id="62" name="Rectangle 61"/>
+            <p:cNvSpPr/>
+            <p:nvPr/>
+          </p:nvSpPr>
+          <p:spPr>
+            <a:xfrm>
+              <a:off x="2905760" y="2565400"/>
+              <a:ext cx="86360" cy="86360"/>
+            </a:xfrm>
+            <a:prstGeom prst="rect">
+              <a:avLst/>
+            </a:prstGeom>
+            <a:ln>
+              <a:noFill/>
+            </a:ln>
+          </p:spPr>
+          <p:style>
+            <a:lnRef idx="2">
+              <a:schemeClr val="dk1">
+                <a:shade val="50000"/>
+              </a:schemeClr>
+            </a:lnRef>
+            <a:fillRef idx="1">
+              <a:schemeClr val="dk1"/>
+            </a:fillRef>
+            <a:effectRef idx="0">
+              <a:schemeClr val="dk1"/>
+            </a:effectRef>
+            <a:fontRef idx="minor">
+              <a:schemeClr val="lt1"/>
+            </a:fontRef>
+          </p:style>
+          <p:txBody>
+            <a:bodyPr rtlCol="0" anchor="ctr"/>
+            <a:lstStyle/>
+            <a:p>
+              <a:pPr algn="ctr"/>
+              <a:endParaRPr lang="fr-CH"/>
+            </a:p>
+          </p:txBody>
+        </p:sp>
+        <p:sp>
+          <p:nvSpPr>
+            <p:cNvPr id="63" name="Rectangle 62"/>
+            <p:cNvSpPr/>
+            <p:nvPr/>
+          </p:nvSpPr>
+          <p:spPr>
+            <a:xfrm>
+              <a:off x="2905760" y="2479040"/>
+              <a:ext cx="86360" cy="86360"/>
+            </a:xfrm>
+            <a:prstGeom prst="rect">
+              <a:avLst/>
+            </a:prstGeom>
+            <a:solidFill>
+              <a:schemeClr val="bg1"/>
+            </a:solidFill>
+            <a:ln>
+              <a:noFill/>
+            </a:ln>
+          </p:spPr>
+          <p:style>
+            <a:lnRef idx="2">
+              <a:schemeClr val="dk1">
+                <a:shade val="50000"/>
+              </a:schemeClr>
+            </a:lnRef>
+            <a:fillRef idx="1">
+              <a:schemeClr val="dk1"/>
+            </a:fillRef>
+            <a:effectRef idx="0">
+              <a:schemeClr val="dk1"/>
+            </a:effectRef>
+            <a:fontRef idx="minor">
+              <a:schemeClr val="lt1"/>
+            </a:fontRef>
+          </p:style>
+          <p:txBody>
+            <a:bodyPr rtlCol="0" anchor="ctr"/>
+            <a:lstStyle/>
+            <a:p>
+              <a:pPr algn="ctr"/>
+              <a:endParaRPr lang="fr-CH"/>
+            </a:p>
+          </p:txBody>
+        </p:sp>
+        <p:sp>
+          <p:nvSpPr>
+            <p:cNvPr id="64" name="Rectangle 63"/>
+            <p:cNvSpPr/>
+            <p:nvPr/>
+          </p:nvSpPr>
+          <p:spPr>
+            <a:xfrm>
+              <a:off x="2819400" y="2565400"/>
+              <a:ext cx="86360" cy="86360"/>
+            </a:xfrm>
+            <a:prstGeom prst="rect">
+              <a:avLst/>
+            </a:prstGeom>
+            <a:solidFill>
+              <a:schemeClr val="bg1"/>
+            </a:solidFill>
+            <a:ln>
+              <a:noFill/>
+            </a:ln>
+          </p:spPr>
+          <p:style>
+            <a:lnRef idx="2">
+              <a:schemeClr val="dk1">
+                <a:shade val="50000"/>
+              </a:schemeClr>
+            </a:lnRef>
+            <a:fillRef idx="1">
+              <a:schemeClr val="dk1"/>
+            </a:fillRef>
+            <a:effectRef idx="0">
+              <a:schemeClr val="dk1"/>
+            </a:effectRef>
+            <a:fontRef idx="minor">
+              <a:schemeClr val="lt1"/>
+            </a:fontRef>
+          </p:style>
+          <p:txBody>
+            <a:bodyPr rtlCol="0" anchor="ctr"/>
+            <a:lstStyle/>
+            <a:p>
+              <a:pPr algn="ctr"/>
+              <a:endParaRPr lang="fr-CH"/>
+            </a:p>
+          </p:txBody>
+        </p:sp>
+        <p:sp>
+          <p:nvSpPr>
+            <p:cNvPr id="65" name="Rectangle 64"/>
+            <p:cNvSpPr/>
+            <p:nvPr/>
+          </p:nvSpPr>
+          <p:spPr>
+            <a:xfrm>
+              <a:off x="2819400" y="2481580"/>
+              <a:ext cx="86360" cy="86360"/>
+            </a:xfrm>
+            <a:prstGeom prst="rect">
+              <a:avLst/>
+            </a:prstGeom>
+            <a:ln>
+              <a:noFill/>
+            </a:ln>
+          </p:spPr>
+          <p:style>
+            <a:lnRef idx="2">
+              <a:schemeClr val="dk1">
+                <a:shade val="50000"/>
+              </a:schemeClr>
+            </a:lnRef>
+            <a:fillRef idx="1">
+              <a:schemeClr val="dk1"/>
+            </a:fillRef>
+            <a:effectRef idx="0">
+              <a:schemeClr val="dk1"/>
+            </a:effectRef>
+            <a:fontRef idx="minor">
+              <a:schemeClr val="lt1"/>
+            </a:fontRef>
+          </p:style>
+          <p:txBody>
+            <a:bodyPr rtlCol="0" anchor="ctr"/>
+            <a:lstStyle/>
+            <a:p>
+              <a:pPr algn="ctr"/>
+              <a:endParaRPr lang="fr-CH"/>
+            </a:p>
+          </p:txBody>
+        </p:sp>
+      </p:grpSp>
+      <p:grpSp>
+        <p:nvGrpSpPr>
+          <p:cNvPr id="66" name="Groupe 65"/>
+          <p:cNvGrpSpPr/>
+          <p:nvPr/>
+        </p:nvGrpSpPr>
+        <p:grpSpPr>
+          <a:xfrm>
+            <a:off x="4910138" y="2678216"/>
+            <a:ext cx="172720" cy="172720"/>
+            <a:chOff x="2819400" y="2479040"/>
+            <a:chExt cx="172720" cy="172720"/>
+          </a:xfrm>
+        </p:grpSpPr>
+        <p:sp>
+          <p:nvSpPr>
+            <p:cNvPr id="67" name="Rectangle 66"/>
+            <p:cNvSpPr/>
+            <p:nvPr/>
+          </p:nvSpPr>
+          <p:spPr>
+            <a:xfrm>
+              <a:off x="2905760" y="2565400"/>
+              <a:ext cx="86360" cy="86360"/>
+            </a:xfrm>
+            <a:prstGeom prst="rect">
+              <a:avLst/>
+            </a:prstGeom>
+            <a:ln>
+              <a:noFill/>
+            </a:ln>
+          </p:spPr>
+          <p:style>
+            <a:lnRef idx="2">
+              <a:schemeClr val="dk1">
+                <a:shade val="50000"/>
+              </a:schemeClr>
+            </a:lnRef>
+            <a:fillRef idx="1">
+              <a:schemeClr val="dk1"/>
+            </a:fillRef>
+            <a:effectRef idx="0">
+              <a:schemeClr val="dk1"/>
+            </a:effectRef>
+            <a:fontRef idx="minor">
+              <a:schemeClr val="lt1"/>
+            </a:fontRef>
+          </p:style>
+          <p:txBody>
+            <a:bodyPr rtlCol="0" anchor="ctr"/>
+            <a:lstStyle/>
+            <a:p>
+              <a:pPr algn="ctr"/>
+              <a:endParaRPr lang="fr-CH"/>
+            </a:p>
+          </p:txBody>
+        </p:sp>
+        <p:sp>
+          <p:nvSpPr>
+            <p:cNvPr id="68" name="Rectangle 67"/>
+            <p:cNvSpPr/>
+            <p:nvPr/>
+          </p:nvSpPr>
+          <p:spPr>
+            <a:xfrm>
+              <a:off x="2905760" y="2479040"/>
+              <a:ext cx="86360" cy="86360"/>
+            </a:xfrm>
+            <a:prstGeom prst="rect">
+              <a:avLst/>
+            </a:prstGeom>
+            <a:solidFill>
+              <a:schemeClr val="bg1"/>
+            </a:solidFill>
+            <a:ln>
+              <a:noFill/>
+            </a:ln>
+          </p:spPr>
+          <p:style>
+            <a:lnRef idx="2">
+              <a:schemeClr val="dk1">
+                <a:shade val="50000"/>
+              </a:schemeClr>
+            </a:lnRef>
+            <a:fillRef idx="1">
+              <a:schemeClr val="dk1"/>
+            </a:fillRef>
+            <a:effectRef idx="0">
+              <a:schemeClr val="dk1"/>
+            </a:effectRef>
+            <a:fontRef idx="minor">
+              <a:schemeClr val="lt1"/>
+            </a:fontRef>
+          </p:style>
+          <p:txBody>
+            <a:bodyPr rtlCol="0" anchor="ctr"/>
+            <a:lstStyle/>
+            <a:p>
+              <a:pPr algn="ctr"/>
+              <a:endParaRPr lang="fr-CH"/>
+            </a:p>
+          </p:txBody>
+        </p:sp>
+        <p:sp>
+          <p:nvSpPr>
+            <p:cNvPr id="69" name="Rectangle 68"/>
+            <p:cNvSpPr/>
+            <p:nvPr/>
+          </p:nvSpPr>
+          <p:spPr>
+            <a:xfrm>
+              <a:off x="2819400" y="2565400"/>
+              <a:ext cx="86360" cy="86360"/>
+            </a:xfrm>
+            <a:prstGeom prst="rect">
+              <a:avLst/>
+            </a:prstGeom>
+            <a:solidFill>
+              <a:schemeClr val="bg1"/>
+            </a:solidFill>
+            <a:ln>
+              <a:noFill/>
+            </a:ln>
+          </p:spPr>
+          <p:style>
+            <a:lnRef idx="2">
+              <a:schemeClr val="dk1">
+                <a:shade val="50000"/>
+              </a:schemeClr>
+            </a:lnRef>
+            <a:fillRef idx="1">
+              <a:schemeClr val="dk1"/>
+            </a:fillRef>
+            <a:effectRef idx="0">
+              <a:schemeClr val="dk1"/>
+            </a:effectRef>
+            <a:fontRef idx="minor">
+              <a:schemeClr val="lt1"/>
+            </a:fontRef>
+          </p:style>
+          <p:txBody>
+            <a:bodyPr rtlCol="0" anchor="ctr"/>
+            <a:lstStyle/>
+            <a:p>
+              <a:pPr algn="ctr"/>
+              <a:endParaRPr lang="fr-CH"/>
+            </a:p>
+          </p:txBody>
+        </p:sp>
+        <p:sp>
+          <p:nvSpPr>
+            <p:cNvPr id="70" name="Rectangle 69"/>
+            <p:cNvSpPr/>
+            <p:nvPr/>
+          </p:nvSpPr>
+          <p:spPr>
+            <a:xfrm>
+              <a:off x="2819400" y="2481580"/>
+              <a:ext cx="86360" cy="86360"/>
+            </a:xfrm>
+            <a:prstGeom prst="rect">
+              <a:avLst/>
+            </a:prstGeom>
+            <a:ln>
+              <a:noFill/>
+            </a:ln>
+          </p:spPr>
+          <p:style>
+            <a:lnRef idx="2">
+              <a:schemeClr val="dk1">
+                <a:shade val="50000"/>
+              </a:schemeClr>
+            </a:lnRef>
+            <a:fillRef idx="1">
+              <a:schemeClr val="dk1"/>
+            </a:fillRef>
+            <a:effectRef idx="0">
+              <a:schemeClr val="dk1"/>
+            </a:effectRef>
+            <a:fontRef idx="minor">
+              <a:schemeClr val="lt1"/>
+            </a:fontRef>
+          </p:style>
+          <p:txBody>
+            <a:bodyPr rtlCol="0" anchor="ctr"/>
+            <a:lstStyle/>
+            <a:p>
+              <a:pPr algn="ctr"/>
+              <a:endParaRPr lang="fr-CH"/>
+            </a:p>
+          </p:txBody>
+        </p:sp>
+      </p:grpSp>
+      <p:grpSp>
+        <p:nvGrpSpPr>
+          <p:cNvPr id="71" name="Groupe 70"/>
+          <p:cNvGrpSpPr/>
+          <p:nvPr/>
+        </p:nvGrpSpPr>
+        <p:grpSpPr>
+          <a:xfrm>
+            <a:off x="5127333" y="4381985"/>
+            <a:ext cx="172720" cy="172720"/>
+            <a:chOff x="2819400" y="2479040"/>
+            <a:chExt cx="172720" cy="172720"/>
+          </a:xfrm>
+        </p:grpSpPr>
+        <p:sp>
+          <p:nvSpPr>
+            <p:cNvPr id="74" name="Rectangle 73"/>
+            <p:cNvSpPr/>
+            <p:nvPr/>
+          </p:nvSpPr>
+          <p:spPr>
+            <a:xfrm>
+              <a:off x="2905760" y="2565400"/>
+              <a:ext cx="86360" cy="86360"/>
+            </a:xfrm>
+            <a:prstGeom prst="rect">
+              <a:avLst/>
+            </a:prstGeom>
+            <a:ln>
+              <a:noFill/>
+            </a:ln>
+          </p:spPr>
+          <p:style>
+            <a:lnRef idx="2">
+              <a:schemeClr val="dk1">
+                <a:shade val="50000"/>
+              </a:schemeClr>
+            </a:lnRef>
+            <a:fillRef idx="1">
+              <a:schemeClr val="dk1"/>
+            </a:fillRef>
+            <a:effectRef idx="0">
+              <a:schemeClr val="dk1"/>
+            </a:effectRef>
+            <a:fontRef idx="minor">
+              <a:schemeClr val="lt1"/>
+            </a:fontRef>
+          </p:style>
+          <p:txBody>
+            <a:bodyPr rtlCol="0" anchor="ctr"/>
+            <a:lstStyle/>
+            <a:p>
+              <a:pPr algn="ctr"/>
+              <a:endParaRPr lang="fr-CH"/>
+            </a:p>
+          </p:txBody>
+        </p:sp>
+        <p:sp>
+          <p:nvSpPr>
+            <p:cNvPr id="76" name="Rectangle 75"/>
+            <p:cNvSpPr/>
+            <p:nvPr/>
+          </p:nvSpPr>
+          <p:spPr>
+            <a:xfrm>
+              <a:off x="2905760" y="2479040"/>
+              <a:ext cx="86360" cy="86360"/>
+            </a:xfrm>
+            <a:prstGeom prst="rect">
+              <a:avLst/>
+            </a:prstGeom>
+            <a:solidFill>
+              <a:schemeClr val="bg1"/>
+            </a:solidFill>
+            <a:ln>
+              <a:noFill/>
+            </a:ln>
+          </p:spPr>
+          <p:style>
+            <a:lnRef idx="2">
+              <a:schemeClr val="dk1">
+                <a:shade val="50000"/>
+              </a:schemeClr>
+            </a:lnRef>
+            <a:fillRef idx="1">
+              <a:schemeClr val="dk1"/>
+            </a:fillRef>
+            <a:effectRef idx="0">
+              <a:schemeClr val="dk1"/>
+            </a:effectRef>
+            <a:fontRef idx="minor">
+              <a:schemeClr val="lt1"/>
+            </a:fontRef>
+          </p:style>
+          <p:txBody>
+            <a:bodyPr rtlCol="0" anchor="ctr"/>
+            <a:lstStyle/>
+            <a:p>
+              <a:pPr algn="ctr"/>
+              <a:endParaRPr lang="fr-CH"/>
+            </a:p>
+          </p:txBody>
+        </p:sp>
+        <p:sp>
+          <p:nvSpPr>
+            <p:cNvPr id="78" name="Rectangle 77"/>
+            <p:cNvSpPr/>
+            <p:nvPr/>
+          </p:nvSpPr>
+          <p:spPr>
+            <a:xfrm>
+              <a:off x="2819400" y="2565400"/>
+              <a:ext cx="86360" cy="86360"/>
+            </a:xfrm>
+            <a:prstGeom prst="rect">
+              <a:avLst/>
+            </a:prstGeom>
+            <a:solidFill>
+              <a:schemeClr val="bg1"/>
+            </a:solidFill>
+            <a:ln>
+              <a:noFill/>
+            </a:ln>
+          </p:spPr>
+          <p:style>
+            <a:lnRef idx="2">
+              <a:schemeClr val="dk1">
+                <a:shade val="50000"/>
+              </a:schemeClr>
+            </a:lnRef>
+            <a:fillRef idx="1">
+              <a:schemeClr val="dk1"/>
+            </a:fillRef>
+            <a:effectRef idx="0">
+              <a:schemeClr val="dk1"/>
+            </a:effectRef>
+            <a:fontRef idx="minor">
+              <a:schemeClr val="lt1"/>
+            </a:fontRef>
+          </p:style>
+          <p:txBody>
+            <a:bodyPr rtlCol="0" anchor="ctr"/>
+            <a:lstStyle/>
+            <a:p>
+              <a:pPr algn="ctr"/>
+              <a:endParaRPr lang="fr-CH"/>
+            </a:p>
+          </p:txBody>
+        </p:sp>
+        <p:sp>
+          <p:nvSpPr>
+            <p:cNvPr id="80" name="Rectangle 79"/>
+            <p:cNvSpPr/>
+            <p:nvPr/>
+          </p:nvSpPr>
+          <p:spPr>
+            <a:xfrm>
+              <a:off x="2819400" y="2481580"/>
+              <a:ext cx="86360" cy="86360"/>
+            </a:xfrm>
+            <a:prstGeom prst="rect">
+              <a:avLst/>
+            </a:prstGeom>
+            <a:ln>
+              <a:noFill/>
+            </a:ln>
+          </p:spPr>
+          <p:style>
+            <a:lnRef idx="2">
+              <a:schemeClr val="dk1">
+                <a:shade val="50000"/>
+              </a:schemeClr>
+            </a:lnRef>
+            <a:fillRef idx="1">
+              <a:schemeClr val="dk1"/>
+            </a:fillRef>
+            <a:effectRef idx="0">
+              <a:schemeClr val="dk1"/>
+            </a:effectRef>
+            <a:fontRef idx="minor">
+              <a:schemeClr val="lt1"/>
+            </a:fontRef>
+          </p:style>
+          <p:txBody>
+            <a:bodyPr rtlCol="0" anchor="ctr"/>
+            <a:lstStyle/>
+            <a:p>
+              <a:pPr algn="ctr"/>
+              <a:endParaRPr lang="fr-CH"/>
+            </a:p>
+          </p:txBody>
+        </p:sp>
+      </p:grpSp>
+      <p:grpSp>
+        <p:nvGrpSpPr>
+          <p:cNvPr id="82" name="Groupe 81"/>
+          <p:cNvGrpSpPr/>
+          <p:nvPr/>
+        </p:nvGrpSpPr>
+        <p:grpSpPr>
+          <a:xfrm>
+            <a:off x="7846004" y="3629775"/>
+            <a:ext cx="172720" cy="172720"/>
+            <a:chOff x="2819400" y="2479040"/>
+            <a:chExt cx="172720" cy="172720"/>
+          </a:xfrm>
+        </p:grpSpPr>
+        <p:sp>
+          <p:nvSpPr>
+            <p:cNvPr id="84" name="Rectangle 83"/>
+            <p:cNvSpPr/>
+            <p:nvPr/>
+          </p:nvSpPr>
+          <p:spPr>
+            <a:xfrm>
+              <a:off x="2905760" y="2565400"/>
+              <a:ext cx="86360" cy="86360"/>
+            </a:xfrm>
+            <a:prstGeom prst="rect">
+              <a:avLst/>
+            </a:prstGeom>
+            <a:ln>
+              <a:noFill/>
+            </a:ln>
+          </p:spPr>
+          <p:style>
+            <a:lnRef idx="2">
+              <a:schemeClr val="dk1">
+                <a:shade val="50000"/>
+              </a:schemeClr>
+            </a:lnRef>
+            <a:fillRef idx="1">
+              <a:schemeClr val="dk1"/>
+            </a:fillRef>
+            <a:effectRef idx="0">
+              <a:schemeClr val="dk1"/>
+            </a:effectRef>
+            <a:fontRef idx="minor">
+              <a:schemeClr val="lt1"/>
+            </a:fontRef>
+          </p:style>
+          <p:txBody>
+            <a:bodyPr rtlCol="0" anchor="ctr"/>
+            <a:lstStyle/>
+            <a:p>
+              <a:pPr algn="ctr"/>
+              <a:endParaRPr lang="fr-CH"/>
+            </a:p>
+          </p:txBody>
+        </p:sp>
+        <p:sp>
+          <p:nvSpPr>
+            <p:cNvPr id="86" name="Rectangle 85"/>
+            <p:cNvSpPr/>
+            <p:nvPr/>
+          </p:nvSpPr>
+          <p:spPr>
+            <a:xfrm>
+              <a:off x="2905760" y="2479040"/>
+              <a:ext cx="86360" cy="86360"/>
+            </a:xfrm>
+            <a:prstGeom prst="rect">
+              <a:avLst/>
+            </a:prstGeom>
+            <a:solidFill>
+              <a:schemeClr val="bg1"/>
+            </a:solidFill>
+            <a:ln>
+              <a:noFill/>
+            </a:ln>
+          </p:spPr>
+          <p:style>
+            <a:lnRef idx="2">
+              <a:schemeClr val="dk1">
+                <a:shade val="50000"/>
+              </a:schemeClr>
+            </a:lnRef>
+            <a:fillRef idx="1">
+              <a:schemeClr val="dk1"/>
+            </a:fillRef>
+            <a:effectRef idx="0">
+              <a:schemeClr val="dk1"/>
+            </a:effectRef>
+            <a:fontRef idx="minor">
+              <a:schemeClr val="lt1"/>
+            </a:fontRef>
+          </p:style>
+          <p:txBody>
+            <a:bodyPr rtlCol="0" anchor="ctr"/>
+            <a:lstStyle/>
+            <a:p>
+              <a:pPr algn="ctr"/>
+              <a:endParaRPr lang="fr-CH"/>
+            </a:p>
+          </p:txBody>
+        </p:sp>
+        <p:sp>
+          <p:nvSpPr>
+            <p:cNvPr id="87" name="Rectangle 86"/>
+            <p:cNvSpPr/>
+            <p:nvPr/>
+          </p:nvSpPr>
+          <p:spPr>
+            <a:xfrm>
+              <a:off x="2819400" y="2565400"/>
+              <a:ext cx="86360" cy="86360"/>
+            </a:xfrm>
+            <a:prstGeom prst="rect">
+              <a:avLst/>
+            </a:prstGeom>
+            <a:solidFill>
+              <a:schemeClr val="bg1"/>
+            </a:solidFill>
+            <a:ln>
+              <a:noFill/>
+            </a:ln>
+          </p:spPr>
+          <p:style>
+            <a:lnRef idx="2">
+              <a:schemeClr val="dk1">
+                <a:shade val="50000"/>
+              </a:schemeClr>
+            </a:lnRef>
+            <a:fillRef idx="1">
+              <a:schemeClr val="dk1"/>
+            </a:fillRef>
+            <a:effectRef idx="0">
+              <a:schemeClr val="dk1"/>
+            </a:effectRef>
+            <a:fontRef idx="minor">
+              <a:schemeClr val="lt1"/>
+            </a:fontRef>
+          </p:style>
+          <p:txBody>
+            <a:bodyPr rtlCol="0" anchor="ctr"/>
+            <a:lstStyle/>
+            <a:p>
+              <a:pPr algn="ctr"/>
+              <a:endParaRPr lang="fr-CH"/>
+            </a:p>
+          </p:txBody>
+        </p:sp>
+        <p:sp>
+          <p:nvSpPr>
+            <p:cNvPr id="88" name="Rectangle 87"/>
+            <p:cNvSpPr/>
+            <p:nvPr/>
+          </p:nvSpPr>
+          <p:spPr>
+            <a:xfrm>
+              <a:off x="2819400" y="2481580"/>
+              <a:ext cx="86360" cy="86360"/>
+            </a:xfrm>
+            <a:prstGeom prst="rect">
+              <a:avLst/>
+            </a:prstGeom>
+            <a:ln>
+              <a:noFill/>
+            </a:ln>
+          </p:spPr>
+          <p:style>
+            <a:lnRef idx="2">
+              <a:schemeClr val="dk1">
+                <a:shade val="50000"/>
+              </a:schemeClr>
+            </a:lnRef>
+            <a:fillRef idx="1">
+              <a:schemeClr val="dk1"/>
+            </a:fillRef>
+            <a:effectRef idx="0">
+              <a:schemeClr val="dk1"/>
+            </a:effectRef>
+            <a:fontRef idx="minor">
+              <a:schemeClr val="lt1"/>
+            </a:fontRef>
+          </p:style>
+          <p:txBody>
+            <a:bodyPr rtlCol="0" anchor="ctr"/>
+            <a:lstStyle/>
+            <a:p>
+              <a:pPr algn="ctr"/>
+              <a:endParaRPr lang="fr-CH"/>
+            </a:p>
+          </p:txBody>
+        </p:sp>
+      </p:grpSp>
+      <p:sp>
+        <p:nvSpPr>
           <p:cNvPr id="2" name="Forme libre 1"/>
           <p:cNvSpPr/>
           <p:nvPr/>
@@ -11998,7 +13002,7 @@
 </p:sld>
 </file>
 
-<file path=ppt/slides/slide14.xml><?xml version="1.0" encoding="utf-8"?>
+<file path=ppt/slides/slide15.xml><?xml version="1.0" encoding="utf-8"?>
 <p:sld xmlns:a="http://schemas.openxmlformats.org/drawingml/2006/main" xmlns:r="http://schemas.openxmlformats.org/officeDocument/2006/relationships" xmlns:p="http://schemas.openxmlformats.org/presentationml/2006/main">
   <p:cSld>
     <p:spTree>
@@ -22010,7 +23014,7 @@
         <p:spPr>
           <a:xfrm>
             <a:off x="3858411" y="2197598"/>
-            <a:ext cx="1967205" cy="261610"/>
+            <a:ext cx="755335" cy="261610"/>
           </a:xfrm>
           <a:prstGeom prst="rect">
             <a:avLst/>
@@ -22025,7 +23029,7 @@
           <a:p>
             <a:r>
               <a:rPr lang="fr-CH" sz="1100" dirty="0" smtClean="0"/>
-              <a:t>Secteur 2 sur la partie intérieur</a:t>
+              <a:t>Secteur 2 </a:t>
             </a:r>
             <a:endParaRPr lang="fr-CH" sz="1100" dirty="0"/>
           </a:p>
@@ -22222,6 +23226,1697 @@
 </file>
 
 <file path=ppt/slides/slide7.xml><?xml version="1.0" encoding="utf-8"?>
+<p:sld xmlns:a="http://schemas.openxmlformats.org/drawingml/2006/main" xmlns:r="http://schemas.openxmlformats.org/officeDocument/2006/relationships" xmlns:p="http://schemas.openxmlformats.org/presentationml/2006/main">
+  <p:cSld>
+    <p:spTree>
+      <p:nvGrpSpPr>
+        <p:cNvPr id="1" name=""/>
+        <p:cNvGrpSpPr/>
+        <p:nvPr/>
+      </p:nvGrpSpPr>
+      <p:grpSpPr>
+        <a:xfrm>
+          <a:off x="0" y="0"/>
+          <a:ext cx="0" cy="0"/>
+          <a:chOff x="0" y="0"/>
+          <a:chExt cx="0" cy="0"/>
+        </a:xfrm>
+      </p:grpSpPr>
+      <p:sp>
+        <p:nvSpPr>
+          <p:cNvPr id="3" name="Forme libre 2"/>
+          <p:cNvSpPr/>
+          <p:nvPr/>
+        </p:nvSpPr>
+        <p:spPr>
+          <a:xfrm>
+            <a:off x="4165600" y="1905000"/>
+            <a:ext cx="4109720" cy="2976880"/>
+          </a:xfrm>
+          <a:custGeom>
+            <a:avLst/>
+            <a:gdLst>
+              <a:gd name="connsiteX0" fmla="*/ 0 w 4109720"/>
+              <a:gd name="connsiteY0" fmla="*/ 1295400 h 2976880"/>
+              <a:gd name="connsiteX1" fmla="*/ 193040 w 4109720"/>
+              <a:gd name="connsiteY1" fmla="*/ 1864360 h 2976880"/>
+              <a:gd name="connsiteX2" fmla="*/ 401320 w 4109720"/>
+              <a:gd name="connsiteY2" fmla="*/ 2976880 h 2976880"/>
+              <a:gd name="connsiteX3" fmla="*/ 3495040 w 4109720"/>
+              <a:gd name="connsiteY3" fmla="*/ 2021840 h 2976880"/>
+              <a:gd name="connsiteX4" fmla="*/ 3276600 w 4109720"/>
+              <a:gd name="connsiteY4" fmla="*/ 1209040 h 2976880"/>
+              <a:gd name="connsiteX5" fmla="*/ 4109720 w 4109720"/>
+              <a:gd name="connsiteY5" fmla="*/ 1132840 h 2976880"/>
+              <a:gd name="connsiteX6" fmla="*/ 3865880 w 4109720"/>
+              <a:gd name="connsiteY6" fmla="*/ 0 h 2976880"/>
+              <a:gd name="connsiteX7" fmla="*/ 2585720 w 4109720"/>
+              <a:gd name="connsiteY7" fmla="*/ 243840 h 2976880"/>
+              <a:gd name="connsiteX8" fmla="*/ 396240 w 4109720"/>
+              <a:gd name="connsiteY8" fmla="*/ 929640 h 2976880"/>
+              <a:gd name="connsiteX9" fmla="*/ 462280 w 4109720"/>
+              <a:gd name="connsiteY9" fmla="*/ 1143000 h 2976880"/>
+              <a:gd name="connsiteX10" fmla="*/ 0 w 4109720"/>
+              <a:gd name="connsiteY10" fmla="*/ 1295400 h 2976880"/>
+            </a:gdLst>
+            <a:ahLst/>
+            <a:cxnLst>
+              <a:cxn ang="0">
+                <a:pos x="connsiteX0" y="connsiteY0"/>
+              </a:cxn>
+              <a:cxn ang="0">
+                <a:pos x="connsiteX1" y="connsiteY1"/>
+              </a:cxn>
+              <a:cxn ang="0">
+                <a:pos x="connsiteX2" y="connsiteY2"/>
+              </a:cxn>
+              <a:cxn ang="0">
+                <a:pos x="connsiteX3" y="connsiteY3"/>
+              </a:cxn>
+              <a:cxn ang="0">
+                <a:pos x="connsiteX4" y="connsiteY4"/>
+              </a:cxn>
+              <a:cxn ang="0">
+                <a:pos x="connsiteX5" y="connsiteY5"/>
+              </a:cxn>
+              <a:cxn ang="0">
+                <a:pos x="connsiteX6" y="connsiteY6"/>
+              </a:cxn>
+              <a:cxn ang="0">
+                <a:pos x="connsiteX7" y="connsiteY7"/>
+              </a:cxn>
+              <a:cxn ang="0">
+                <a:pos x="connsiteX8" y="connsiteY8"/>
+              </a:cxn>
+              <a:cxn ang="0">
+                <a:pos x="connsiteX9" y="connsiteY9"/>
+              </a:cxn>
+              <a:cxn ang="0">
+                <a:pos x="connsiteX10" y="connsiteY10"/>
+              </a:cxn>
+            </a:cxnLst>
+            <a:rect l="l" t="t" r="r" b="b"/>
+            <a:pathLst>
+              <a:path w="4109720" h="2976880">
+                <a:moveTo>
+                  <a:pt x="0" y="1295400"/>
+                </a:moveTo>
+                <a:lnTo>
+                  <a:pt x="193040" y="1864360"/>
+                </a:lnTo>
+                <a:lnTo>
+                  <a:pt x="401320" y="2976880"/>
+                </a:lnTo>
+                <a:lnTo>
+                  <a:pt x="3495040" y="2021840"/>
+                </a:lnTo>
+                <a:lnTo>
+                  <a:pt x="3276600" y="1209040"/>
+                </a:lnTo>
+                <a:lnTo>
+                  <a:pt x="4109720" y="1132840"/>
+                </a:lnTo>
+                <a:lnTo>
+                  <a:pt x="3865880" y="0"/>
+                </a:lnTo>
+                <a:lnTo>
+                  <a:pt x="2585720" y="243840"/>
+                </a:lnTo>
+                <a:lnTo>
+                  <a:pt x="396240" y="929640"/>
+                </a:lnTo>
+                <a:lnTo>
+                  <a:pt x="462280" y="1143000"/>
+                </a:lnTo>
+                <a:lnTo>
+                  <a:pt x="0" y="1295400"/>
+                </a:lnTo>
+                <a:close/>
+              </a:path>
+            </a:pathLst>
+          </a:custGeom>
+          <a:noFill/>
+        </p:spPr>
+        <p:style>
+          <a:lnRef idx="2">
+            <a:schemeClr val="dk1">
+              <a:shade val="50000"/>
+            </a:schemeClr>
+          </a:lnRef>
+          <a:fillRef idx="1">
+            <a:schemeClr val="dk1"/>
+          </a:fillRef>
+          <a:effectRef idx="0">
+            <a:schemeClr val="dk1"/>
+          </a:effectRef>
+          <a:fontRef idx="minor">
+            <a:schemeClr val="lt1"/>
+          </a:fontRef>
+        </p:style>
+        <p:txBody>
+          <a:bodyPr rtlCol="0" anchor="ctr"/>
+          <a:lstStyle/>
+          <a:p>
+            <a:pPr algn="ctr"/>
+            <a:endParaRPr lang="fr-CH"/>
+          </a:p>
+        </p:txBody>
+      </p:sp>
+      <p:sp>
+        <p:nvSpPr>
+          <p:cNvPr id="6" name="Forme libre 5"/>
+          <p:cNvSpPr/>
+          <p:nvPr/>
+        </p:nvSpPr>
+        <p:spPr>
+          <a:xfrm>
+            <a:off x="3771900" y="3291840"/>
+            <a:ext cx="586740" cy="594360"/>
+          </a:xfrm>
+          <a:custGeom>
+            <a:avLst/>
+            <a:gdLst>
+              <a:gd name="connsiteX0" fmla="*/ 586740 w 586740"/>
+              <a:gd name="connsiteY0" fmla="*/ 464820 h 594360"/>
+              <a:gd name="connsiteX1" fmla="*/ 152400 w 586740"/>
+              <a:gd name="connsiteY1" fmla="*/ 594360 h 594360"/>
+              <a:gd name="connsiteX2" fmla="*/ 0 w 586740"/>
+              <a:gd name="connsiteY2" fmla="*/ 106680 h 594360"/>
+              <a:gd name="connsiteX3" fmla="*/ 419100 w 586740"/>
+              <a:gd name="connsiteY3" fmla="*/ 0 h 594360"/>
+            </a:gdLst>
+            <a:ahLst/>
+            <a:cxnLst>
+              <a:cxn ang="0">
+                <a:pos x="connsiteX0" y="connsiteY0"/>
+              </a:cxn>
+              <a:cxn ang="0">
+                <a:pos x="connsiteX1" y="connsiteY1"/>
+              </a:cxn>
+              <a:cxn ang="0">
+                <a:pos x="connsiteX2" y="connsiteY2"/>
+              </a:cxn>
+              <a:cxn ang="0">
+                <a:pos x="connsiteX3" y="connsiteY3"/>
+              </a:cxn>
+            </a:cxnLst>
+            <a:rect l="l" t="t" r="r" b="b"/>
+            <a:pathLst>
+              <a:path w="586740" h="594360">
+                <a:moveTo>
+                  <a:pt x="586740" y="464820"/>
+                </a:moveTo>
+                <a:lnTo>
+                  <a:pt x="152400" y="594360"/>
+                </a:lnTo>
+                <a:lnTo>
+                  <a:pt x="0" y="106680"/>
+                </a:lnTo>
+                <a:lnTo>
+                  <a:pt x="419100" y="0"/>
+                </a:lnTo>
+              </a:path>
+            </a:pathLst>
+          </a:custGeom>
+          <a:ln>
+            <a:prstDash val="dash"/>
+          </a:ln>
+        </p:spPr>
+        <p:style>
+          <a:lnRef idx="3">
+            <a:schemeClr val="dk1"/>
+          </a:lnRef>
+          <a:fillRef idx="0">
+            <a:schemeClr val="dk1"/>
+          </a:fillRef>
+          <a:effectRef idx="2">
+            <a:schemeClr val="dk1"/>
+          </a:effectRef>
+          <a:fontRef idx="minor">
+            <a:schemeClr val="tx1"/>
+          </a:fontRef>
+        </p:style>
+        <p:txBody>
+          <a:bodyPr rtlCol="0" anchor="ctr"/>
+          <a:lstStyle/>
+          <a:p>
+            <a:pPr algn="ctr"/>
+            <a:endParaRPr lang="fr-CH"/>
+          </a:p>
+        </p:txBody>
+      </p:sp>
+      <p:sp>
+        <p:nvSpPr>
+          <p:cNvPr id="7" name="Forme libre 6"/>
+          <p:cNvSpPr/>
+          <p:nvPr/>
+        </p:nvSpPr>
+        <p:spPr>
+          <a:xfrm>
+            <a:off x="7551420" y="3078480"/>
+            <a:ext cx="297180" cy="426720"/>
+          </a:xfrm>
+          <a:custGeom>
+            <a:avLst/>
+            <a:gdLst>
+              <a:gd name="connsiteX0" fmla="*/ 0 w 297180"/>
+              <a:gd name="connsiteY0" fmla="*/ 426720 h 426720"/>
+              <a:gd name="connsiteX1" fmla="*/ 297180 w 297180"/>
+              <a:gd name="connsiteY1" fmla="*/ 335280 h 426720"/>
+              <a:gd name="connsiteX2" fmla="*/ 220980 w 297180"/>
+              <a:gd name="connsiteY2" fmla="*/ 0 h 426720"/>
+            </a:gdLst>
+            <a:ahLst/>
+            <a:cxnLst>
+              <a:cxn ang="0">
+                <a:pos x="connsiteX0" y="connsiteY0"/>
+              </a:cxn>
+              <a:cxn ang="0">
+                <a:pos x="connsiteX1" y="connsiteY1"/>
+              </a:cxn>
+              <a:cxn ang="0">
+                <a:pos x="connsiteX2" y="connsiteY2"/>
+              </a:cxn>
+            </a:cxnLst>
+            <a:rect l="l" t="t" r="r" b="b"/>
+            <a:pathLst>
+              <a:path w="297180" h="426720">
+                <a:moveTo>
+                  <a:pt x="0" y="426720"/>
+                </a:moveTo>
+                <a:lnTo>
+                  <a:pt x="297180" y="335280"/>
+                </a:lnTo>
+                <a:lnTo>
+                  <a:pt x="220980" y="0"/>
+                </a:lnTo>
+              </a:path>
+            </a:pathLst>
+          </a:custGeom>
+          <a:ln>
+            <a:prstDash val="dash"/>
+          </a:ln>
+        </p:spPr>
+        <p:style>
+          <a:lnRef idx="3">
+            <a:schemeClr val="dk1"/>
+          </a:lnRef>
+          <a:fillRef idx="0">
+            <a:schemeClr val="dk1"/>
+          </a:fillRef>
+          <a:effectRef idx="2">
+            <a:schemeClr val="dk1"/>
+          </a:effectRef>
+          <a:fontRef idx="minor">
+            <a:schemeClr val="tx1"/>
+          </a:fontRef>
+        </p:style>
+        <p:txBody>
+          <a:bodyPr rtlCol="0" anchor="ctr"/>
+          <a:lstStyle/>
+          <a:p>
+            <a:pPr algn="ctr"/>
+            <a:endParaRPr lang="fr-CH"/>
+          </a:p>
+        </p:txBody>
+      </p:sp>
+      <p:sp>
+        <p:nvSpPr>
+          <p:cNvPr id="62" name="ZoneTexte 61"/>
+          <p:cNvSpPr txBox="1"/>
+          <p:nvPr/>
+        </p:nvSpPr>
+        <p:spPr>
+          <a:xfrm rot="20743850">
+            <a:off x="5749819" y="2789441"/>
+            <a:ext cx="941283" cy="261610"/>
+          </a:xfrm>
+          <a:prstGeom prst="rect">
+            <a:avLst/>
+          </a:prstGeom>
+          <a:noFill/>
+        </p:spPr>
+        <p:txBody>
+          <a:bodyPr wrap="none" rtlCol="0">
+            <a:spAutoFit/>
+          </a:bodyPr>
+          <a:lstStyle/>
+          <a:p>
+            <a:r>
+              <a:rPr lang="fr-CH" sz="1100" dirty="0" smtClean="0"/>
+              <a:t>Salle de culte</a:t>
+            </a:r>
+            <a:endParaRPr lang="fr-CH" sz="1100" dirty="0"/>
+          </a:p>
+        </p:txBody>
+      </p:sp>
+      <p:sp>
+        <p:nvSpPr>
+          <p:cNvPr id="64" name="Forme libre 63"/>
+          <p:cNvSpPr/>
+          <p:nvPr/>
+        </p:nvSpPr>
+        <p:spPr>
+          <a:xfrm>
+            <a:off x="4937760" y="3566160"/>
+            <a:ext cx="1767840" cy="1061720"/>
+          </a:xfrm>
+          <a:custGeom>
+            <a:avLst/>
+            <a:gdLst>
+              <a:gd name="connsiteX0" fmla="*/ 1767840 w 1767840"/>
+              <a:gd name="connsiteY0" fmla="*/ 650240 h 1061720"/>
+              <a:gd name="connsiteX1" fmla="*/ 1584960 w 1767840"/>
+              <a:gd name="connsiteY1" fmla="*/ 66040 h 1061720"/>
+              <a:gd name="connsiteX2" fmla="*/ 1386840 w 1767840"/>
+              <a:gd name="connsiteY2" fmla="*/ 121920 h 1061720"/>
+              <a:gd name="connsiteX3" fmla="*/ 1493520 w 1767840"/>
+              <a:gd name="connsiteY3" fmla="*/ 441960 h 1061720"/>
+              <a:gd name="connsiteX4" fmla="*/ 1422400 w 1767840"/>
+              <a:gd name="connsiteY4" fmla="*/ 462280 h 1061720"/>
+              <a:gd name="connsiteX5" fmla="*/ 1280160 w 1767840"/>
+              <a:gd name="connsiteY5" fmla="*/ 0 h 1061720"/>
+              <a:gd name="connsiteX6" fmla="*/ 0 w 1767840"/>
+              <a:gd name="connsiteY6" fmla="*/ 370840 h 1061720"/>
+              <a:gd name="connsiteX7" fmla="*/ 218440 w 1767840"/>
+              <a:gd name="connsiteY7" fmla="*/ 1061720 h 1061720"/>
+              <a:gd name="connsiteX8" fmla="*/ 1488440 w 1767840"/>
+              <a:gd name="connsiteY8" fmla="*/ 701040 h 1061720"/>
+              <a:gd name="connsiteX9" fmla="*/ 1457960 w 1767840"/>
+              <a:gd name="connsiteY9" fmla="*/ 619760 h 1061720"/>
+              <a:gd name="connsiteX10" fmla="*/ 1529080 w 1767840"/>
+              <a:gd name="connsiteY10" fmla="*/ 594360 h 1061720"/>
+              <a:gd name="connsiteX11" fmla="*/ 1574800 w 1767840"/>
+              <a:gd name="connsiteY11" fmla="*/ 711200 h 1061720"/>
+            </a:gdLst>
+            <a:ahLst/>
+            <a:cxnLst>
+              <a:cxn ang="0">
+                <a:pos x="connsiteX0" y="connsiteY0"/>
+              </a:cxn>
+              <a:cxn ang="0">
+                <a:pos x="connsiteX1" y="connsiteY1"/>
+              </a:cxn>
+              <a:cxn ang="0">
+                <a:pos x="connsiteX2" y="connsiteY2"/>
+              </a:cxn>
+              <a:cxn ang="0">
+                <a:pos x="connsiteX3" y="connsiteY3"/>
+              </a:cxn>
+              <a:cxn ang="0">
+                <a:pos x="connsiteX4" y="connsiteY4"/>
+              </a:cxn>
+              <a:cxn ang="0">
+                <a:pos x="connsiteX5" y="connsiteY5"/>
+              </a:cxn>
+              <a:cxn ang="0">
+                <a:pos x="connsiteX6" y="connsiteY6"/>
+              </a:cxn>
+              <a:cxn ang="0">
+                <a:pos x="connsiteX7" y="connsiteY7"/>
+              </a:cxn>
+              <a:cxn ang="0">
+                <a:pos x="connsiteX8" y="connsiteY8"/>
+              </a:cxn>
+              <a:cxn ang="0">
+                <a:pos x="connsiteX9" y="connsiteY9"/>
+              </a:cxn>
+              <a:cxn ang="0">
+                <a:pos x="connsiteX10" y="connsiteY10"/>
+              </a:cxn>
+              <a:cxn ang="0">
+                <a:pos x="connsiteX11" y="connsiteY11"/>
+              </a:cxn>
+            </a:cxnLst>
+            <a:rect l="l" t="t" r="r" b="b"/>
+            <a:pathLst>
+              <a:path w="1767840" h="1061720">
+                <a:moveTo>
+                  <a:pt x="1767840" y="650240"/>
+                </a:moveTo>
+                <a:lnTo>
+                  <a:pt x="1584960" y="66040"/>
+                </a:lnTo>
+                <a:lnTo>
+                  <a:pt x="1386840" y="121920"/>
+                </a:lnTo>
+                <a:lnTo>
+                  <a:pt x="1493520" y="441960"/>
+                </a:lnTo>
+                <a:lnTo>
+                  <a:pt x="1422400" y="462280"/>
+                </a:lnTo>
+                <a:lnTo>
+                  <a:pt x="1280160" y="0"/>
+                </a:lnTo>
+                <a:lnTo>
+                  <a:pt x="0" y="370840"/>
+                </a:lnTo>
+                <a:lnTo>
+                  <a:pt x="218440" y="1061720"/>
+                </a:lnTo>
+                <a:lnTo>
+                  <a:pt x="1488440" y="701040"/>
+                </a:lnTo>
+                <a:lnTo>
+                  <a:pt x="1457960" y="619760"/>
+                </a:lnTo>
+                <a:lnTo>
+                  <a:pt x="1529080" y="594360"/>
+                </a:lnTo>
+                <a:lnTo>
+                  <a:pt x="1574800" y="711200"/>
+                </a:lnTo>
+              </a:path>
+            </a:pathLst>
+          </a:custGeom>
+        </p:spPr>
+        <p:style>
+          <a:lnRef idx="2">
+            <a:schemeClr val="accent3"/>
+          </a:lnRef>
+          <a:fillRef idx="0">
+            <a:schemeClr val="accent3"/>
+          </a:fillRef>
+          <a:effectRef idx="1">
+            <a:schemeClr val="accent3"/>
+          </a:effectRef>
+          <a:fontRef idx="minor">
+            <a:schemeClr val="tx1"/>
+          </a:fontRef>
+        </p:style>
+        <p:txBody>
+          <a:bodyPr rtlCol="0" anchor="ctr"/>
+          <a:lstStyle/>
+          <a:p>
+            <a:pPr algn="ctr"/>
+            <a:endParaRPr lang="fr-CH"/>
+          </a:p>
+        </p:txBody>
+      </p:sp>
+      <p:cxnSp>
+        <p:nvCxnSpPr>
+          <p:cNvPr id="66" name="Connecteur droit 65"/>
+          <p:cNvCxnSpPr/>
+          <p:nvPr/>
+        </p:nvCxnSpPr>
+        <p:spPr>
+          <a:xfrm flipV="1">
+            <a:off x="6339840" y="3693160"/>
+            <a:ext cx="198120" cy="55880"/>
+          </a:xfrm>
+          <a:prstGeom prst="line">
+            <a:avLst/>
+          </a:prstGeom>
+        </p:spPr>
+        <p:style>
+          <a:lnRef idx="1">
+            <a:schemeClr val="accent3"/>
+          </a:lnRef>
+          <a:fillRef idx="0">
+            <a:schemeClr val="accent3"/>
+          </a:fillRef>
+          <a:effectRef idx="0">
+            <a:schemeClr val="accent3"/>
+          </a:effectRef>
+          <a:fontRef idx="minor">
+            <a:schemeClr val="tx1"/>
+          </a:fontRef>
+        </p:style>
+      </p:cxnSp>
+      <p:cxnSp>
+        <p:nvCxnSpPr>
+          <p:cNvPr id="75" name="Connecteur droit 74"/>
+          <p:cNvCxnSpPr/>
+          <p:nvPr/>
+        </p:nvCxnSpPr>
+        <p:spPr>
+          <a:xfrm flipV="1">
+            <a:off x="6366510" y="3743960"/>
+            <a:ext cx="198120" cy="55880"/>
+          </a:xfrm>
+          <a:prstGeom prst="line">
+            <a:avLst/>
+          </a:prstGeom>
+        </p:spPr>
+        <p:style>
+          <a:lnRef idx="1">
+            <a:schemeClr val="accent3"/>
+          </a:lnRef>
+          <a:fillRef idx="0">
+            <a:schemeClr val="accent3"/>
+          </a:fillRef>
+          <a:effectRef idx="0">
+            <a:schemeClr val="accent3"/>
+          </a:effectRef>
+          <a:fontRef idx="minor">
+            <a:schemeClr val="tx1"/>
+          </a:fontRef>
+        </p:style>
+      </p:cxnSp>
+      <p:cxnSp>
+        <p:nvCxnSpPr>
+          <p:cNvPr id="76" name="Connecteur droit 75"/>
+          <p:cNvCxnSpPr/>
+          <p:nvPr/>
+        </p:nvCxnSpPr>
+        <p:spPr>
+          <a:xfrm flipV="1">
+            <a:off x="6388559" y="3799602"/>
+            <a:ext cx="198120" cy="55880"/>
+          </a:xfrm>
+          <a:prstGeom prst="line">
+            <a:avLst/>
+          </a:prstGeom>
+        </p:spPr>
+        <p:style>
+          <a:lnRef idx="1">
+            <a:schemeClr val="accent3"/>
+          </a:lnRef>
+          <a:fillRef idx="0">
+            <a:schemeClr val="accent3"/>
+          </a:fillRef>
+          <a:effectRef idx="0">
+            <a:schemeClr val="accent3"/>
+          </a:effectRef>
+          <a:fontRef idx="minor">
+            <a:schemeClr val="tx1"/>
+          </a:fontRef>
+        </p:style>
+      </p:cxnSp>
+      <p:cxnSp>
+        <p:nvCxnSpPr>
+          <p:cNvPr id="77" name="Connecteur droit 76"/>
+          <p:cNvCxnSpPr/>
+          <p:nvPr/>
+        </p:nvCxnSpPr>
+        <p:spPr>
+          <a:xfrm flipV="1">
+            <a:off x="6391558" y="3864610"/>
+            <a:ext cx="198120" cy="55880"/>
+          </a:xfrm>
+          <a:prstGeom prst="line">
+            <a:avLst/>
+          </a:prstGeom>
+        </p:spPr>
+        <p:style>
+          <a:lnRef idx="1">
+            <a:schemeClr val="accent3"/>
+          </a:lnRef>
+          <a:fillRef idx="0">
+            <a:schemeClr val="accent3"/>
+          </a:fillRef>
+          <a:effectRef idx="0">
+            <a:schemeClr val="accent3"/>
+          </a:effectRef>
+          <a:fontRef idx="minor">
+            <a:schemeClr val="tx1"/>
+          </a:fontRef>
+        </p:style>
+      </p:cxnSp>
+      <p:sp>
+        <p:nvSpPr>
+          <p:cNvPr id="12" name="ZoneTexte 11"/>
+          <p:cNvSpPr txBox="1"/>
+          <p:nvPr/>
+        </p:nvSpPr>
+        <p:spPr>
+          <a:xfrm rot="20584273">
+            <a:off x="5118299" y="3919072"/>
+            <a:ext cx="1157689" cy="261610"/>
+          </a:xfrm>
+          <a:prstGeom prst="rect">
+            <a:avLst/>
+          </a:prstGeom>
+          <a:noFill/>
+        </p:spPr>
+        <p:txBody>
+          <a:bodyPr wrap="none" rtlCol="0">
+            <a:spAutoFit/>
+          </a:bodyPr>
+          <a:lstStyle/>
+          <a:p>
+            <a:r>
+              <a:rPr lang="fr-CH" sz="1100" dirty="0" smtClean="0"/>
+              <a:t>Salle communale</a:t>
+            </a:r>
+            <a:endParaRPr lang="fr-CH" sz="1100" dirty="0"/>
+          </a:p>
+        </p:txBody>
+      </p:sp>
+      <p:sp>
+        <p:nvSpPr>
+          <p:cNvPr id="2" name="Forme libre 1"/>
+          <p:cNvSpPr/>
+          <p:nvPr/>
+        </p:nvSpPr>
+        <p:spPr>
+          <a:xfrm>
+            <a:off x="4315326" y="3348789"/>
+            <a:ext cx="3268579" cy="810127"/>
+          </a:xfrm>
+          <a:custGeom>
+            <a:avLst/>
+            <a:gdLst>
+              <a:gd name="connsiteX0" fmla="*/ 0 w 3268579"/>
+              <a:gd name="connsiteY0" fmla="*/ 264695 h 810127"/>
+              <a:gd name="connsiteX1" fmla="*/ 80211 w 3268579"/>
+              <a:gd name="connsiteY1" fmla="*/ 248653 h 810127"/>
+              <a:gd name="connsiteX2" fmla="*/ 124327 w 3268579"/>
+              <a:gd name="connsiteY2" fmla="*/ 401053 h 810127"/>
+              <a:gd name="connsiteX3" fmla="*/ 469232 w 3268579"/>
+              <a:gd name="connsiteY3" fmla="*/ 308811 h 810127"/>
+              <a:gd name="connsiteX4" fmla="*/ 393032 w 3268579"/>
+              <a:gd name="connsiteY4" fmla="*/ 92243 h 810127"/>
+              <a:gd name="connsiteX5" fmla="*/ 449179 w 3268579"/>
+              <a:gd name="connsiteY5" fmla="*/ 76200 h 810127"/>
+              <a:gd name="connsiteX6" fmla="*/ 605590 w 3268579"/>
+              <a:gd name="connsiteY6" fmla="*/ 509337 h 810127"/>
+              <a:gd name="connsiteX7" fmla="*/ 2225842 w 3268579"/>
+              <a:gd name="connsiteY7" fmla="*/ 52137 h 810127"/>
+              <a:gd name="connsiteX8" fmla="*/ 2454442 w 3268579"/>
+              <a:gd name="connsiteY8" fmla="*/ 810127 h 810127"/>
+              <a:gd name="connsiteX9" fmla="*/ 3268579 w 3268579"/>
+              <a:gd name="connsiteY9" fmla="*/ 549443 h 810127"/>
+              <a:gd name="connsiteX10" fmla="*/ 3132221 w 3268579"/>
+              <a:gd name="connsiteY10" fmla="*/ 16043 h 810127"/>
+              <a:gd name="connsiteX11" fmla="*/ 3192379 w 3268579"/>
+              <a:gd name="connsiteY11" fmla="*/ 0 h 810127"/>
+            </a:gdLst>
+            <a:ahLst/>
+            <a:cxnLst>
+              <a:cxn ang="0">
+                <a:pos x="connsiteX0" y="connsiteY0"/>
+              </a:cxn>
+              <a:cxn ang="0">
+                <a:pos x="connsiteX1" y="connsiteY1"/>
+              </a:cxn>
+              <a:cxn ang="0">
+                <a:pos x="connsiteX2" y="connsiteY2"/>
+              </a:cxn>
+              <a:cxn ang="0">
+                <a:pos x="connsiteX3" y="connsiteY3"/>
+              </a:cxn>
+              <a:cxn ang="0">
+                <a:pos x="connsiteX4" y="connsiteY4"/>
+              </a:cxn>
+              <a:cxn ang="0">
+                <a:pos x="connsiteX5" y="connsiteY5"/>
+              </a:cxn>
+              <a:cxn ang="0">
+                <a:pos x="connsiteX6" y="connsiteY6"/>
+              </a:cxn>
+              <a:cxn ang="0">
+                <a:pos x="connsiteX7" y="connsiteY7"/>
+              </a:cxn>
+              <a:cxn ang="0">
+                <a:pos x="connsiteX8" y="connsiteY8"/>
+              </a:cxn>
+              <a:cxn ang="0">
+                <a:pos x="connsiteX9" y="connsiteY9"/>
+              </a:cxn>
+              <a:cxn ang="0">
+                <a:pos x="connsiteX10" y="connsiteY10"/>
+              </a:cxn>
+              <a:cxn ang="0">
+                <a:pos x="connsiteX11" y="connsiteY11"/>
+              </a:cxn>
+            </a:cxnLst>
+            <a:rect l="l" t="t" r="r" b="b"/>
+            <a:pathLst>
+              <a:path w="3268579" h="810127">
+                <a:moveTo>
+                  <a:pt x="0" y="264695"/>
+                </a:moveTo>
+                <a:lnTo>
+                  <a:pt x="80211" y="248653"/>
+                </a:lnTo>
+                <a:lnTo>
+                  <a:pt x="124327" y="401053"/>
+                </a:lnTo>
+                <a:lnTo>
+                  <a:pt x="469232" y="308811"/>
+                </a:lnTo>
+                <a:lnTo>
+                  <a:pt x="393032" y="92243"/>
+                </a:lnTo>
+                <a:lnTo>
+                  <a:pt x="449179" y="76200"/>
+                </a:lnTo>
+                <a:lnTo>
+                  <a:pt x="605590" y="509337"/>
+                </a:lnTo>
+                <a:lnTo>
+                  <a:pt x="2225842" y="52137"/>
+                </a:lnTo>
+                <a:lnTo>
+                  <a:pt x="2454442" y="810127"/>
+                </a:lnTo>
+                <a:lnTo>
+                  <a:pt x="3268579" y="549443"/>
+                </a:lnTo>
+                <a:lnTo>
+                  <a:pt x="3132221" y="16043"/>
+                </a:lnTo>
+                <a:lnTo>
+                  <a:pt x="3192379" y="0"/>
+                </a:lnTo>
+              </a:path>
+            </a:pathLst>
+          </a:custGeom>
+        </p:spPr>
+        <p:style>
+          <a:lnRef idx="2">
+            <a:schemeClr val="accent3"/>
+          </a:lnRef>
+          <a:fillRef idx="0">
+            <a:schemeClr val="accent3"/>
+          </a:fillRef>
+          <a:effectRef idx="1">
+            <a:schemeClr val="accent3"/>
+          </a:effectRef>
+          <a:fontRef idx="minor">
+            <a:schemeClr val="tx1"/>
+          </a:fontRef>
+        </p:style>
+        <p:txBody>
+          <a:bodyPr rtlCol="0" anchor="ctr"/>
+          <a:lstStyle/>
+          <a:p>
+            <a:pPr algn="ctr"/>
+            <a:endParaRPr lang="fr-CH"/>
+          </a:p>
+        </p:txBody>
+      </p:sp>
+      <p:sp>
+        <p:nvSpPr>
+          <p:cNvPr id="4" name="Forme libre 3"/>
+          <p:cNvSpPr/>
+          <p:nvPr/>
+        </p:nvSpPr>
+        <p:spPr>
+          <a:xfrm>
+            <a:off x="4231105" y="1981200"/>
+            <a:ext cx="3986463" cy="1407695"/>
+          </a:xfrm>
+          <a:custGeom>
+            <a:avLst/>
+            <a:gdLst>
+              <a:gd name="connsiteX0" fmla="*/ 0 w 3986463"/>
+              <a:gd name="connsiteY0" fmla="*/ 1407695 h 1407695"/>
+              <a:gd name="connsiteX1" fmla="*/ 68179 w 3986463"/>
+              <a:gd name="connsiteY1" fmla="*/ 1391653 h 1407695"/>
+              <a:gd name="connsiteX2" fmla="*/ 16042 w 3986463"/>
+              <a:gd name="connsiteY2" fmla="*/ 1247274 h 1407695"/>
+              <a:gd name="connsiteX3" fmla="*/ 376990 w 3986463"/>
+              <a:gd name="connsiteY3" fmla="*/ 1126958 h 1407695"/>
+              <a:gd name="connsiteX4" fmla="*/ 413084 w 3986463"/>
+              <a:gd name="connsiteY4" fmla="*/ 1231232 h 1407695"/>
+              <a:gd name="connsiteX5" fmla="*/ 481263 w 3986463"/>
+              <a:gd name="connsiteY5" fmla="*/ 1211179 h 1407695"/>
+              <a:gd name="connsiteX6" fmla="*/ 389021 w 3986463"/>
+              <a:gd name="connsiteY6" fmla="*/ 874295 h 1407695"/>
+              <a:gd name="connsiteX7" fmla="*/ 2526632 w 3986463"/>
+              <a:gd name="connsiteY7" fmla="*/ 224589 h 1407695"/>
+              <a:gd name="connsiteX8" fmla="*/ 3757863 w 3986463"/>
+              <a:gd name="connsiteY8" fmla="*/ 0 h 1407695"/>
+              <a:gd name="connsiteX9" fmla="*/ 3986463 w 3986463"/>
+              <a:gd name="connsiteY9" fmla="*/ 998621 h 1407695"/>
+              <a:gd name="connsiteX10" fmla="*/ 3124200 w 3986463"/>
+              <a:gd name="connsiteY10" fmla="*/ 1074821 h 1407695"/>
+              <a:gd name="connsiteX11" fmla="*/ 3176337 w 3986463"/>
+              <a:gd name="connsiteY11" fmla="*/ 1223211 h 1407695"/>
+              <a:gd name="connsiteX12" fmla="*/ 3232484 w 3986463"/>
+              <a:gd name="connsiteY12" fmla="*/ 1219200 h 1407695"/>
+              <a:gd name="connsiteX13" fmla="*/ 3232484 w 3986463"/>
+              <a:gd name="connsiteY13" fmla="*/ 1219200 h 1407695"/>
+            </a:gdLst>
+            <a:ahLst/>
+            <a:cxnLst>
+              <a:cxn ang="0">
+                <a:pos x="connsiteX0" y="connsiteY0"/>
+              </a:cxn>
+              <a:cxn ang="0">
+                <a:pos x="connsiteX1" y="connsiteY1"/>
+              </a:cxn>
+              <a:cxn ang="0">
+                <a:pos x="connsiteX2" y="connsiteY2"/>
+              </a:cxn>
+              <a:cxn ang="0">
+                <a:pos x="connsiteX3" y="connsiteY3"/>
+              </a:cxn>
+              <a:cxn ang="0">
+                <a:pos x="connsiteX4" y="connsiteY4"/>
+              </a:cxn>
+              <a:cxn ang="0">
+                <a:pos x="connsiteX5" y="connsiteY5"/>
+              </a:cxn>
+              <a:cxn ang="0">
+                <a:pos x="connsiteX6" y="connsiteY6"/>
+              </a:cxn>
+              <a:cxn ang="0">
+                <a:pos x="connsiteX7" y="connsiteY7"/>
+              </a:cxn>
+              <a:cxn ang="0">
+                <a:pos x="connsiteX8" y="connsiteY8"/>
+              </a:cxn>
+              <a:cxn ang="0">
+                <a:pos x="connsiteX9" y="connsiteY9"/>
+              </a:cxn>
+              <a:cxn ang="0">
+                <a:pos x="connsiteX10" y="connsiteY10"/>
+              </a:cxn>
+              <a:cxn ang="0">
+                <a:pos x="connsiteX11" y="connsiteY11"/>
+              </a:cxn>
+              <a:cxn ang="0">
+                <a:pos x="connsiteX12" y="connsiteY12"/>
+              </a:cxn>
+              <a:cxn ang="0">
+                <a:pos x="connsiteX13" y="connsiteY13"/>
+              </a:cxn>
+            </a:cxnLst>
+            <a:rect l="l" t="t" r="r" b="b"/>
+            <a:pathLst>
+              <a:path w="3986463" h="1407695">
+                <a:moveTo>
+                  <a:pt x="0" y="1407695"/>
+                </a:moveTo>
+                <a:lnTo>
+                  <a:pt x="68179" y="1391653"/>
+                </a:lnTo>
+                <a:lnTo>
+                  <a:pt x="16042" y="1247274"/>
+                </a:lnTo>
+                <a:lnTo>
+                  <a:pt x="376990" y="1126958"/>
+                </a:lnTo>
+                <a:lnTo>
+                  <a:pt x="413084" y="1231232"/>
+                </a:lnTo>
+                <a:lnTo>
+                  <a:pt x="481263" y="1211179"/>
+                </a:lnTo>
+                <a:lnTo>
+                  <a:pt x="389021" y="874295"/>
+                </a:lnTo>
+                <a:lnTo>
+                  <a:pt x="2526632" y="224589"/>
+                </a:lnTo>
+                <a:lnTo>
+                  <a:pt x="3757863" y="0"/>
+                </a:lnTo>
+                <a:lnTo>
+                  <a:pt x="3986463" y="998621"/>
+                </a:lnTo>
+                <a:lnTo>
+                  <a:pt x="3124200" y="1074821"/>
+                </a:lnTo>
+                <a:lnTo>
+                  <a:pt x="3176337" y="1223211"/>
+                </a:lnTo>
+                <a:lnTo>
+                  <a:pt x="3232484" y="1219200"/>
+                </a:lnTo>
+                <a:lnTo>
+                  <a:pt x="3232484" y="1219200"/>
+                </a:lnTo>
+              </a:path>
+            </a:pathLst>
+          </a:custGeom>
+        </p:spPr>
+        <p:style>
+          <a:lnRef idx="2">
+            <a:schemeClr val="accent3"/>
+          </a:lnRef>
+          <a:fillRef idx="0">
+            <a:schemeClr val="accent3"/>
+          </a:fillRef>
+          <a:effectRef idx="1">
+            <a:schemeClr val="accent3"/>
+          </a:effectRef>
+          <a:fontRef idx="minor">
+            <a:schemeClr val="tx1"/>
+          </a:fontRef>
+        </p:style>
+        <p:txBody>
+          <a:bodyPr rtlCol="0" anchor="ctr"/>
+          <a:lstStyle/>
+          <a:p>
+            <a:pPr algn="ctr"/>
+            <a:endParaRPr lang="fr-CH"/>
+          </a:p>
+        </p:txBody>
+      </p:sp>
+      <p:sp>
+        <p:nvSpPr>
+          <p:cNvPr id="9" name="Forme libre 8"/>
+          <p:cNvSpPr/>
+          <p:nvPr/>
+        </p:nvSpPr>
+        <p:spPr>
+          <a:xfrm>
+            <a:off x="4539916" y="4267200"/>
+            <a:ext cx="577516" cy="545432"/>
+          </a:xfrm>
+          <a:custGeom>
+            <a:avLst/>
+            <a:gdLst>
+              <a:gd name="connsiteX0" fmla="*/ 577516 w 577516"/>
+              <a:gd name="connsiteY0" fmla="*/ 437147 h 545432"/>
+              <a:gd name="connsiteX1" fmla="*/ 441158 w 577516"/>
+              <a:gd name="connsiteY1" fmla="*/ 0 h 545432"/>
+              <a:gd name="connsiteX2" fmla="*/ 0 w 577516"/>
+              <a:gd name="connsiteY2" fmla="*/ 132347 h 545432"/>
+              <a:gd name="connsiteX3" fmla="*/ 32084 w 577516"/>
+              <a:gd name="connsiteY3" fmla="*/ 304800 h 545432"/>
+              <a:gd name="connsiteX4" fmla="*/ 360947 w 577516"/>
+              <a:gd name="connsiteY4" fmla="*/ 216568 h 545432"/>
+              <a:gd name="connsiteX5" fmla="*/ 348916 w 577516"/>
+              <a:gd name="connsiteY5" fmla="*/ 160421 h 545432"/>
+              <a:gd name="connsiteX6" fmla="*/ 381000 w 577516"/>
+              <a:gd name="connsiteY6" fmla="*/ 148389 h 545432"/>
+              <a:gd name="connsiteX7" fmla="*/ 401052 w 577516"/>
+              <a:gd name="connsiteY7" fmla="*/ 252663 h 545432"/>
+              <a:gd name="connsiteX8" fmla="*/ 48126 w 577516"/>
+              <a:gd name="connsiteY8" fmla="*/ 360947 h 545432"/>
+              <a:gd name="connsiteX9" fmla="*/ 84221 w 577516"/>
+              <a:gd name="connsiteY9" fmla="*/ 545432 h 545432"/>
+              <a:gd name="connsiteX10" fmla="*/ 449179 w 577516"/>
+              <a:gd name="connsiteY10" fmla="*/ 433137 h 545432"/>
+              <a:gd name="connsiteX11" fmla="*/ 465221 w 577516"/>
+              <a:gd name="connsiteY11" fmla="*/ 477253 h 545432"/>
+              <a:gd name="connsiteX12" fmla="*/ 465221 w 577516"/>
+              <a:gd name="connsiteY12" fmla="*/ 481263 h 545432"/>
+            </a:gdLst>
+            <a:ahLst/>
+            <a:cxnLst>
+              <a:cxn ang="0">
+                <a:pos x="connsiteX0" y="connsiteY0"/>
+              </a:cxn>
+              <a:cxn ang="0">
+                <a:pos x="connsiteX1" y="connsiteY1"/>
+              </a:cxn>
+              <a:cxn ang="0">
+                <a:pos x="connsiteX2" y="connsiteY2"/>
+              </a:cxn>
+              <a:cxn ang="0">
+                <a:pos x="connsiteX3" y="connsiteY3"/>
+              </a:cxn>
+              <a:cxn ang="0">
+                <a:pos x="connsiteX4" y="connsiteY4"/>
+              </a:cxn>
+              <a:cxn ang="0">
+                <a:pos x="connsiteX5" y="connsiteY5"/>
+              </a:cxn>
+              <a:cxn ang="0">
+                <a:pos x="connsiteX6" y="connsiteY6"/>
+              </a:cxn>
+              <a:cxn ang="0">
+                <a:pos x="connsiteX7" y="connsiteY7"/>
+              </a:cxn>
+              <a:cxn ang="0">
+                <a:pos x="connsiteX8" y="connsiteY8"/>
+              </a:cxn>
+              <a:cxn ang="0">
+                <a:pos x="connsiteX9" y="connsiteY9"/>
+              </a:cxn>
+              <a:cxn ang="0">
+                <a:pos x="connsiteX10" y="connsiteY10"/>
+              </a:cxn>
+              <a:cxn ang="0">
+                <a:pos x="connsiteX11" y="connsiteY11"/>
+              </a:cxn>
+              <a:cxn ang="0">
+                <a:pos x="connsiteX12" y="connsiteY12"/>
+              </a:cxn>
+            </a:cxnLst>
+            <a:rect l="l" t="t" r="r" b="b"/>
+            <a:pathLst>
+              <a:path w="577516" h="545432">
+                <a:moveTo>
+                  <a:pt x="577516" y="437147"/>
+                </a:moveTo>
+                <a:lnTo>
+                  <a:pt x="441158" y="0"/>
+                </a:lnTo>
+                <a:lnTo>
+                  <a:pt x="0" y="132347"/>
+                </a:lnTo>
+                <a:lnTo>
+                  <a:pt x="32084" y="304800"/>
+                </a:lnTo>
+                <a:lnTo>
+                  <a:pt x="360947" y="216568"/>
+                </a:lnTo>
+                <a:lnTo>
+                  <a:pt x="348916" y="160421"/>
+                </a:lnTo>
+                <a:lnTo>
+                  <a:pt x="381000" y="148389"/>
+                </a:lnTo>
+                <a:lnTo>
+                  <a:pt x="401052" y="252663"/>
+                </a:lnTo>
+                <a:lnTo>
+                  <a:pt x="48126" y="360947"/>
+                </a:lnTo>
+                <a:lnTo>
+                  <a:pt x="84221" y="545432"/>
+                </a:lnTo>
+                <a:lnTo>
+                  <a:pt x="449179" y="433137"/>
+                </a:lnTo>
+                <a:lnTo>
+                  <a:pt x="465221" y="477253"/>
+                </a:lnTo>
+                <a:lnTo>
+                  <a:pt x="465221" y="481263"/>
+                </a:lnTo>
+              </a:path>
+            </a:pathLst>
+          </a:custGeom>
+        </p:spPr>
+        <p:style>
+          <a:lnRef idx="2">
+            <a:schemeClr val="accent3"/>
+          </a:lnRef>
+          <a:fillRef idx="0">
+            <a:schemeClr val="accent3"/>
+          </a:fillRef>
+          <a:effectRef idx="1">
+            <a:schemeClr val="accent3"/>
+          </a:effectRef>
+          <a:fontRef idx="minor">
+            <a:schemeClr val="tx1"/>
+          </a:fontRef>
+        </p:style>
+        <p:txBody>
+          <a:bodyPr rtlCol="0" anchor="ctr"/>
+          <a:lstStyle/>
+          <a:p>
+            <a:pPr algn="ctr"/>
+            <a:endParaRPr lang="fr-CH"/>
+          </a:p>
+        </p:txBody>
+      </p:sp>
+      <p:sp>
+        <p:nvSpPr>
+          <p:cNvPr id="10" name="Forme libre 9"/>
+          <p:cNvSpPr/>
+          <p:nvPr/>
+        </p:nvSpPr>
+        <p:spPr>
+          <a:xfrm>
+            <a:off x="4383505" y="3729789"/>
+            <a:ext cx="268706" cy="140369"/>
+          </a:xfrm>
+          <a:custGeom>
+            <a:avLst/>
+            <a:gdLst>
+              <a:gd name="connsiteX0" fmla="*/ 0 w 268706"/>
+              <a:gd name="connsiteY0" fmla="*/ 140369 h 140369"/>
+              <a:gd name="connsiteX1" fmla="*/ 268706 w 268706"/>
+              <a:gd name="connsiteY1" fmla="*/ 76200 h 140369"/>
+              <a:gd name="connsiteX2" fmla="*/ 256674 w 268706"/>
+              <a:gd name="connsiteY2" fmla="*/ 0 h 140369"/>
+            </a:gdLst>
+            <a:ahLst/>
+            <a:cxnLst>
+              <a:cxn ang="0">
+                <a:pos x="connsiteX0" y="connsiteY0"/>
+              </a:cxn>
+              <a:cxn ang="0">
+                <a:pos x="connsiteX1" y="connsiteY1"/>
+              </a:cxn>
+              <a:cxn ang="0">
+                <a:pos x="connsiteX2" y="connsiteY2"/>
+              </a:cxn>
+            </a:cxnLst>
+            <a:rect l="l" t="t" r="r" b="b"/>
+            <a:pathLst>
+              <a:path w="268706" h="140369">
+                <a:moveTo>
+                  <a:pt x="0" y="140369"/>
+                </a:moveTo>
+                <a:lnTo>
+                  <a:pt x="268706" y="76200"/>
+                </a:lnTo>
+                <a:lnTo>
+                  <a:pt x="256674" y="0"/>
+                </a:lnTo>
+              </a:path>
+            </a:pathLst>
+          </a:custGeom>
+        </p:spPr>
+        <p:style>
+          <a:lnRef idx="1">
+            <a:schemeClr val="accent3"/>
+          </a:lnRef>
+          <a:fillRef idx="0">
+            <a:schemeClr val="accent3"/>
+          </a:fillRef>
+          <a:effectRef idx="0">
+            <a:schemeClr val="accent3"/>
+          </a:effectRef>
+          <a:fontRef idx="minor">
+            <a:schemeClr val="tx1"/>
+          </a:fontRef>
+        </p:style>
+        <p:txBody>
+          <a:bodyPr rtlCol="0" anchor="ctr"/>
+          <a:lstStyle/>
+          <a:p>
+            <a:pPr algn="ctr"/>
+            <a:endParaRPr lang="fr-CH"/>
+          </a:p>
+        </p:txBody>
+      </p:sp>
+      <p:sp>
+        <p:nvSpPr>
+          <p:cNvPr id="11" name="Forme libre 10"/>
+          <p:cNvSpPr/>
+          <p:nvPr/>
+        </p:nvSpPr>
+        <p:spPr>
+          <a:xfrm>
+            <a:off x="4403558" y="3705726"/>
+            <a:ext cx="372979" cy="276727"/>
+          </a:xfrm>
+          <a:custGeom>
+            <a:avLst/>
+            <a:gdLst>
+              <a:gd name="connsiteX0" fmla="*/ 0 w 372979"/>
+              <a:gd name="connsiteY0" fmla="*/ 276727 h 276727"/>
+              <a:gd name="connsiteX1" fmla="*/ 372979 w 372979"/>
+              <a:gd name="connsiteY1" fmla="*/ 172453 h 276727"/>
+              <a:gd name="connsiteX2" fmla="*/ 336884 w 372979"/>
+              <a:gd name="connsiteY2" fmla="*/ 0 h 276727"/>
+            </a:gdLst>
+            <a:ahLst/>
+            <a:cxnLst>
+              <a:cxn ang="0">
+                <a:pos x="connsiteX0" y="connsiteY0"/>
+              </a:cxn>
+              <a:cxn ang="0">
+                <a:pos x="connsiteX1" y="connsiteY1"/>
+              </a:cxn>
+              <a:cxn ang="0">
+                <a:pos x="connsiteX2" y="connsiteY2"/>
+              </a:cxn>
+            </a:cxnLst>
+            <a:rect l="l" t="t" r="r" b="b"/>
+            <a:pathLst>
+              <a:path w="372979" h="276727">
+                <a:moveTo>
+                  <a:pt x="0" y="276727"/>
+                </a:moveTo>
+                <a:lnTo>
+                  <a:pt x="372979" y="172453"/>
+                </a:lnTo>
+                <a:lnTo>
+                  <a:pt x="336884" y="0"/>
+                </a:lnTo>
+              </a:path>
+            </a:pathLst>
+          </a:custGeom>
+        </p:spPr>
+        <p:style>
+          <a:lnRef idx="1">
+            <a:schemeClr val="accent3"/>
+          </a:lnRef>
+          <a:fillRef idx="0">
+            <a:schemeClr val="accent3"/>
+          </a:fillRef>
+          <a:effectRef idx="0">
+            <a:schemeClr val="accent3"/>
+          </a:effectRef>
+          <a:fontRef idx="minor">
+            <a:schemeClr val="tx1"/>
+          </a:fontRef>
+        </p:style>
+        <p:txBody>
+          <a:bodyPr rtlCol="0" anchor="ctr"/>
+          <a:lstStyle/>
+          <a:p>
+            <a:pPr algn="ctr"/>
+            <a:endParaRPr lang="fr-CH"/>
+          </a:p>
+        </p:txBody>
+      </p:sp>
+      <p:cxnSp>
+        <p:nvCxnSpPr>
+          <p:cNvPr id="14" name="Connecteur droit 13"/>
+          <p:cNvCxnSpPr>
+            <a:stCxn id="10" idx="0"/>
+          </p:cNvCxnSpPr>
+          <p:nvPr/>
+        </p:nvCxnSpPr>
+        <p:spPr>
+          <a:xfrm>
+            <a:off x="4383505" y="3870158"/>
+            <a:ext cx="16444" cy="108284"/>
+          </a:xfrm>
+          <a:prstGeom prst="line">
+            <a:avLst/>
+          </a:prstGeom>
+        </p:spPr>
+        <p:style>
+          <a:lnRef idx="1">
+            <a:schemeClr val="accent3"/>
+          </a:lnRef>
+          <a:fillRef idx="0">
+            <a:schemeClr val="accent3"/>
+          </a:fillRef>
+          <a:effectRef idx="0">
+            <a:schemeClr val="accent3"/>
+          </a:effectRef>
+          <a:fontRef idx="minor">
+            <a:schemeClr val="tx1"/>
+          </a:fontRef>
+        </p:style>
+      </p:cxnSp>
+      <p:cxnSp>
+        <p:nvCxnSpPr>
+          <p:cNvPr id="22" name="Connecteur droit 21"/>
+          <p:cNvCxnSpPr/>
+          <p:nvPr/>
+        </p:nvCxnSpPr>
+        <p:spPr>
+          <a:xfrm>
+            <a:off x="4433287" y="3854117"/>
+            <a:ext cx="16444" cy="108284"/>
+          </a:xfrm>
+          <a:prstGeom prst="line">
+            <a:avLst/>
+          </a:prstGeom>
+        </p:spPr>
+        <p:style>
+          <a:lnRef idx="1">
+            <a:schemeClr val="accent3"/>
+          </a:lnRef>
+          <a:fillRef idx="0">
+            <a:schemeClr val="accent3"/>
+          </a:fillRef>
+          <a:effectRef idx="0">
+            <a:schemeClr val="accent3"/>
+          </a:effectRef>
+          <a:fontRef idx="minor">
+            <a:schemeClr val="tx1"/>
+          </a:fontRef>
+        </p:style>
+      </p:cxnSp>
+      <p:cxnSp>
+        <p:nvCxnSpPr>
+          <p:cNvPr id="23" name="Connecteur droit 22"/>
+          <p:cNvCxnSpPr/>
+          <p:nvPr/>
+        </p:nvCxnSpPr>
+        <p:spPr>
+          <a:xfrm>
+            <a:off x="4489443" y="3847345"/>
+            <a:ext cx="16444" cy="108284"/>
+          </a:xfrm>
+          <a:prstGeom prst="line">
+            <a:avLst/>
+          </a:prstGeom>
+        </p:spPr>
+        <p:style>
+          <a:lnRef idx="1">
+            <a:schemeClr val="accent3"/>
+          </a:lnRef>
+          <a:fillRef idx="0">
+            <a:schemeClr val="accent3"/>
+          </a:fillRef>
+          <a:effectRef idx="0">
+            <a:schemeClr val="accent3"/>
+          </a:effectRef>
+          <a:fontRef idx="minor">
+            <a:schemeClr val="tx1"/>
+          </a:fontRef>
+        </p:style>
+      </p:cxnSp>
+      <p:cxnSp>
+        <p:nvCxnSpPr>
+          <p:cNvPr id="24" name="Connecteur droit 23"/>
+          <p:cNvCxnSpPr/>
+          <p:nvPr/>
+        </p:nvCxnSpPr>
+        <p:spPr>
+          <a:xfrm>
+            <a:off x="4550499" y="3830798"/>
+            <a:ext cx="16444" cy="108284"/>
+          </a:xfrm>
+          <a:prstGeom prst="line">
+            <a:avLst/>
+          </a:prstGeom>
+        </p:spPr>
+        <p:style>
+          <a:lnRef idx="1">
+            <a:schemeClr val="accent3"/>
+          </a:lnRef>
+          <a:fillRef idx="0">
+            <a:schemeClr val="accent3"/>
+          </a:fillRef>
+          <a:effectRef idx="0">
+            <a:schemeClr val="accent3"/>
+          </a:effectRef>
+          <a:fontRef idx="minor">
+            <a:schemeClr val="tx1"/>
+          </a:fontRef>
+        </p:style>
+      </p:cxnSp>
+      <p:cxnSp>
+        <p:nvCxnSpPr>
+          <p:cNvPr id="25" name="Connecteur droit 24"/>
+          <p:cNvCxnSpPr/>
+          <p:nvPr/>
+        </p:nvCxnSpPr>
+        <p:spPr>
+          <a:xfrm>
+            <a:off x="4615974" y="3812206"/>
+            <a:ext cx="16444" cy="108284"/>
+          </a:xfrm>
+          <a:prstGeom prst="line">
+            <a:avLst/>
+          </a:prstGeom>
+        </p:spPr>
+        <p:style>
+          <a:lnRef idx="1">
+            <a:schemeClr val="accent3"/>
+          </a:lnRef>
+          <a:fillRef idx="0">
+            <a:schemeClr val="accent3"/>
+          </a:fillRef>
+          <a:effectRef idx="0">
+            <a:schemeClr val="accent3"/>
+          </a:effectRef>
+          <a:fontRef idx="minor">
+            <a:schemeClr val="tx1"/>
+          </a:fontRef>
+        </p:style>
+      </p:cxnSp>
+      <p:cxnSp>
+        <p:nvCxnSpPr>
+          <p:cNvPr id="26" name="Connecteur droit 25"/>
+          <p:cNvCxnSpPr/>
+          <p:nvPr/>
+        </p:nvCxnSpPr>
+        <p:spPr>
+          <a:xfrm>
+            <a:off x="4653071" y="3794325"/>
+            <a:ext cx="111694" cy="84976"/>
+          </a:xfrm>
+          <a:prstGeom prst="line">
+            <a:avLst/>
+          </a:prstGeom>
+        </p:spPr>
+        <p:style>
+          <a:lnRef idx="1">
+            <a:schemeClr val="accent3"/>
+          </a:lnRef>
+          <a:fillRef idx="0">
+            <a:schemeClr val="accent3"/>
+          </a:fillRef>
+          <a:effectRef idx="0">
+            <a:schemeClr val="accent3"/>
+          </a:effectRef>
+          <a:fontRef idx="minor">
+            <a:schemeClr val="tx1"/>
+          </a:fontRef>
+        </p:style>
+      </p:cxnSp>
+      <p:cxnSp>
+        <p:nvCxnSpPr>
+          <p:cNvPr id="28" name="Connecteur droit 27"/>
+          <p:cNvCxnSpPr>
+            <a:stCxn id="10" idx="2"/>
+            <a:endCxn id="11" idx="2"/>
+          </p:cNvCxnSpPr>
+          <p:nvPr/>
+        </p:nvCxnSpPr>
+        <p:spPr>
+          <a:xfrm flipV="1">
+            <a:off x="4640179" y="3705726"/>
+            <a:ext cx="100263" cy="24063"/>
+          </a:xfrm>
+          <a:prstGeom prst="line">
+            <a:avLst/>
+          </a:prstGeom>
+        </p:spPr>
+        <p:style>
+          <a:lnRef idx="1">
+            <a:schemeClr val="accent3"/>
+          </a:lnRef>
+          <a:fillRef idx="0">
+            <a:schemeClr val="accent3"/>
+          </a:fillRef>
+          <a:effectRef idx="0">
+            <a:schemeClr val="accent3"/>
+          </a:effectRef>
+          <a:fontRef idx="minor">
+            <a:schemeClr val="tx1"/>
+          </a:fontRef>
+        </p:style>
+      </p:cxnSp>
+      <p:cxnSp>
+        <p:nvCxnSpPr>
+          <p:cNvPr id="31" name="Connecteur droit 30"/>
+          <p:cNvCxnSpPr/>
+          <p:nvPr/>
+        </p:nvCxnSpPr>
+        <p:spPr>
+          <a:xfrm flipV="1">
+            <a:off x="4656223" y="3761869"/>
+            <a:ext cx="100263" cy="24063"/>
+          </a:xfrm>
+          <a:prstGeom prst="line">
+            <a:avLst/>
+          </a:prstGeom>
+        </p:spPr>
+        <p:style>
+          <a:lnRef idx="1">
+            <a:schemeClr val="accent3"/>
+          </a:lnRef>
+          <a:fillRef idx="0">
+            <a:schemeClr val="accent3"/>
+          </a:fillRef>
+          <a:effectRef idx="0">
+            <a:schemeClr val="accent3"/>
+          </a:effectRef>
+          <a:fontRef idx="minor">
+            <a:schemeClr val="tx1"/>
+          </a:fontRef>
+        </p:style>
+      </p:cxnSp>
+      <p:sp>
+        <p:nvSpPr>
+          <p:cNvPr id="32" name="ZoneTexte 31"/>
+          <p:cNvSpPr txBox="1"/>
+          <p:nvPr/>
+        </p:nvSpPr>
+        <p:spPr>
+          <a:xfrm rot="20584273">
+            <a:off x="4702643" y="4495739"/>
+            <a:ext cx="385042" cy="261610"/>
+          </a:xfrm>
+          <a:prstGeom prst="rect">
+            <a:avLst/>
+          </a:prstGeom>
+          <a:noFill/>
+        </p:spPr>
+        <p:txBody>
+          <a:bodyPr wrap="none" rtlCol="0">
+            <a:spAutoFit/>
+          </a:bodyPr>
+          <a:lstStyle/>
+          <a:p>
+            <a:r>
+              <a:rPr lang="fr-CH" sz="1100" dirty="0" smtClean="0"/>
+              <a:t>WC</a:t>
+            </a:r>
+            <a:endParaRPr lang="fr-CH" sz="1100" dirty="0"/>
+          </a:p>
+        </p:txBody>
+      </p:sp>
+      <p:sp>
+        <p:nvSpPr>
+          <p:cNvPr id="33" name="ZoneTexte 32"/>
+          <p:cNvSpPr txBox="1"/>
+          <p:nvPr/>
+        </p:nvSpPr>
+        <p:spPr>
+          <a:xfrm rot="20584273">
+            <a:off x="3444518" y="3939844"/>
+            <a:ext cx="1015021" cy="261610"/>
+          </a:xfrm>
+          <a:prstGeom prst="rect">
+            <a:avLst/>
+          </a:prstGeom>
+          <a:noFill/>
+        </p:spPr>
+        <p:txBody>
+          <a:bodyPr wrap="none" rtlCol="0">
+            <a:spAutoFit/>
+          </a:bodyPr>
+          <a:lstStyle/>
+          <a:p>
+            <a:r>
+              <a:rPr lang="fr-CH" sz="1100" dirty="0" smtClean="0"/>
+              <a:t>Entrée clocher</a:t>
+            </a:r>
+            <a:endParaRPr lang="fr-CH" sz="1100" dirty="0"/>
+          </a:p>
+        </p:txBody>
+      </p:sp>
+      <p:sp>
+        <p:nvSpPr>
+          <p:cNvPr id="19" name="Forme libre 18"/>
+          <p:cNvSpPr/>
+          <p:nvPr/>
+        </p:nvSpPr>
+        <p:spPr>
+          <a:xfrm>
+            <a:off x="4415790" y="3897630"/>
+            <a:ext cx="403860" cy="285750"/>
+          </a:xfrm>
+          <a:custGeom>
+            <a:avLst/>
+            <a:gdLst>
+              <a:gd name="connsiteX0" fmla="*/ 0 w 403860"/>
+              <a:gd name="connsiteY0" fmla="*/ 167640 h 285750"/>
+              <a:gd name="connsiteX1" fmla="*/ 0 w 403860"/>
+              <a:gd name="connsiteY1" fmla="*/ 167640 h 285750"/>
+              <a:gd name="connsiteX2" fmla="*/ 259080 w 403860"/>
+              <a:gd name="connsiteY2" fmla="*/ 99060 h 285750"/>
+              <a:gd name="connsiteX3" fmla="*/ 247650 w 403860"/>
+              <a:gd name="connsiteY3" fmla="*/ 41910 h 285750"/>
+              <a:gd name="connsiteX4" fmla="*/ 365760 w 403860"/>
+              <a:gd name="connsiteY4" fmla="*/ 0 h 285750"/>
+              <a:gd name="connsiteX5" fmla="*/ 403860 w 403860"/>
+              <a:gd name="connsiteY5" fmla="*/ 171450 h 285750"/>
+              <a:gd name="connsiteX6" fmla="*/ 34290 w 403860"/>
+              <a:gd name="connsiteY6" fmla="*/ 285750 h 285750"/>
+            </a:gdLst>
+            <a:ahLst/>
+            <a:cxnLst>
+              <a:cxn ang="0">
+                <a:pos x="connsiteX0" y="connsiteY0"/>
+              </a:cxn>
+              <a:cxn ang="0">
+                <a:pos x="connsiteX1" y="connsiteY1"/>
+              </a:cxn>
+              <a:cxn ang="0">
+                <a:pos x="connsiteX2" y="connsiteY2"/>
+              </a:cxn>
+              <a:cxn ang="0">
+                <a:pos x="connsiteX3" y="connsiteY3"/>
+              </a:cxn>
+              <a:cxn ang="0">
+                <a:pos x="connsiteX4" y="connsiteY4"/>
+              </a:cxn>
+              <a:cxn ang="0">
+                <a:pos x="connsiteX5" y="connsiteY5"/>
+              </a:cxn>
+              <a:cxn ang="0">
+                <a:pos x="connsiteX6" y="connsiteY6"/>
+              </a:cxn>
+            </a:cxnLst>
+            <a:rect l="l" t="t" r="r" b="b"/>
+            <a:pathLst>
+              <a:path w="403860" h="285750">
+                <a:moveTo>
+                  <a:pt x="0" y="167640"/>
+                </a:moveTo>
+                <a:lnTo>
+                  <a:pt x="0" y="167640"/>
+                </a:lnTo>
+                <a:lnTo>
+                  <a:pt x="259080" y="99060"/>
+                </a:lnTo>
+                <a:lnTo>
+                  <a:pt x="247650" y="41910"/>
+                </a:lnTo>
+                <a:lnTo>
+                  <a:pt x="365760" y="0"/>
+                </a:lnTo>
+                <a:lnTo>
+                  <a:pt x="403860" y="171450"/>
+                </a:lnTo>
+                <a:lnTo>
+                  <a:pt x="34290" y="285750"/>
+                </a:lnTo>
+              </a:path>
+            </a:pathLst>
+          </a:custGeom>
+        </p:spPr>
+        <p:style>
+          <a:lnRef idx="2">
+            <a:schemeClr val="accent3"/>
+          </a:lnRef>
+          <a:fillRef idx="0">
+            <a:schemeClr val="accent3"/>
+          </a:fillRef>
+          <a:effectRef idx="1">
+            <a:schemeClr val="accent3"/>
+          </a:effectRef>
+          <a:fontRef idx="minor">
+            <a:schemeClr val="tx1"/>
+          </a:fontRef>
+        </p:style>
+        <p:txBody>
+          <a:bodyPr rtlCol="0" anchor="ctr"/>
+          <a:lstStyle/>
+          <a:p>
+            <a:pPr algn="ctr"/>
+            <a:endParaRPr lang="fr-CH"/>
+          </a:p>
+        </p:txBody>
+      </p:sp>
+      <p:sp>
+        <p:nvSpPr>
+          <p:cNvPr id="41" name="ZoneTexte 40"/>
+          <p:cNvSpPr txBox="1"/>
+          <p:nvPr/>
+        </p:nvSpPr>
+        <p:spPr>
+          <a:xfrm rot="20584273">
+            <a:off x="6174437" y="4274722"/>
+            <a:ext cx="1043876" cy="261610"/>
+          </a:xfrm>
+          <a:prstGeom prst="rect">
+            <a:avLst/>
+          </a:prstGeom>
+          <a:noFill/>
+        </p:spPr>
+        <p:txBody>
+          <a:bodyPr wrap="none" rtlCol="0">
+            <a:spAutoFit/>
+          </a:bodyPr>
+          <a:lstStyle/>
+          <a:p>
+            <a:r>
+              <a:rPr lang="fr-CH" sz="1100" dirty="0" smtClean="0"/>
+              <a:t>Façade Sud-Est</a:t>
+            </a:r>
+            <a:endParaRPr lang="fr-CH" sz="1100" dirty="0"/>
+          </a:p>
+        </p:txBody>
+      </p:sp>
+    </p:spTree>
+    <p:extLst>
+      <p:ext uri="{BB962C8B-B14F-4D97-AF65-F5344CB8AC3E}">
+        <p14:creationId xmlns:p14="http://schemas.microsoft.com/office/powerpoint/2010/main" val="2205853106"/>
+      </p:ext>
+    </p:extLst>
+  </p:cSld>
+  <p:clrMapOvr>
+    <a:masterClrMapping/>
+  </p:clrMapOvr>
+</p:sld>
+</file>
+
+<file path=ppt/slides/slide8.xml><?xml version="1.0" encoding="utf-8"?>
 <p:sld xmlns:a="http://schemas.openxmlformats.org/drawingml/2006/main" xmlns:r="http://schemas.openxmlformats.org/officeDocument/2006/relationships" xmlns:p="http://schemas.openxmlformats.org/presentationml/2006/main">
   <p:cSld>
     <p:spTree>
@@ -22700,7 +25395,7 @@
 </p:sld>
 </file>
 
-<file path=ppt/slides/slide8.xml><?xml version="1.0" encoding="utf-8"?>
+<file path=ppt/slides/slide9.xml><?xml version="1.0" encoding="utf-8"?>
 <p:sld xmlns:a="http://schemas.openxmlformats.org/drawingml/2006/main" xmlns:r="http://schemas.openxmlformats.org/officeDocument/2006/relationships" xmlns:p="http://schemas.openxmlformats.org/presentationml/2006/main">
   <p:cSld>
     <p:spTree>
@@ -25244,1009 +27939,6 @@
     <p:extLst>
       <p:ext uri="{BB962C8B-B14F-4D97-AF65-F5344CB8AC3E}">
         <p14:creationId xmlns:p14="http://schemas.microsoft.com/office/powerpoint/2010/main" val="2972561568"/>
-      </p:ext>
-    </p:extLst>
-  </p:cSld>
-  <p:clrMapOvr>
-    <a:masterClrMapping/>
-  </p:clrMapOvr>
-</p:sld>
-</file>
-
-<file path=ppt/slides/slide9.xml><?xml version="1.0" encoding="utf-8"?>
-<p:sld xmlns:a="http://schemas.openxmlformats.org/drawingml/2006/main" xmlns:r="http://schemas.openxmlformats.org/officeDocument/2006/relationships" xmlns:p="http://schemas.openxmlformats.org/presentationml/2006/main">
-  <p:cSld>
-    <p:spTree>
-      <p:nvGrpSpPr>
-        <p:cNvPr id="1" name=""/>
-        <p:cNvGrpSpPr/>
-        <p:nvPr/>
-      </p:nvGrpSpPr>
-      <p:grpSpPr>
-        <a:xfrm>
-          <a:off x="0" y="0"/>
-          <a:ext cx="0" cy="0"/>
-          <a:chOff x="0" y="0"/>
-          <a:chExt cx="0" cy="0"/>
-        </a:xfrm>
-      </p:grpSpPr>
-      <p:pic>
-        <p:nvPicPr>
-          <p:cNvPr id="4" name="Image 3"/>
-          <p:cNvPicPr>
-            <a:picLocks noChangeAspect="1"/>
-          </p:cNvPicPr>
-          <p:nvPr/>
-        </p:nvPicPr>
-        <p:blipFill>
-          <a:blip r:embed="rId2"/>
-          <a:stretch>
-            <a:fillRect/>
-          </a:stretch>
-        </p:blipFill>
-        <p:spPr>
-          <a:xfrm>
-            <a:off x="2857500" y="1195387"/>
-            <a:ext cx="6719887" cy="4345600"/>
-          </a:xfrm>
-          <a:prstGeom prst="rect">
-            <a:avLst/>
-          </a:prstGeom>
-        </p:spPr>
-      </p:pic>
-      <p:sp>
-        <p:nvSpPr>
-          <p:cNvPr id="3" name="Forme libre 2"/>
-          <p:cNvSpPr/>
-          <p:nvPr/>
-        </p:nvSpPr>
-        <p:spPr>
-          <a:xfrm>
-            <a:off x="3532909" y="2818015"/>
-            <a:ext cx="1192184" cy="972589"/>
-          </a:xfrm>
-          <a:custGeom>
-            <a:avLst/>
-            <a:gdLst>
-              <a:gd name="connsiteX0" fmla="*/ 606829 w 1230284"/>
-              <a:gd name="connsiteY0" fmla="*/ 399010 h 972589"/>
-              <a:gd name="connsiteX1" fmla="*/ 1205346 w 1230284"/>
-              <a:gd name="connsiteY1" fmla="*/ 972589 h 972589"/>
-              <a:gd name="connsiteX2" fmla="*/ 1230284 w 1230284"/>
-              <a:gd name="connsiteY2" fmla="*/ 507076 h 972589"/>
-              <a:gd name="connsiteX3" fmla="*/ 1080655 w 1230284"/>
-              <a:gd name="connsiteY3" fmla="*/ 0 h 972589"/>
-              <a:gd name="connsiteX4" fmla="*/ 0 w 1230284"/>
-              <a:gd name="connsiteY4" fmla="*/ 490450 h 972589"/>
-              <a:gd name="connsiteX5" fmla="*/ 606829 w 1230284"/>
-              <a:gd name="connsiteY5" fmla="*/ 399010 h 972589"/>
-              <a:gd name="connsiteX0" fmla="*/ 540327 w 1230284"/>
-              <a:gd name="connsiteY0" fmla="*/ 673330 h 972589"/>
-              <a:gd name="connsiteX1" fmla="*/ 1205346 w 1230284"/>
-              <a:gd name="connsiteY1" fmla="*/ 972589 h 972589"/>
-              <a:gd name="connsiteX2" fmla="*/ 1230284 w 1230284"/>
-              <a:gd name="connsiteY2" fmla="*/ 507076 h 972589"/>
-              <a:gd name="connsiteX3" fmla="*/ 1080655 w 1230284"/>
-              <a:gd name="connsiteY3" fmla="*/ 0 h 972589"/>
-              <a:gd name="connsiteX4" fmla="*/ 0 w 1230284"/>
-              <a:gd name="connsiteY4" fmla="*/ 490450 h 972589"/>
-              <a:gd name="connsiteX5" fmla="*/ 540327 w 1230284"/>
-              <a:gd name="connsiteY5" fmla="*/ 673330 h 972589"/>
-            </a:gdLst>
-            <a:ahLst/>
-            <a:cxnLst>
-              <a:cxn ang="0">
-                <a:pos x="connsiteX0" y="connsiteY0"/>
-              </a:cxn>
-              <a:cxn ang="0">
-                <a:pos x="connsiteX1" y="connsiteY1"/>
-              </a:cxn>
-              <a:cxn ang="0">
-                <a:pos x="connsiteX2" y="connsiteY2"/>
-              </a:cxn>
-              <a:cxn ang="0">
-                <a:pos x="connsiteX3" y="connsiteY3"/>
-              </a:cxn>
-              <a:cxn ang="0">
-                <a:pos x="connsiteX4" y="connsiteY4"/>
-              </a:cxn>
-              <a:cxn ang="0">
-                <a:pos x="connsiteX5" y="connsiteY5"/>
-              </a:cxn>
-            </a:cxnLst>
-            <a:rect l="l" t="t" r="r" b="b"/>
-            <a:pathLst>
-              <a:path w="1230284" h="972589">
-                <a:moveTo>
-                  <a:pt x="540327" y="673330"/>
-                </a:moveTo>
-                <a:lnTo>
-                  <a:pt x="1205346" y="972589"/>
-                </a:lnTo>
-                <a:lnTo>
-                  <a:pt x="1230284" y="507076"/>
-                </a:lnTo>
-                <a:lnTo>
-                  <a:pt x="1080655" y="0"/>
-                </a:lnTo>
-                <a:lnTo>
-                  <a:pt x="0" y="490450"/>
-                </a:lnTo>
-                <a:lnTo>
-                  <a:pt x="540327" y="673330"/>
-                </a:lnTo>
-                <a:close/>
-              </a:path>
-            </a:pathLst>
-          </a:custGeom>
-        </p:spPr>
-        <p:style>
-          <a:lnRef idx="2">
-            <a:schemeClr val="accent6">
-              <a:shade val="50000"/>
-            </a:schemeClr>
-          </a:lnRef>
-          <a:fillRef idx="1">
-            <a:schemeClr val="accent6"/>
-          </a:fillRef>
-          <a:effectRef idx="0">
-            <a:schemeClr val="accent6"/>
-          </a:effectRef>
-          <a:fontRef idx="minor">
-            <a:schemeClr val="lt1"/>
-          </a:fontRef>
-        </p:style>
-        <p:txBody>
-          <a:bodyPr rtlCol="0" anchor="ctr"/>
-          <a:lstStyle/>
-          <a:p>
-            <a:pPr algn="ctr"/>
-            <a:endParaRPr lang="fr-CH"/>
-          </a:p>
-        </p:txBody>
-      </p:sp>
-      <p:sp>
-        <p:nvSpPr>
-          <p:cNvPr id="50" name="Forme libre 49"/>
-          <p:cNvSpPr/>
-          <p:nvPr/>
-        </p:nvSpPr>
-        <p:spPr>
-          <a:xfrm>
-            <a:off x="6151417" y="2135447"/>
-            <a:ext cx="888539" cy="637309"/>
-          </a:xfrm>
-          <a:custGeom>
-            <a:avLst/>
-            <a:gdLst>
-              <a:gd name="connsiteX0" fmla="*/ 9237 w 905164"/>
-              <a:gd name="connsiteY0" fmla="*/ 554182 h 646546"/>
-              <a:gd name="connsiteX1" fmla="*/ 110837 w 905164"/>
-              <a:gd name="connsiteY1" fmla="*/ 129310 h 646546"/>
-              <a:gd name="connsiteX2" fmla="*/ 794327 w 905164"/>
-              <a:gd name="connsiteY2" fmla="*/ 0 h 646546"/>
-              <a:gd name="connsiteX3" fmla="*/ 905164 w 905164"/>
-              <a:gd name="connsiteY3" fmla="*/ 554182 h 646546"/>
-              <a:gd name="connsiteX4" fmla="*/ 0 w 905164"/>
-              <a:gd name="connsiteY4" fmla="*/ 646546 h 646546"/>
-              <a:gd name="connsiteX5" fmla="*/ 9237 w 905164"/>
-              <a:gd name="connsiteY5" fmla="*/ 554182 h 646546"/>
-              <a:gd name="connsiteX0" fmla="*/ 9237 w 888539"/>
-              <a:gd name="connsiteY0" fmla="*/ 554182 h 703811"/>
-              <a:gd name="connsiteX1" fmla="*/ 110837 w 888539"/>
-              <a:gd name="connsiteY1" fmla="*/ 129310 h 703811"/>
-              <a:gd name="connsiteX2" fmla="*/ 794327 w 888539"/>
-              <a:gd name="connsiteY2" fmla="*/ 0 h 703811"/>
-              <a:gd name="connsiteX3" fmla="*/ 888539 w 888539"/>
-              <a:gd name="connsiteY3" fmla="*/ 703811 h 703811"/>
-              <a:gd name="connsiteX4" fmla="*/ 0 w 888539"/>
-              <a:gd name="connsiteY4" fmla="*/ 646546 h 703811"/>
-              <a:gd name="connsiteX5" fmla="*/ 9237 w 888539"/>
-              <a:gd name="connsiteY5" fmla="*/ 554182 h 703811"/>
-              <a:gd name="connsiteX0" fmla="*/ 9237 w 888539"/>
-              <a:gd name="connsiteY0" fmla="*/ 487680 h 637309"/>
-              <a:gd name="connsiteX1" fmla="*/ 110837 w 888539"/>
-              <a:gd name="connsiteY1" fmla="*/ 62808 h 637309"/>
-              <a:gd name="connsiteX2" fmla="*/ 769388 w 888539"/>
-              <a:gd name="connsiteY2" fmla="*/ 0 h 637309"/>
-              <a:gd name="connsiteX3" fmla="*/ 888539 w 888539"/>
-              <a:gd name="connsiteY3" fmla="*/ 637309 h 637309"/>
-              <a:gd name="connsiteX4" fmla="*/ 0 w 888539"/>
-              <a:gd name="connsiteY4" fmla="*/ 580044 h 637309"/>
-              <a:gd name="connsiteX5" fmla="*/ 9237 w 888539"/>
-              <a:gd name="connsiteY5" fmla="*/ 487680 h 637309"/>
-              <a:gd name="connsiteX0" fmla="*/ 9237 w 888539"/>
-              <a:gd name="connsiteY0" fmla="*/ 487680 h 637309"/>
-              <a:gd name="connsiteX1" fmla="*/ 576350 w 888539"/>
-              <a:gd name="connsiteY1" fmla="*/ 29557 h 637309"/>
-              <a:gd name="connsiteX2" fmla="*/ 769388 w 888539"/>
-              <a:gd name="connsiteY2" fmla="*/ 0 h 637309"/>
-              <a:gd name="connsiteX3" fmla="*/ 888539 w 888539"/>
-              <a:gd name="connsiteY3" fmla="*/ 637309 h 637309"/>
-              <a:gd name="connsiteX4" fmla="*/ 0 w 888539"/>
-              <a:gd name="connsiteY4" fmla="*/ 580044 h 637309"/>
-              <a:gd name="connsiteX5" fmla="*/ 9237 w 888539"/>
-              <a:gd name="connsiteY5" fmla="*/ 487680 h 637309"/>
-            </a:gdLst>
-            <a:ahLst/>
-            <a:cxnLst>
-              <a:cxn ang="0">
-                <a:pos x="connsiteX0" y="connsiteY0"/>
-              </a:cxn>
-              <a:cxn ang="0">
-                <a:pos x="connsiteX1" y="connsiteY1"/>
-              </a:cxn>
-              <a:cxn ang="0">
-                <a:pos x="connsiteX2" y="connsiteY2"/>
-              </a:cxn>
-              <a:cxn ang="0">
-                <a:pos x="connsiteX3" y="connsiteY3"/>
-              </a:cxn>
-              <a:cxn ang="0">
-                <a:pos x="connsiteX4" y="connsiteY4"/>
-              </a:cxn>
-              <a:cxn ang="0">
-                <a:pos x="connsiteX5" y="connsiteY5"/>
-              </a:cxn>
-            </a:cxnLst>
-            <a:rect l="l" t="t" r="r" b="b"/>
-            <a:pathLst>
-              <a:path w="888539" h="637309">
-                <a:moveTo>
-                  <a:pt x="9237" y="487680"/>
-                </a:moveTo>
-                <a:lnTo>
-                  <a:pt x="576350" y="29557"/>
-                </a:lnTo>
-                <a:lnTo>
-                  <a:pt x="769388" y="0"/>
-                </a:lnTo>
-                <a:lnTo>
-                  <a:pt x="888539" y="637309"/>
-                </a:lnTo>
-                <a:lnTo>
-                  <a:pt x="0" y="580044"/>
-                </a:lnTo>
-                <a:lnTo>
-                  <a:pt x="9237" y="487680"/>
-                </a:lnTo>
-                <a:close/>
-              </a:path>
-            </a:pathLst>
-          </a:custGeom>
-          <a:ln/>
-        </p:spPr>
-        <p:style>
-          <a:lnRef idx="3">
-            <a:schemeClr val="lt1"/>
-          </a:lnRef>
-          <a:fillRef idx="1">
-            <a:schemeClr val="accent5"/>
-          </a:fillRef>
-          <a:effectRef idx="1">
-            <a:schemeClr val="accent5"/>
-          </a:effectRef>
-          <a:fontRef idx="minor">
-            <a:schemeClr val="lt1"/>
-          </a:fontRef>
-        </p:style>
-        <p:txBody>
-          <a:bodyPr rtlCol="0" anchor="ctr"/>
-          <a:lstStyle/>
-          <a:p>
-            <a:pPr algn="ctr"/>
-            <a:endParaRPr lang="fr-CH"/>
-          </a:p>
-        </p:txBody>
-      </p:sp>
-      <p:sp>
-        <p:nvSpPr>
-          <p:cNvPr id="29" name="Forme libre 28"/>
-          <p:cNvSpPr/>
-          <p:nvPr/>
-        </p:nvSpPr>
-        <p:spPr>
-          <a:xfrm>
-            <a:off x="6572250" y="2619375"/>
-            <a:ext cx="1343025" cy="1095375"/>
-          </a:xfrm>
-          <a:custGeom>
-            <a:avLst/>
-            <a:gdLst>
-              <a:gd name="connsiteX0" fmla="*/ 9525 w 1343025"/>
-              <a:gd name="connsiteY0" fmla="*/ 762000 h 1095375"/>
-              <a:gd name="connsiteX1" fmla="*/ 152400 w 1343025"/>
-              <a:gd name="connsiteY1" fmla="*/ 723900 h 1095375"/>
-              <a:gd name="connsiteX2" fmla="*/ 0 w 1343025"/>
-              <a:gd name="connsiteY2" fmla="*/ 209550 h 1095375"/>
-              <a:gd name="connsiteX3" fmla="*/ 533400 w 1343025"/>
-              <a:gd name="connsiteY3" fmla="*/ 161925 h 1095375"/>
-              <a:gd name="connsiteX4" fmla="*/ 485775 w 1343025"/>
-              <a:gd name="connsiteY4" fmla="*/ 0 h 1095375"/>
-              <a:gd name="connsiteX5" fmla="*/ 1343025 w 1343025"/>
-              <a:gd name="connsiteY5" fmla="*/ 1095375 h 1095375"/>
-              <a:gd name="connsiteX6" fmla="*/ 9525 w 1343025"/>
-              <a:gd name="connsiteY6" fmla="*/ 762000 h 1095375"/>
-            </a:gdLst>
-            <a:ahLst/>
-            <a:cxnLst>
-              <a:cxn ang="0">
-                <a:pos x="connsiteX0" y="connsiteY0"/>
-              </a:cxn>
-              <a:cxn ang="0">
-                <a:pos x="connsiteX1" y="connsiteY1"/>
-              </a:cxn>
-              <a:cxn ang="0">
-                <a:pos x="connsiteX2" y="connsiteY2"/>
-              </a:cxn>
-              <a:cxn ang="0">
-                <a:pos x="connsiteX3" y="connsiteY3"/>
-              </a:cxn>
-              <a:cxn ang="0">
-                <a:pos x="connsiteX4" y="connsiteY4"/>
-              </a:cxn>
-              <a:cxn ang="0">
-                <a:pos x="connsiteX5" y="connsiteY5"/>
-              </a:cxn>
-              <a:cxn ang="0">
-                <a:pos x="connsiteX6" y="connsiteY6"/>
-              </a:cxn>
-            </a:cxnLst>
-            <a:rect l="l" t="t" r="r" b="b"/>
-            <a:pathLst>
-              <a:path w="1343025" h="1095375">
-                <a:moveTo>
-                  <a:pt x="9525" y="762000"/>
-                </a:moveTo>
-                <a:lnTo>
-                  <a:pt x="152400" y="723900"/>
-                </a:lnTo>
-                <a:lnTo>
-                  <a:pt x="0" y="209550"/>
-                </a:lnTo>
-                <a:lnTo>
-                  <a:pt x="533400" y="161925"/>
-                </a:lnTo>
-                <a:lnTo>
-                  <a:pt x="485775" y="0"/>
-                </a:lnTo>
-                <a:lnTo>
-                  <a:pt x="1343025" y="1095375"/>
-                </a:lnTo>
-                <a:lnTo>
-                  <a:pt x="9525" y="762000"/>
-                </a:lnTo>
-                <a:close/>
-              </a:path>
-            </a:pathLst>
-          </a:custGeom>
-        </p:spPr>
-        <p:style>
-          <a:lnRef idx="2">
-            <a:schemeClr val="accent4">
-              <a:shade val="50000"/>
-            </a:schemeClr>
-          </a:lnRef>
-          <a:fillRef idx="1">
-            <a:schemeClr val="accent4"/>
-          </a:fillRef>
-          <a:effectRef idx="0">
-            <a:schemeClr val="accent4"/>
-          </a:effectRef>
-          <a:fontRef idx="minor">
-            <a:schemeClr val="lt1"/>
-          </a:fontRef>
-        </p:style>
-        <p:txBody>
-          <a:bodyPr rtlCol="0" anchor="ctr"/>
-          <a:lstStyle/>
-          <a:p>
-            <a:pPr algn="ctr"/>
-            <a:endParaRPr lang="fr-CH"/>
-          </a:p>
-        </p:txBody>
-      </p:sp>
-      <p:sp>
-        <p:nvSpPr>
-          <p:cNvPr id="28" name="Forme libre 27"/>
-          <p:cNvSpPr/>
-          <p:nvPr/>
-        </p:nvSpPr>
-        <p:spPr>
-          <a:xfrm>
-            <a:off x="4972050" y="3340503"/>
-            <a:ext cx="1751041" cy="1145771"/>
-          </a:xfrm>
-          <a:custGeom>
-            <a:avLst/>
-            <a:gdLst>
-              <a:gd name="connsiteX0" fmla="*/ 219075 w 695325"/>
-              <a:gd name="connsiteY0" fmla="*/ 838200 h 838200"/>
-              <a:gd name="connsiteX1" fmla="*/ 0 w 695325"/>
-              <a:gd name="connsiteY1" fmla="*/ 228600 h 838200"/>
-              <a:gd name="connsiteX2" fmla="*/ 695325 w 695325"/>
-              <a:gd name="connsiteY2" fmla="*/ 0 h 838200"/>
-              <a:gd name="connsiteX3" fmla="*/ 219075 w 695325"/>
-              <a:gd name="connsiteY3" fmla="*/ 838200 h 838200"/>
-              <a:gd name="connsiteX0" fmla="*/ 219075 w 1751041"/>
-              <a:gd name="connsiteY0" fmla="*/ 1145771 h 1145771"/>
-              <a:gd name="connsiteX1" fmla="*/ 0 w 1751041"/>
-              <a:gd name="connsiteY1" fmla="*/ 536171 h 1145771"/>
-              <a:gd name="connsiteX2" fmla="*/ 1751041 w 1751041"/>
-              <a:gd name="connsiteY2" fmla="*/ 0 h 1145771"/>
-              <a:gd name="connsiteX3" fmla="*/ 219075 w 1751041"/>
-              <a:gd name="connsiteY3" fmla="*/ 1145771 h 1145771"/>
-            </a:gdLst>
-            <a:ahLst/>
-            <a:cxnLst>
-              <a:cxn ang="0">
-                <a:pos x="connsiteX0" y="connsiteY0"/>
-              </a:cxn>
-              <a:cxn ang="0">
-                <a:pos x="connsiteX1" y="connsiteY1"/>
-              </a:cxn>
-              <a:cxn ang="0">
-                <a:pos x="connsiteX2" y="connsiteY2"/>
-              </a:cxn>
-              <a:cxn ang="0">
-                <a:pos x="connsiteX3" y="connsiteY3"/>
-              </a:cxn>
-            </a:cxnLst>
-            <a:rect l="l" t="t" r="r" b="b"/>
-            <a:pathLst>
-              <a:path w="1751041" h="1145771">
-                <a:moveTo>
-                  <a:pt x="219075" y="1145771"/>
-                </a:moveTo>
-                <a:lnTo>
-                  <a:pt x="0" y="536171"/>
-                </a:lnTo>
-                <a:lnTo>
-                  <a:pt x="1751041" y="0"/>
-                </a:lnTo>
-                <a:lnTo>
-                  <a:pt x="219075" y="1145771"/>
-                </a:lnTo>
-                <a:close/>
-              </a:path>
-            </a:pathLst>
-          </a:custGeom>
-        </p:spPr>
-        <p:style>
-          <a:lnRef idx="2">
-            <a:schemeClr val="accent2">
-              <a:shade val="50000"/>
-            </a:schemeClr>
-          </a:lnRef>
-          <a:fillRef idx="1">
-            <a:schemeClr val="accent2"/>
-          </a:fillRef>
-          <a:effectRef idx="0">
-            <a:schemeClr val="accent2"/>
-          </a:effectRef>
-          <a:fontRef idx="minor">
-            <a:schemeClr val="lt1"/>
-          </a:fontRef>
-        </p:style>
-        <p:txBody>
-          <a:bodyPr rtlCol="0" anchor="ctr"/>
-          <a:lstStyle/>
-          <a:p>
-            <a:pPr algn="ctr"/>
-            <a:endParaRPr lang="fr-CH"/>
-          </a:p>
-        </p:txBody>
-      </p:sp>
-      <p:sp>
-        <p:nvSpPr>
-          <p:cNvPr id="2" name="Ellipse 1"/>
-          <p:cNvSpPr/>
-          <p:nvPr/>
-        </p:nvSpPr>
-        <p:spPr>
-          <a:xfrm>
-            <a:off x="5116514" y="4389294"/>
-            <a:ext cx="175490" cy="175490"/>
-          </a:xfrm>
-          <a:prstGeom prst="ellipse">
-            <a:avLst/>
-          </a:prstGeom>
-        </p:spPr>
-        <p:style>
-          <a:lnRef idx="2">
-            <a:schemeClr val="accent1">
-              <a:shade val="50000"/>
-            </a:schemeClr>
-          </a:lnRef>
-          <a:fillRef idx="1">
-            <a:schemeClr val="accent1"/>
-          </a:fillRef>
-          <a:effectRef idx="0">
-            <a:schemeClr val="accent1"/>
-          </a:effectRef>
-          <a:fontRef idx="minor">
-            <a:schemeClr val="lt1"/>
-          </a:fontRef>
-        </p:style>
-        <p:txBody>
-          <a:bodyPr rtlCol="0" anchor="ctr"/>
-          <a:lstStyle/>
-          <a:p>
-            <a:pPr algn="ctr"/>
-            <a:endParaRPr lang="fr-CH"/>
-          </a:p>
-        </p:txBody>
-      </p:sp>
-      <p:sp>
-        <p:nvSpPr>
-          <p:cNvPr id="11" name="Ellipse 10"/>
-          <p:cNvSpPr/>
-          <p:nvPr/>
-        </p:nvSpPr>
-        <p:spPr>
-          <a:xfrm>
-            <a:off x="7827530" y="3627005"/>
-            <a:ext cx="175490" cy="175490"/>
-          </a:xfrm>
-          <a:prstGeom prst="ellipse">
-            <a:avLst/>
-          </a:prstGeom>
-        </p:spPr>
-        <p:style>
-          <a:lnRef idx="2">
-            <a:schemeClr val="accent1">
-              <a:shade val="50000"/>
-            </a:schemeClr>
-          </a:lnRef>
-          <a:fillRef idx="1">
-            <a:schemeClr val="accent1"/>
-          </a:fillRef>
-          <a:effectRef idx="0">
-            <a:schemeClr val="accent1"/>
-          </a:effectRef>
-          <a:fontRef idx="minor">
-            <a:schemeClr val="lt1"/>
-          </a:fontRef>
-        </p:style>
-        <p:txBody>
-          <a:bodyPr rtlCol="0" anchor="ctr"/>
-          <a:lstStyle/>
-          <a:p>
-            <a:pPr algn="ctr"/>
-            <a:endParaRPr lang="fr-CH"/>
-          </a:p>
-        </p:txBody>
-      </p:sp>
-      <p:sp>
-        <p:nvSpPr>
-          <p:cNvPr id="13" name="Ellipse 12"/>
-          <p:cNvSpPr/>
-          <p:nvPr/>
-        </p:nvSpPr>
-        <p:spPr>
-          <a:xfrm>
-            <a:off x="6045922" y="2619375"/>
-            <a:ext cx="175490" cy="175490"/>
-          </a:xfrm>
-          <a:prstGeom prst="ellipse">
-            <a:avLst/>
-          </a:prstGeom>
-        </p:spPr>
-        <p:style>
-          <a:lnRef idx="2">
-            <a:schemeClr val="accent1">
-              <a:shade val="50000"/>
-            </a:schemeClr>
-          </a:lnRef>
-          <a:fillRef idx="1">
-            <a:schemeClr val="accent1"/>
-          </a:fillRef>
-          <a:effectRef idx="0">
-            <a:schemeClr val="accent1"/>
-          </a:effectRef>
-          <a:fontRef idx="minor">
-            <a:schemeClr val="lt1"/>
-          </a:fontRef>
-        </p:style>
-        <p:txBody>
-          <a:bodyPr rtlCol="0" anchor="ctr"/>
-          <a:lstStyle/>
-          <a:p>
-            <a:pPr algn="ctr"/>
-            <a:endParaRPr lang="fr-CH"/>
-          </a:p>
-        </p:txBody>
-      </p:sp>
-      <p:sp>
-        <p:nvSpPr>
-          <p:cNvPr id="14" name="Ellipse 13"/>
-          <p:cNvSpPr/>
-          <p:nvPr/>
-        </p:nvSpPr>
-        <p:spPr>
-          <a:xfrm>
-            <a:off x="3445164" y="3216564"/>
-            <a:ext cx="175490" cy="175490"/>
-          </a:xfrm>
-          <a:prstGeom prst="ellipse">
-            <a:avLst/>
-          </a:prstGeom>
-        </p:spPr>
-        <p:style>
-          <a:lnRef idx="2">
-            <a:schemeClr val="accent1">
-              <a:shade val="50000"/>
-            </a:schemeClr>
-          </a:lnRef>
-          <a:fillRef idx="1">
-            <a:schemeClr val="accent1"/>
-          </a:fillRef>
-          <a:effectRef idx="0">
-            <a:schemeClr val="accent1"/>
-          </a:effectRef>
-          <a:fontRef idx="minor">
-            <a:schemeClr val="lt1"/>
-          </a:fontRef>
-        </p:style>
-        <p:txBody>
-          <a:bodyPr rtlCol="0" anchor="ctr"/>
-          <a:lstStyle/>
-          <a:p>
-            <a:pPr algn="ctr"/>
-            <a:endParaRPr lang="fr-CH"/>
-          </a:p>
-        </p:txBody>
-      </p:sp>
-      <p:sp>
-        <p:nvSpPr>
-          <p:cNvPr id="5" name="Forme libre 4"/>
-          <p:cNvSpPr/>
-          <p:nvPr/>
-        </p:nvSpPr>
-        <p:spPr>
-          <a:xfrm>
-            <a:off x="4605251" y="2859578"/>
-            <a:ext cx="249382" cy="315884"/>
-          </a:xfrm>
-          <a:custGeom>
-            <a:avLst/>
-            <a:gdLst>
-              <a:gd name="connsiteX0" fmla="*/ 249382 w 249382"/>
-              <a:gd name="connsiteY0" fmla="*/ 66502 h 315884"/>
-              <a:gd name="connsiteX1" fmla="*/ 116378 w 249382"/>
-              <a:gd name="connsiteY1" fmla="*/ 315884 h 315884"/>
-              <a:gd name="connsiteX2" fmla="*/ 0 w 249382"/>
-              <a:gd name="connsiteY2" fmla="*/ 0 h 315884"/>
-              <a:gd name="connsiteX3" fmla="*/ 249382 w 249382"/>
-              <a:gd name="connsiteY3" fmla="*/ 66502 h 315884"/>
-            </a:gdLst>
-            <a:ahLst/>
-            <a:cxnLst>
-              <a:cxn ang="0">
-                <a:pos x="connsiteX0" y="connsiteY0"/>
-              </a:cxn>
-              <a:cxn ang="0">
-                <a:pos x="connsiteX1" y="connsiteY1"/>
-              </a:cxn>
-              <a:cxn ang="0">
-                <a:pos x="connsiteX2" y="connsiteY2"/>
-              </a:cxn>
-              <a:cxn ang="0">
-                <a:pos x="connsiteX3" y="connsiteY3"/>
-              </a:cxn>
-            </a:cxnLst>
-            <a:rect l="l" t="t" r="r" b="b"/>
-            <a:pathLst>
-              <a:path w="249382" h="315884">
-                <a:moveTo>
-                  <a:pt x="249382" y="66502"/>
-                </a:moveTo>
-                <a:lnTo>
-                  <a:pt x="116378" y="315884"/>
-                </a:lnTo>
-                <a:lnTo>
-                  <a:pt x="0" y="0"/>
-                </a:lnTo>
-                <a:lnTo>
-                  <a:pt x="249382" y="66502"/>
-                </a:lnTo>
-                <a:close/>
-              </a:path>
-            </a:pathLst>
-          </a:custGeom>
-          <a:solidFill>
-            <a:srgbClr val="7030A0"/>
-          </a:solidFill>
-        </p:spPr>
-        <p:style>
-          <a:lnRef idx="2">
-            <a:schemeClr val="accent1">
-              <a:shade val="50000"/>
-            </a:schemeClr>
-          </a:lnRef>
-          <a:fillRef idx="1">
-            <a:schemeClr val="accent1"/>
-          </a:fillRef>
-          <a:effectRef idx="0">
-            <a:schemeClr val="accent1"/>
-          </a:effectRef>
-          <a:fontRef idx="minor">
-            <a:schemeClr val="lt1"/>
-          </a:fontRef>
-        </p:style>
-        <p:txBody>
-          <a:bodyPr rtlCol="0" anchor="ctr"/>
-          <a:lstStyle/>
-          <a:p>
-            <a:pPr algn="ctr"/>
-            <a:endParaRPr lang="fr-CH"/>
-          </a:p>
-        </p:txBody>
-      </p:sp>
-      <p:sp>
-        <p:nvSpPr>
-          <p:cNvPr id="71" name="Ellipse 70"/>
-          <p:cNvSpPr/>
-          <p:nvPr/>
-        </p:nvSpPr>
-        <p:spPr>
-          <a:xfrm>
-            <a:off x="4740277" y="2819256"/>
-            <a:ext cx="175490" cy="175490"/>
-          </a:xfrm>
-          <a:prstGeom prst="ellipse">
-            <a:avLst/>
-          </a:prstGeom>
-        </p:spPr>
-        <p:style>
-          <a:lnRef idx="2">
-            <a:schemeClr val="accent1">
-              <a:shade val="50000"/>
-            </a:schemeClr>
-          </a:lnRef>
-          <a:fillRef idx="1">
-            <a:schemeClr val="accent1"/>
-          </a:fillRef>
-          <a:effectRef idx="0">
-            <a:schemeClr val="accent1"/>
-          </a:effectRef>
-          <a:fontRef idx="minor">
-            <a:schemeClr val="lt1"/>
-          </a:fontRef>
-        </p:style>
-        <p:txBody>
-          <a:bodyPr rtlCol="0" anchor="ctr"/>
-          <a:lstStyle/>
-          <a:p>
-            <a:pPr algn="ctr"/>
-            <a:endParaRPr lang="fr-CH"/>
-          </a:p>
-        </p:txBody>
-      </p:sp>
-      <p:sp>
-        <p:nvSpPr>
-          <p:cNvPr id="74" name="Ellipse 73"/>
-          <p:cNvSpPr/>
-          <p:nvPr/>
-        </p:nvSpPr>
-        <p:spPr>
-          <a:xfrm>
-            <a:off x="3772131" y="1282469"/>
-            <a:ext cx="175490" cy="175490"/>
-          </a:xfrm>
-          <a:prstGeom prst="ellipse">
-            <a:avLst/>
-          </a:prstGeom>
-        </p:spPr>
-        <p:style>
-          <a:lnRef idx="2">
-            <a:schemeClr val="accent1">
-              <a:shade val="50000"/>
-            </a:schemeClr>
-          </a:lnRef>
-          <a:fillRef idx="1">
-            <a:schemeClr val="accent1"/>
-          </a:fillRef>
-          <a:effectRef idx="0">
-            <a:schemeClr val="accent1"/>
-          </a:effectRef>
-          <a:fontRef idx="minor">
-            <a:schemeClr val="lt1"/>
-          </a:fontRef>
-        </p:style>
-        <p:txBody>
-          <a:bodyPr rtlCol="0" anchor="ctr"/>
-          <a:lstStyle/>
-          <a:p>
-            <a:pPr algn="ctr"/>
-            <a:endParaRPr lang="fr-CH"/>
-          </a:p>
-        </p:txBody>
-      </p:sp>
-      <p:sp>
-        <p:nvSpPr>
-          <p:cNvPr id="6" name="ZoneTexte 5"/>
-          <p:cNvSpPr txBox="1"/>
-          <p:nvPr/>
-        </p:nvSpPr>
-        <p:spPr>
-          <a:xfrm>
-            <a:off x="3967422" y="1202174"/>
-            <a:ext cx="1498715" cy="323165"/>
-          </a:xfrm>
-          <a:prstGeom prst="rect">
-            <a:avLst/>
-          </a:prstGeom>
-          <a:noFill/>
-        </p:spPr>
-        <p:txBody>
-          <a:bodyPr wrap="square" rtlCol="0">
-            <a:spAutoFit/>
-          </a:bodyPr>
-          <a:lstStyle/>
-          <a:p>
-            <a:r>
-              <a:rPr lang="fr-CH" sz="1500" dirty="0" smtClean="0"/>
-              <a:t>Station MS60</a:t>
-            </a:r>
-            <a:endParaRPr lang="fr-CH" sz="1500" dirty="0"/>
-          </a:p>
-        </p:txBody>
-      </p:sp>
-      <p:sp>
-        <p:nvSpPr>
-          <p:cNvPr id="7" name="ZoneTexte 6"/>
-          <p:cNvSpPr txBox="1"/>
-          <p:nvPr/>
-        </p:nvSpPr>
-        <p:spPr>
-          <a:xfrm>
-            <a:off x="4640323" y="2582579"/>
-            <a:ext cx="890450" cy="276999"/>
-          </a:xfrm>
-          <a:prstGeom prst="rect">
-            <a:avLst/>
-          </a:prstGeom>
-          <a:noFill/>
-        </p:spPr>
-        <p:txBody>
-          <a:bodyPr wrap="square" rtlCol="0">
-            <a:spAutoFit/>
-          </a:bodyPr>
-          <a:lstStyle/>
-          <a:p>
-            <a:r>
-              <a:rPr lang="fr-CH" sz="1200" b="1" dirty="0" smtClean="0"/>
-              <a:t>Scan 8007</a:t>
-            </a:r>
-            <a:endParaRPr lang="fr-CH" sz="1200" b="1" dirty="0"/>
-          </a:p>
-        </p:txBody>
-      </p:sp>
-      <p:sp>
-        <p:nvSpPr>
-          <p:cNvPr id="76" name="ZoneTexte 75"/>
-          <p:cNvSpPr txBox="1"/>
-          <p:nvPr/>
-        </p:nvSpPr>
-        <p:spPr>
-          <a:xfrm>
-            <a:off x="6942189" y="3607926"/>
-            <a:ext cx="890450" cy="276999"/>
-          </a:xfrm>
-          <a:prstGeom prst="rect">
-            <a:avLst/>
-          </a:prstGeom>
-          <a:noFill/>
-        </p:spPr>
-        <p:txBody>
-          <a:bodyPr wrap="square" rtlCol="0">
-            <a:spAutoFit/>
-          </a:bodyPr>
-          <a:lstStyle/>
-          <a:p>
-            <a:r>
-              <a:rPr lang="fr-CH" sz="1200" b="1" dirty="0" smtClean="0"/>
-              <a:t>Scan 8001</a:t>
-            </a:r>
-            <a:endParaRPr lang="fr-CH" sz="1200" b="1" dirty="0"/>
-          </a:p>
-        </p:txBody>
-      </p:sp>
-      <p:sp>
-        <p:nvSpPr>
-          <p:cNvPr id="78" name="ZoneTexte 77"/>
-          <p:cNvSpPr txBox="1"/>
-          <p:nvPr/>
-        </p:nvSpPr>
-        <p:spPr>
-          <a:xfrm>
-            <a:off x="4321238" y="4202364"/>
-            <a:ext cx="890450" cy="276999"/>
-          </a:xfrm>
-          <a:prstGeom prst="rect">
-            <a:avLst/>
-          </a:prstGeom>
-          <a:noFill/>
-        </p:spPr>
-        <p:txBody>
-          <a:bodyPr wrap="square" rtlCol="0">
-            <a:spAutoFit/>
-          </a:bodyPr>
-          <a:lstStyle/>
-          <a:p>
-            <a:r>
-              <a:rPr lang="fr-CH" sz="1200" b="1" dirty="0" smtClean="0"/>
-              <a:t>Scan 8002</a:t>
-            </a:r>
-            <a:endParaRPr lang="fr-CH" sz="1200" b="1" dirty="0"/>
-          </a:p>
-        </p:txBody>
-      </p:sp>
-      <p:sp>
-        <p:nvSpPr>
-          <p:cNvPr id="80" name="ZoneTexte 79"/>
-          <p:cNvSpPr txBox="1"/>
-          <p:nvPr/>
-        </p:nvSpPr>
-        <p:spPr>
-          <a:xfrm>
-            <a:off x="3225704" y="2875570"/>
-            <a:ext cx="890450" cy="276999"/>
-          </a:xfrm>
-          <a:prstGeom prst="rect">
-            <a:avLst/>
-          </a:prstGeom>
-          <a:noFill/>
-        </p:spPr>
-        <p:txBody>
-          <a:bodyPr wrap="square" rtlCol="0">
-            <a:spAutoFit/>
-          </a:bodyPr>
-          <a:lstStyle/>
-          <a:p>
-            <a:r>
-              <a:rPr lang="fr-CH" sz="1200" b="1" dirty="0" smtClean="0"/>
-              <a:t>Scan 8003</a:t>
-            </a:r>
-            <a:endParaRPr lang="fr-CH" sz="1200" b="1" dirty="0"/>
-          </a:p>
-        </p:txBody>
-      </p:sp>
-      <p:sp>
-        <p:nvSpPr>
-          <p:cNvPr id="82" name="ZoneTexte 81"/>
-          <p:cNvSpPr txBox="1"/>
-          <p:nvPr/>
-        </p:nvSpPr>
-        <p:spPr>
-          <a:xfrm>
-            <a:off x="5458864" y="2382275"/>
-            <a:ext cx="890450" cy="276999"/>
-          </a:xfrm>
-          <a:prstGeom prst="rect">
-            <a:avLst/>
-          </a:prstGeom>
-          <a:noFill/>
-        </p:spPr>
-        <p:txBody>
-          <a:bodyPr wrap="square" rtlCol="0">
-            <a:spAutoFit/>
-          </a:bodyPr>
-          <a:lstStyle/>
-          <a:p>
-            <a:r>
-              <a:rPr lang="fr-CH" sz="1200" b="1" dirty="0" smtClean="0"/>
-              <a:t>Scan 8004</a:t>
-            </a:r>
-            <a:endParaRPr lang="fr-CH" sz="1200" b="1" dirty="0"/>
-          </a:p>
-        </p:txBody>
-      </p:sp>
-    </p:spTree>
-    <p:extLst>
-      <p:ext uri="{BB962C8B-B14F-4D97-AF65-F5344CB8AC3E}">
-        <p14:creationId xmlns:p14="http://schemas.microsoft.com/office/powerpoint/2010/main" val="3965180398"/>
       </p:ext>
     </p:extLst>
   </p:cSld>
